--- a/Spec/FHIR API.pptx
+++ b/Spec/FHIR API.pptx
@@ -6,7 +6,7 @@
     <p:sldMasterId id="2147483660" r:id="rId2"/>
   </p:sldMasterIdLst>
   <p:notesMasterIdLst>
-    <p:notesMasterId r:id="rId12"/>
+    <p:notesMasterId r:id="rId13"/>
   </p:notesMasterIdLst>
   <p:sldIdLst>
     <p:sldId id="392" r:id="rId3"/>
@@ -16,8 +16,9 @@
     <p:sldId id="398" r:id="rId7"/>
     <p:sldId id="400" r:id="rId8"/>
     <p:sldId id="401" r:id="rId9"/>
-    <p:sldId id="362" r:id="rId10"/>
-    <p:sldId id="396" r:id="rId11"/>
+    <p:sldId id="402" r:id="rId10"/>
+    <p:sldId id="362" r:id="rId11"/>
+    <p:sldId id="396" r:id="rId12"/>
   </p:sldIdLst>
   <p:sldSz cx="9144000" cy="6858000" type="screen4x3"/>
   <p:notesSz cx="6858000" cy="9144000"/>
@@ -116,6 +117,22 @@
       </a:defRPr>
     </a:lvl9pPr>
   </p:defaultTextStyle>
+  <p:extLst>
+    <p:ext uri="{EFAFB233-063F-42B5-8137-9DF3F51BA10A}">
+      <p15:sldGuideLst xmlns:p15="http://schemas.microsoft.com/office/powerpoint/2012/main">
+        <p15:guide id="1" orient="horz" pos="2160">
+          <p15:clr>
+            <a:srgbClr val="A4A3A4"/>
+          </p15:clr>
+        </p15:guide>
+        <p15:guide id="2" pos="2880">
+          <p15:clr>
+            <a:srgbClr val="A4A3A4"/>
+          </p15:clr>
+        </p15:guide>
+      </p15:sldGuideLst>
+    </p:ext>
+  </p:extLst>
 </p:presentation>
 </file>
 
@@ -1078,7 +1095,7 @@
           <p:cNvPr id="2" name="標題 1">
             <a:extLst>
               <a:ext uri="{FF2B5EF4-FFF2-40B4-BE49-F238E27FC236}">
-                <a16:creationId xmlns="" xmlns:a16="http://schemas.microsoft.com/office/drawing/2014/main" id="{E337079D-66E1-0243-91C6-CDFFDAE58D54}"/>
+                <a16:creationId xmlns:a16="http://schemas.microsoft.com/office/drawing/2014/main" id="{E337079D-66E1-0243-91C6-CDFFDAE58D54}"/>
               </a:ext>
             </a:extLst>
           </p:cNvPr>
@@ -1115,7 +1132,7 @@
           <p:cNvPr id="3" name="副標題 2">
             <a:extLst>
               <a:ext uri="{FF2B5EF4-FFF2-40B4-BE49-F238E27FC236}">
-                <a16:creationId xmlns="" xmlns:a16="http://schemas.microsoft.com/office/drawing/2014/main" id="{F765EB1B-FB16-EC47-9DFC-CA475C800C9D}"/>
+                <a16:creationId xmlns:a16="http://schemas.microsoft.com/office/drawing/2014/main" id="{F765EB1B-FB16-EC47-9DFC-CA475C800C9D}"/>
               </a:ext>
             </a:extLst>
           </p:cNvPr>
@@ -1185,7 +1202,7 @@
           <p:cNvPr id="4" name="日期預留位置 3">
             <a:extLst>
               <a:ext uri="{FF2B5EF4-FFF2-40B4-BE49-F238E27FC236}">
-                <a16:creationId xmlns="" xmlns:a16="http://schemas.microsoft.com/office/drawing/2014/main" id="{A57679C0-3FC7-4E4B-8E50-44B0F1FEE64C}"/>
+                <a16:creationId xmlns:a16="http://schemas.microsoft.com/office/drawing/2014/main" id="{A57679C0-3FC7-4E4B-8E50-44B0F1FEE64C}"/>
               </a:ext>
             </a:extLst>
           </p:cNvPr>
@@ -1227,7 +1244,7 @@
           <p:cNvPr id="5" name="頁尾預留位置 4">
             <a:extLst>
               <a:ext uri="{FF2B5EF4-FFF2-40B4-BE49-F238E27FC236}">
-                <a16:creationId xmlns="" xmlns:a16="http://schemas.microsoft.com/office/drawing/2014/main" id="{36041CC9-1B13-3542-8343-F7CD8F4828C9}"/>
+                <a16:creationId xmlns:a16="http://schemas.microsoft.com/office/drawing/2014/main" id="{36041CC9-1B13-3542-8343-F7CD8F4828C9}"/>
               </a:ext>
             </a:extLst>
           </p:cNvPr>
@@ -1258,7 +1275,7 @@
           <p:cNvPr id="6" name="投影片編號預留位置 5">
             <a:extLst>
               <a:ext uri="{FF2B5EF4-FFF2-40B4-BE49-F238E27FC236}">
-                <a16:creationId xmlns="" xmlns:a16="http://schemas.microsoft.com/office/drawing/2014/main" id="{9A3634E2-EE25-9042-9F14-CCA65513610E}"/>
+                <a16:creationId xmlns:a16="http://schemas.microsoft.com/office/drawing/2014/main" id="{9A3634E2-EE25-9042-9F14-CCA65513610E}"/>
               </a:ext>
             </a:extLst>
           </p:cNvPr>
@@ -1330,7 +1347,7 @@
           <p:cNvPr id="2" name="標題 1">
             <a:extLst>
               <a:ext uri="{FF2B5EF4-FFF2-40B4-BE49-F238E27FC236}">
-                <a16:creationId xmlns="" xmlns:a16="http://schemas.microsoft.com/office/drawing/2014/main" id="{ACC497D0-A839-6842-BD6F-EEF277CA6E04}"/>
+                <a16:creationId xmlns:a16="http://schemas.microsoft.com/office/drawing/2014/main" id="{ACC497D0-A839-6842-BD6F-EEF277CA6E04}"/>
               </a:ext>
             </a:extLst>
           </p:cNvPr>
@@ -1358,7 +1375,7 @@
           <p:cNvPr id="3" name="內容版面配置區 2">
             <a:extLst>
               <a:ext uri="{FF2B5EF4-FFF2-40B4-BE49-F238E27FC236}">
-                <a16:creationId xmlns="" xmlns:a16="http://schemas.microsoft.com/office/drawing/2014/main" id="{5861580D-B418-5B45-BBEB-BCD4C1AA3D41}"/>
+                <a16:creationId xmlns:a16="http://schemas.microsoft.com/office/drawing/2014/main" id="{5861580D-B418-5B45-BBEB-BCD4C1AA3D41}"/>
               </a:ext>
             </a:extLst>
           </p:cNvPr>
@@ -1415,7 +1432,7 @@
           <p:cNvPr id="4" name="日期預留位置 3">
             <a:extLst>
               <a:ext uri="{FF2B5EF4-FFF2-40B4-BE49-F238E27FC236}">
-                <a16:creationId xmlns="" xmlns:a16="http://schemas.microsoft.com/office/drawing/2014/main" id="{D1789A63-5CB1-8243-909B-B7A89EE8329E}"/>
+                <a16:creationId xmlns:a16="http://schemas.microsoft.com/office/drawing/2014/main" id="{D1789A63-5CB1-8243-909B-B7A89EE8329E}"/>
               </a:ext>
             </a:extLst>
           </p:cNvPr>
@@ -1457,7 +1474,7 @@
           <p:cNvPr id="5" name="頁尾預留位置 4">
             <a:extLst>
               <a:ext uri="{FF2B5EF4-FFF2-40B4-BE49-F238E27FC236}">
-                <a16:creationId xmlns="" xmlns:a16="http://schemas.microsoft.com/office/drawing/2014/main" id="{2A7AFCCA-375A-9646-9C57-E4B65F128603}"/>
+                <a16:creationId xmlns:a16="http://schemas.microsoft.com/office/drawing/2014/main" id="{2A7AFCCA-375A-9646-9C57-E4B65F128603}"/>
               </a:ext>
             </a:extLst>
           </p:cNvPr>
@@ -1488,7 +1505,7 @@
           <p:cNvPr id="6" name="投影片編號預留位置 5">
             <a:extLst>
               <a:ext uri="{FF2B5EF4-FFF2-40B4-BE49-F238E27FC236}">
-                <a16:creationId xmlns="" xmlns:a16="http://schemas.microsoft.com/office/drawing/2014/main" id="{50BA6DFE-F5D0-6E41-B473-9F9100E6190F}"/>
+                <a16:creationId xmlns:a16="http://schemas.microsoft.com/office/drawing/2014/main" id="{50BA6DFE-F5D0-6E41-B473-9F9100E6190F}"/>
               </a:ext>
             </a:extLst>
           </p:cNvPr>
@@ -1560,7 +1577,7 @@
           <p:cNvPr id="2" name="標題 1">
             <a:extLst>
               <a:ext uri="{FF2B5EF4-FFF2-40B4-BE49-F238E27FC236}">
-                <a16:creationId xmlns="" xmlns:a16="http://schemas.microsoft.com/office/drawing/2014/main" id="{4FF72AAC-4673-AA46-9F90-1A6DF68E78C3}"/>
+                <a16:creationId xmlns:a16="http://schemas.microsoft.com/office/drawing/2014/main" id="{4FF72AAC-4673-AA46-9F90-1A6DF68E78C3}"/>
               </a:ext>
             </a:extLst>
           </p:cNvPr>
@@ -1597,7 +1614,7 @@
           <p:cNvPr id="3" name="文字預留位置 2">
             <a:extLst>
               <a:ext uri="{FF2B5EF4-FFF2-40B4-BE49-F238E27FC236}">
-                <a16:creationId xmlns="" xmlns:a16="http://schemas.microsoft.com/office/drawing/2014/main" id="{6E409FB4-D2FB-994E-BDE0-A9849258BF81}"/>
+                <a16:creationId xmlns:a16="http://schemas.microsoft.com/office/drawing/2014/main" id="{6E409FB4-D2FB-994E-BDE0-A9849258BF81}"/>
               </a:ext>
             </a:extLst>
           </p:cNvPr>
@@ -1722,7 +1739,7 @@
           <p:cNvPr id="4" name="日期預留位置 3">
             <a:extLst>
               <a:ext uri="{FF2B5EF4-FFF2-40B4-BE49-F238E27FC236}">
-                <a16:creationId xmlns="" xmlns:a16="http://schemas.microsoft.com/office/drawing/2014/main" id="{F22CBB5D-6BC6-7A45-ACCE-044F5FB2164E}"/>
+                <a16:creationId xmlns:a16="http://schemas.microsoft.com/office/drawing/2014/main" id="{F22CBB5D-6BC6-7A45-ACCE-044F5FB2164E}"/>
               </a:ext>
             </a:extLst>
           </p:cNvPr>
@@ -1764,7 +1781,7 @@
           <p:cNvPr id="5" name="頁尾預留位置 4">
             <a:extLst>
               <a:ext uri="{FF2B5EF4-FFF2-40B4-BE49-F238E27FC236}">
-                <a16:creationId xmlns="" xmlns:a16="http://schemas.microsoft.com/office/drawing/2014/main" id="{59E6E52E-31B2-7F42-A7B0-807FBB654736}"/>
+                <a16:creationId xmlns:a16="http://schemas.microsoft.com/office/drawing/2014/main" id="{59E6E52E-31B2-7F42-A7B0-807FBB654736}"/>
               </a:ext>
             </a:extLst>
           </p:cNvPr>
@@ -1795,7 +1812,7 @@
           <p:cNvPr id="6" name="投影片編號預留位置 5">
             <a:extLst>
               <a:ext uri="{FF2B5EF4-FFF2-40B4-BE49-F238E27FC236}">
-                <a16:creationId xmlns="" xmlns:a16="http://schemas.microsoft.com/office/drawing/2014/main" id="{BF117D9E-CB43-664C-9F5E-6D5CB5E984D1}"/>
+                <a16:creationId xmlns:a16="http://schemas.microsoft.com/office/drawing/2014/main" id="{BF117D9E-CB43-664C-9F5E-6D5CB5E984D1}"/>
               </a:ext>
             </a:extLst>
           </p:cNvPr>
@@ -1867,7 +1884,7 @@
           <p:cNvPr id="2" name="標題 1">
             <a:extLst>
               <a:ext uri="{FF2B5EF4-FFF2-40B4-BE49-F238E27FC236}">
-                <a16:creationId xmlns="" xmlns:a16="http://schemas.microsoft.com/office/drawing/2014/main" id="{DAE471C2-1568-1145-B401-C6F76628903D}"/>
+                <a16:creationId xmlns:a16="http://schemas.microsoft.com/office/drawing/2014/main" id="{DAE471C2-1568-1145-B401-C6F76628903D}"/>
               </a:ext>
             </a:extLst>
           </p:cNvPr>
@@ -1895,7 +1912,7 @@
           <p:cNvPr id="3" name="內容版面配置區 2">
             <a:extLst>
               <a:ext uri="{FF2B5EF4-FFF2-40B4-BE49-F238E27FC236}">
-                <a16:creationId xmlns="" xmlns:a16="http://schemas.microsoft.com/office/drawing/2014/main" id="{DB420A71-2C32-D947-8619-E266CE2BF285}"/>
+                <a16:creationId xmlns:a16="http://schemas.microsoft.com/office/drawing/2014/main" id="{DB420A71-2C32-D947-8619-E266CE2BF285}"/>
               </a:ext>
             </a:extLst>
           </p:cNvPr>
@@ -1957,7 +1974,7 @@
           <p:cNvPr id="4" name="內容版面配置區 3">
             <a:extLst>
               <a:ext uri="{FF2B5EF4-FFF2-40B4-BE49-F238E27FC236}">
-                <a16:creationId xmlns="" xmlns:a16="http://schemas.microsoft.com/office/drawing/2014/main" id="{CBB3F339-0848-A14E-8AA4-59A328949A29}"/>
+                <a16:creationId xmlns:a16="http://schemas.microsoft.com/office/drawing/2014/main" id="{CBB3F339-0848-A14E-8AA4-59A328949A29}"/>
               </a:ext>
             </a:extLst>
           </p:cNvPr>
@@ -2019,7 +2036,7 @@
           <p:cNvPr id="5" name="日期預留位置 4">
             <a:extLst>
               <a:ext uri="{FF2B5EF4-FFF2-40B4-BE49-F238E27FC236}">
-                <a16:creationId xmlns="" xmlns:a16="http://schemas.microsoft.com/office/drawing/2014/main" id="{B5083DB7-C215-7A4B-839E-A7338541F902}"/>
+                <a16:creationId xmlns:a16="http://schemas.microsoft.com/office/drawing/2014/main" id="{B5083DB7-C215-7A4B-839E-A7338541F902}"/>
               </a:ext>
             </a:extLst>
           </p:cNvPr>
@@ -2061,7 +2078,7 @@
           <p:cNvPr id="6" name="頁尾預留位置 5">
             <a:extLst>
               <a:ext uri="{FF2B5EF4-FFF2-40B4-BE49-F238E27FC236}">
-                <a16:creationId xmlns="" xmlns:a16="http://schemas.microsoft.com/office/drawing/2014/main" id="{0CCCD040-F88A-2241-8A00-A4A52C1A3B85}"/>
+                <a16:creationId xmlns:a16="http://schemas.microsoft.com/office/drawing/2014/main" id="{0CCCD040-F88A-2241-8A00-A4A52C1A3B85}"/>
               </a:ext>
             </a:extLst>
           </p:cNvPr>
@@ -2092,7 +2109,7 @@
           <p:cNvPr id="7" name="投影片編號預留位置 6">
             <a:extLst>
               <a:ext uri="{FF2B5EF4-FFF2-40B4-BE49-F238E27FC236}">
-                <a16:creationId xmlns="" xmlns:a16="http://schemas.microsoft.com/office/drawing/2014/main" id="{48793D2B-4F19-DF43-AF7D-95560B3D2688}"/>
+                <a16:creationId xmlns:a16="http://schemas.microsoft.com/office/drawing/2014/main" id="{48793D2B-4F19-DF43-AF7D-95560B3D2688}"/>
               </a:ext>
             </a:extLst>
           </p:cNvPr>
@@ -2164,7 +2181,7 @@
           <p:cNvPr id="2" name="標題 1">
             <a:extLst>
               <a:ext uri="{FF2B5EF4-FFF2-40B4-BE49-F238E27FC236}">
-                <a16:creationId xmlns="" xmlns:a16="http://schemas.microsoft.com/office/drawing/2014/main" id="{1A038E84-0491-D54E-898A-C02CB0C11B7D}"/>
+                <a16:creationId xmlns:a16="http://schemas.microsoft.com/office/drawing/2014/main" id="{1A038E84-0491-D54E-898A-C02CB0C11B7D}"/>
               </a:ext>
             </a:extLst>
           </p:cNvPr>
@@ -2197,7 +2214,7 @@
           <p:cNvPr id="3" name="文字預留位置 2">
             <a:extLst>
               <a:ext uri="{FF2B5EF4-FFF2-40B4-BE49-F238E27FC236}">
-                <a16:creationId xmlns="" xmlns:a16="http://schemas.microsoft.com/office/drawing/2014/main" id="{5CE6DA34-D864-B14B-A381-8ADC31A113B3}"/>
+                <a16:creationId xmlns:a16="http://schemas.microsoft.com/office/drawing/2014/main" id="{5CE6DA34-D864-B14B-A381-8ADC31A113B3}"/>
               </a:ext>
             </a:extLst>
           </p:cNvPr>
@@ -2268,7 +2285,7 @@
           <p:cNvPr id="4" name="內容版面配置區 3">
             <a:extLst>
               <a:ext uri="{FF2B5EF4-FFF2-40B4-BE49-F238E27FC236}">
-                <a16:creationId xmlns="" xmlns:a16="http://schemas.microsoft.com/office/drawing/2014/main" id="{9C4FA5BA-5AF8-9149-B446-A957DF32CE18}"/>
+                <a16:creationId xmlns:a16="http://schemas.microsoft.com/office/drawing/2014/main" id="{9C4FA5BA-5AF8-9149-B446-A957DF32CE18}"/>
               </a:ext>
             </a:extLst>
           </p:cNvPr>
@@ -2330,7 +2347,7 @@
           <p:cNvPr id="5" name="文字預留位置 4">
             <a:extLst>
               <a:ext uri="{FF2B5EF4-FFF2-40B4-BE49-F238E27FC236}">
-                <a16:creationId xmlns="" xmlns:a16="http://schemas.microsoft.com/office/drawing/2014/main" id="{EB62449D-1951-F647-8095-BEDD2789C635}"/>
+                <a16:creationId xmlns:a16="http://schemas.microsoft.com/office/drawing/2014/main" id="{EB62449D-1951-F647-8095-BEDD2789C635}"/>
               </a:ext>
             </a:extLst>
           </p:cNvPr>
@@ -2401,7 +2418,7 @@
           <p:cNvPr id="6" name="內容版面配置區 5">
             <a:extLst>
               <a:ext uri="{FF2B5EF4-FFF2-40B4-BE49-F238E27FC236}">
-                <a16:creationId xmlns="" xmlns:a16="http://schemas.microsoft.com/office/drawing/2014/main" id="{4ADB89D3-3CF3-5347-8F7F-894FE469DC5F}"/>
+                <a16:creationId xmlns:a16="http://schemas.microsoft.com/office/drawing/2014/main" id="{4ADB89D3-3CF3-5347-8F7F-894FE469DC5F}"/>
               </a:ext>
             </a:extLst>
           </p:cNvPr>
@@ -2463,7 +2480,7 @@
           <p:cNvPr id="7" name="日期預留位置 6">
             <a:extLst>
               <a:ext uri="{FF2B5EF4-FFF2-40B4-BE49-F238E27FC236}">
-                <a16:creationId xmlns="" xmlns:a16="http://schemas.microsoft.com/office/drawing/2014/main" id="{C7FC2EA2-0F06-BF4E-8A78-1D9CCC2DB048}"/>
+                <a16:creationId xmlns:a16="http://schemas.microsoft.com/office/drawing/2014/main" id="{C7FC2EA2-0F06-BF4E-8A78-1D9CCC2DB048}"/>
               </a:ext>
             </a:extLst>
           </p:cNvPr>
@@ -2505,7 +2522,7 @@
           <p:cNvPr id="8" name="頁尾預留位置 7">
             <a:extLst>
               <a:ext uri="{FF2B5EF4-FFF2-40B4-BE49-F238E27FC236}">
-                <a16:creationId xmlns="" xmlns:a16="http://schemas.microsoft.com/office/drawing/2014/main" id="{2A77DB6D-4B3C-FA4C-8E0B-9FB08048BA4A}"/>
+                <a16:creationId xmlns:a16="http://schemas.microsoft.com/office/drawing/2014/main" id="{2A77DB6D-4B3C-FA4C-8E0B-9FB08048BA4A}"/>
               </a:ext>
             </a:extLst>
           </p:cNvPr>
@@ -2536,7 +2553,7 @@
           <p:cNvPr id="9" name="投影片編號預留位置 8">
             <a:extLst>
               <a:ext uri="{FF2B5EF4-FFF2-40B4-BE49-F238E27FC236}">
-                <a16:creationId xmlns="" xmlns:a16="http://schemas.microsoft.com/office/drawing/2014/main" id="{C7C017CD-4B22-FB45-8CD2-F845A143F7ED}"/>
+                <a16:creationId xmlns:a16="http://schemas.microsoft.com/office/drawing/2014/main" id="{C7C017CD-4B22-FB45-8CD2-F845A143F7ED}"/>
               </a:ext>
             </a:extLst>
           </p:cNvPr>
@@ -2608,7 +2625,7 @@
           <p:cNvPr id="2" name="標題 1">
             <a:extLst>
               <a:ext uri="{FF2B5EF4-FFF2-40B4-BE49-F238E27FC236}">
-                <a16:creationId xmlns="" xmlns:a16="http://schemas.microsoft.com/office/drawing/2014/main" id="{C46E2F77-50D9-114C-BB52-FB5CC3549765}"/>
+                <a16:creationId xmlns:a16="http://schemas.microsoft.com/office/drawing/2014/main" id="{C46E2F77-50D9-114C-BB52-FB5CC3549765}"/>
               </a:ext>
             </a:extLst>
           </p:cNvPr>
@@ -2636,7 +2653,7 @@
           <p:cNvPr id="3" name="日期預留位置 2">
             <a:extLst>
               <a:ext uri="{FF2B5EF4-FFF2-40B4-BE49-F238E27FC236}">
-                <a16:creationId xmlns="" xmlns:a16="http://schemas.microsoft.com/office/drawing/2014/main" id="{DDAD2F67-DE19-5D4A-8B61-AA9E5C049A3B}"/>
+                <a16:creationId xmlns:a16="http://schemas.microsoft.com/office/drawing/2014/main" id="{DDAD2F67-DE19-5D4A-8B61-AA9E5C049A3B}"/>
               </a:ext>
             </a:extLst>
           </p:cNvPr>
@@ -2678,7 +2695,7 @@
           <p:cNvPr id="4" name="頁尾預留位置 3">
             <a:extLst>
               <a:ext uri="{FF2B5EF4-FFF2-40B4-BE49-F238E27FC236}">
-                <a16:creationId xmlns="" xmlns:a16="http://schemas.microsoft.com/office/drawing/2014/main" id="{28645371-3B58-324B-A667-FCA379E9F44F}"/>
+                <a16:creationId xmlns:a16="http://schemas.microsoft.com/office/drawing/2014/main" id="{28645371-3B58-324B-A667-FCA379E9F44F}"/>
               </a:ext>
             </a:extLst>
           </p:cNvPr>
@@ -2709,7 +2726,7 @@
           <p:cNvPr id="5" name="投影片編號預留位置 4">
             <a:extLst>
               <a:ext uri="{FF2B5EF4-FFF2-40B4-BE49-F238E27FC236}">
-                <a16:creationId xmlns="" xmlns:a16="http://schemas.microsoft.com/office/drawing/2014/main" id="{C497C079-859C-794C-995B-CDB451A3CC64}"/>
+                <a16:creationId xmlns:a16="http://schemas.microsoft.com/office/drawing/2014/main" id="{C497C079-859C-794C-995B-CDB451A3CC64}"/>
               </a:ext>
             </a:extLst>
           </p:cNvPr>
@@ -2781,7 +2798,7 @@
           <p:cNvPr id="2" name="日期預留位置 1">
             <a:extLst>
               <a:ext uri="{FF2B5EF4-FFF2-40B4-BE49-F238E27FC236}">
-                <a16:creationId xmlns="" xmlns:a16="http://schemas.microsoft.com/office/drawing/2014/main" id="{6F61C14E-87E9-524E-A965-C827C897BDEC}"/>
+                <a16:creationId xmlns:a16="http://schemas.microsoft.com/office/drawing/2014/main" id="{6F61C14E-87E9-524E-A965-C827C897BDEC}"/>
               </a:ext>
             </a:extLst>
           </p:cNvPr>
@@ -2823,7 +2840,7 @@
           <p:cNvPr id="3" name="頁尾預留位置 2">
             <a:extLst>
               <a:ext uri="{FF2B5EF4-FFF2-40B4-BE49-F238E27FC236}">
-                <a16:creationId xmlns="" xmlns:a16="http://schemas.microsoft.com/office/drawing/2014/main" id="{9333A604-5EF9-CA48-9721-49818BAF1DBB}"/>
+                <a16:creationId xmlns:a16="http://schemas.microsoft.com/office/drawing/2014/main" id="{9333A604-5EF9-CA48-9721-49818BAF1DBB}"/>
               </a:ext>
             </a:extLst>
           </p:cNvPr>
@@ -2854,7 +2871,7 @@
           <p:cNvPr id="4" name="投影片編號預留位置 3">
             <a:extLst>
               <a:ext uri="{FF2B5EF4-FFF2-40B4-BE49-F238E27FC236}">
-                <a16:creationId xmlns="" xmlns:a16="http://schemas.microsoft.com/office/drawing/2014/main" id="{3A70BA0C-74A5-4945-B0D3-688AF06A529C}"/>
+                <a16:creationId xmlns:a16="http://schemas.microsoft.com/office/drawing/2014/main" id="{3A70BA0C-74A5-4945-B0D3-688AF06A529C}"/>
               </a:ext>
             </a:extLst>
           </p:cNvPr>
@@ -2926,7 +2943,7 @@
           <p:cNvPr id="2" name="標題 1">
             <a:extLst>
               <a:ext uri="{FF2B5EF4-FFF2-40B4-BE49-F238E27FC236}">
-                <a16:creationId xmlns="" xmlns:a16="http://schemas.microsoft.com/office/drawing/2014/main" id="{BA4D076D-9FC7-5842-9CAE-F8B02E9840C9}"/>
+                <a16:creationId xmlns:a16="http://schemas.microsoft.com/office/drawing/2014/main" id="{BA4D076D-9FC7-5842-9CAE-F8B02E9840C9}"/>
               </a:ext>
             </a:extLst>
           </p:cNvPr>
@@ -2963,7 +2980,7 @@
           <p:cNvPr id="3" name="內容版面配置區 2">
             <a:extLst>
               <a:ext uri="{FF2B5EF4-FFF2-40B4-BE49-F238E27FC236}">
-                <a16:creationId xmlns="" xmlns:a16="http://schemas.microsoft.com/office/drawing/2014/main" id="{B5B08781-8271-0043-9125-0A4FCEB0B0E4}"/>
+                <a16:creationId xmlns:a16="http://schemas.microsoft.com/office/drawing/2014/main" id="{B5B08781-8271-0043-9125-0A4FCEB0B0E4}"/>
               </a:ext>
             </a:extLst>
           </p:cNvPr>
@@ -3053,7 +3070,7 @@
           <p:cNvPr id="4" name="文字預留位置 3">
             <a:extLst>
               <a:ext uri="{FF2B5EF4-FFF2-40B4-BE49-F238E27FC236}">
-                <a16:creationId xmlns="" xmlns:a16="http://schemas.microsoft.com/office/drawing/2014/main" id="{4FA18D00-405B-C042-A31D-64719AE60A15}"/>
+                <a16:creationId xmlns:a16="http://schemas.microsoft.com/office/drawing/2014/main" id="{4FA18D00-405B-C042-A31D-64719AE60A15}"/>
               </a:ext>
             </a:extLst>
           </p:cNvPr>
@@ -3124,7 +3141,7 @@
           <p:cNvPr id="5" name="日期預留位置 4">
             <a:extLst>
               <a:ext uri="{FF2B5EF4-FFF2-40B4-BE49-F238E27FC236}">
-                <a16:creationId xmlns="" xmlns:a16="http://schemas.microsoft.com/office/drawing/2014/main" id="{8FADD7F6-00AF-DA4E-85BF-0061BEE52E74}"/>
+                <a16:creationId xmlns:a16="http://schemas.microsoft.com/office/drawing/2014/main" id="{8FADD7F6-00AF-DA4E-85BF-0061BEE52E74}"/>
               </a:ext>
             </a:extLst>
           </p:cNvPr>
@@ -3166,7 +3183,7 @@
           <p:cNvPr id="6" name="頁尾預留位置 5">
             <a:extLst>
               <a:ext uri="{FF2B5EF4-FFF2-40B4-BE49-F238E27FC236}">
-                <a16:creationId xmlns="" xmlns:a16="http://schemas.microsoft.com/office/drawing/2014/main" id="{5DCB428D-5E1D-FB4E-AFFF-91A6947283D8}"/>
+                <a16:creationId xmlns:a16="http://schemas.microsoft.com/office/drawing/2014/main" id="{5DCB428D-5E1D-FB4E-AFFF-91A6947283D8}"/>
               </a:ext>
             </a:extLst>
           </p:cNvPr>
@@ -3197,7 +3214,7 @@
           <p:cNvPr id="7" name="投影片編號預留位置 6">
             <a:extLst>
               <a:ext uri="{FF2B5EF4-FFF2-40B4-BE49-F238E27FC236}">
-                <a16:creationId xmlns="" xmlns:a16="http://schemas.microsoft.com/office/drawing/2014/main" id="{EB0EFD9A-7770-CB43-A107-62A26BF66112}"/>
+                <a16:creationId xmlns:a16="http://schemas.microsoft.com/office/drawing/2014/main" id="{EB0EFD9A-7770-CB43-A107-62A26BF66112}"/>
               </a:ext>
             </a:extLst>
           </p:cNvPr>
@@ -3436,7 +3453,7 @@
           <p:cNvPr id="2" name="標題 1">
             <a:extLst>
               <a:ext uri="{FF2B5EF4-FFF2-40B4-BE49-F238E27FC236}">
-                <a16:creationId xmlns="" xmlns:a16="http://schemas.microsoft.com/office/drawing/2014/main" id="{2FBCB9CA-07BE-8942-885C-C2D764963BF4}"/>
+                <a16:creationId xmlns:a16="http://schemas.microsoft.com/office/drawing/2014/main" id="{2FBCB9CA-07BE-8942-885C-C2D764963BF4}"/>
               </a:ext>
             </a:extLst>
           </p:cNvPr>
@@ -3473,7 +3490,7 @@
           <p:cNvPr id="3" name="圖片預留位置 2">
             <a:extLst>
               <a:ext uri="{FF2B5EF4-FFF2-40B4-BE49-F238E27FC236}">
-                <a16:creationId xmlns="" xmlns:a16="http://schemas.microsoft.com/office/drawing/2014/main" id="{100FC963-FF5D-EA4F-913A-79F27074E6FB}"/>
+                <a16:creationId xmlns:a16="http://schemas.microsoft.com/office/drawing/2014/main" id="{100FC963-FF5D-EA4F-913A-79F27074E6FB}"/>
               </a:ext>
             </a:extLst>
           </p:cNvPr>
@@ -3540,7 +3557,7 @@
           <p:cNvPr id="4" name="文字預留位置 3">
             <a:extLst>
               <a:ext uri="{FF2B5EF4-FFF2-40B4-BE49-F238E27FC236}">
-                <a16:creationId xmlns="" xmlns:a16="http://schemas.microsoft.com/office/drawing/2014/main" id="{6A979142-91F5-5B47-A16A-DEDFE5E72B45}"/>
+                <a16:creationId xmlns:a16="http://schemas.microsoft.com/office/drawing/2014/main" id="{6A979142-91F5-5B47-A16A-DEDFE5E72B45}"/>
               </a:ext>
             </a:extLst>
           </p:cNvPr>
@@ -3611,7 +3628,7 @@
           <p:cNvPr id="5" name="日期預留位置 4">
             <a:extLst>
               <a:ext uri="{FF2B5EF4-FFF2-40B4-BE49-F238E27FC236}">
-                <a16:creationId xmlns="" xmlns:a16="http://schemas.microsoft.com/office/drawing/2014/main" id="{DA255A8E-12FB-2F49-AF2F-E1BE8C99ACA1}"/>
+                <a16:creationId xmlns:a16="http://schemas.microsoft.com/office/drawing/2014/main" id="{DA255A8E-12FB-2F49-AF2F-E1BE8C99ACA1}"/>
               </a:ext>
             </a:extLst>
           </p:cNvPr>
@@ -3653,7 +3670,7 @@
           <p:cNvPr id="6" name="頁尾預留位置 5">
             <a:extLst>
               <a:ext uri="{FF2B5EF4-FFF2-40B4-BE49-F238E27FC236}">
-                <a16:creationId xmlns="" xmlns:a16="http://schemas.microsoft.com/office/drawing/2014/main" id="{CD2D775D-6D35-434F-99F8-1EA33D1A4DE1}"/>
+                <a16:creationId xmlns:a16="http://schemas.microsoft.com/office/drawing/2014/main" id="{CD2D775D-6D35-434F-99F8-1EA33D1A4DE1}"/>
               </a:ext>
             </a:extLst>
           </p:cNvPr>
@@ -3684,7 +3701,7 @@
           <p:cNvPr id="7" name="投影片編號預留位置 6">
             <a:extLst>
               <a:ext uri="{FF2B5EF4-FFF2-40B4-BE49-F238E27FC236}">
-                <a16:creationId xmlns="" xmlns:a16="http://schemas.microsoft.com/office/drawing/2014/main" id="{01F366E8-A16B-FF47-A37A-3CDE5DFCD76A}"/>
+                <a16:creationId xmlns:a16="http://schemas.microsoft.com/office/drawing/2014/main" id="{01F366E8-A16B-FF47-A37A-3CDE5DFCD76A}"/>
               </a:ext>
             </a:extLst>
           </p:cNvPr>
@@ -3756,7 +3773,7 @@
           <p:cNvPr id="2" name="標題 1">
             <a:extLst>
               <a:ext uri="{FF2B5EF4-FFF2-40B4-BE49-F238E27FC236}">
-                <a16:creationId xmlns="" xmlns:a16="http://schemas.microsoft.com/office/drawing/2014/main" id="{FFE24F5D-5F25-DF47-B664-181B24853E69}"/>
+                <a16:creationId xmlns:a16="http://schemas.microsoft.com/office/drawing/2014/main" id="{FFE24F5D-5F25-DF47-B664-181B24853E69}"/>
               </a:ext>
             </a:extLst>
           </p:cNvPr>
@@ -3784,7 +3801,7 @@
           <p:cNvPr id="3" name="直排文字預留位置 2">
             <a:extLst>
               <a:ext uri="{FF2B5EF4-FFF2-40B4-BE49-F238E27FC236}">
-                <a16:creationId xmlns="" xmlns:a16="http://schemas.microsoft.com/office/drawing/2014/main" id="{26B8E40A-A242-E748-AEA2-2780FE18AB13}"/>
+                <a16:creationId xmlns:a16="http://schemas.microsoft.com/office/drawing/2014/main" id="{26B8E40A-A242-E748-AEA2-2780FE18AB13}"/>
               </a:ext>
             </a:extLst>
           </p:cNvPr>
@@ -3841,7 +3858,7 @@
           <p:cNvPr id="4" name="日期預留位置 3">
             <a:extLst>
               <a:ext uri="{FF2B5EF4-FFF2-40B4-BE49-F238E27FC236}">
-                <a16:creationId xmlns="" xmlns:a16="http://schemas.microsoft.com/office/drawing/2014/main" id="{6F4EF71F-FB75-7146-8332-38DE4CAC01D3}"/>
+                <a16:creationId xmlns:a16="http://schemas.microsoft.com/office/drawing/2014/main" id="{6F4EF71F-FB75-7146-8332-38DE4CAC01D3}"/>
               </a:ext>
             </a:extLst>
           </p:cNvPr>
@@ -3883,7 +3900,7 @@
           <p:cNvPr id="5" name="頁尾預留位置 4">
             <a:extLst>
               <a:ext uri="{FF2B5EF4-FFF2-40B4-BE49-F238E27FC236}">
-                <a16:creationId xmlns="" xmlns:a16="http://schemas.microsoft.com/office/drawing/2014/main" id="{C53D9693-684F-8942-A01C-528DD9E5A53B}"/>
+                <a16:creationId xmlns:a16="http://schemas.microsoft.com/office/drawing/2014/main" id="{C53D9693-684F-8942-A01C-528DD9E5A53B}"/>
               </a:ext>
             </a:extLst>
           </p:cNvPr>
@@ -3914,7 +3931,7 @@
           <p:cNvPr id="6" name="投影片編號預留位置 5">
             <a:extLst>
               <a:ext uri="{FF2B5EF4-FFF2-40B4-BE49-F238E27FC236}">
-                <a16:creationId xmlns="" xmlns:a16="http://schemas.microsoft.com/office/drawing/2014/main" id="{4E903EED-2682-0847-B215-6B0BFBBF4F53}"/>
+                <a16:creationId xmlns:a16="http://schemas.microsoft.com/office/drawing/2014/main" id="{4E903EED-2682-0847-B215-6B0BFBBF4F53}"/>
               </a:ext>
             </a:extLst>
           </p:cNvPr>
@@ -3986,7 +4003,7 @@
           <p:cNvPr id="2" name="直排標題 1">
             <a:extLst>
               <a:ext uri="{FF2B5EF4-FFF2-40B4-BE49-F238E27FC236}">
-                <a16:creationId xmlns="" xmlns:a16="http://schemas.microsoft.com/office/drawing/2014/main" id="{507B19B4-4F5C-454D-9C07-669C06B9CDB5}"/>
+                <a16:creationId xmlns:a16="http://schemas.microsoft.com/office/drawing/2014/main" id="{507B19B4-4F5C-454D-9C07-669C06B9CDB5}"/>
               </a:ext>
             </a:extLst>
           </p:cNvPr>
@@ -4019,7 +4036,7 @@
           <p:cNvPr id="3" name="直排文字預留位置 2">
             <a:extLst>
               <a:ext uri="{FF2B5EF4-FFF2-40B4-BE49-F238E27FC236}">
-                <a16:creationId xmlns="" xmlns:a16="http://schemas.microsoft.com/office/drawing/2014/main" id="{48175020-EF60-BA42-9A10-C5E7973B3449}"/>
+                <a16:creationId xmlns:a16="http://schemas.microsoft.com/office/drawing/2014/main" id="{48175020-EF60-BA42-9A10-C5E7973B3449}"/>
               </a:ext>
             </a:extLst>
           </p:cNvPr>
@@ -4081,7 +4098,7 @@
           <p:cNvPr id="4" name="日期預留位置 3">
             <a:extLst>
               <a:ext uri="{FF2B5EF4-FFF2-40B4-BE49-F238E27FC236}">
-                <a16:creationId xmlns="" xmlns:a16="http://schemas.microsoft.com/office/drawing/2014/main" id="{3C0C995F-545B-5D40-9E99-C64267240B09}"/>
+                <a16:creationId xmlns:a16="http://schemas.microsoft.com/office/drawing/2014/main" id="{3C0C995F-545B-5D40-9E99-C64267240B09}"/>
               </a:ext>
             </a:extLst>
           </p:cNvPr>
@@ -4123,7 +4140,7 @@
           <p:cNvPr id="5" name="頁尾預留位置 4">
             <a:extLst>
               <a:ext uri="{FF2B5EF4-FFF2-40B4-BE49-F238E27FC236}">
-                <a16:creationId xmlns="" xmlns:a16="http://schemas.microsoft.com/office/drawing/2014/main" id="{8E5243F9-25AE-2D41-818E-3D1DD2C01AE2}"/>
+                <a16:creationId xmlns:a16="http://schemas.microsoft.com/office/drawing/2014/main" id="{8E5243F9-25AE-2D41-818E-3D1DD2C01AE2}"/>
               </a:ext>
             </a:extLst>
           </p:cNvPr>
@@ -4154,7 +4171,7 @@
           <p:cNvPr id="6" name="投影片編號預留位置 5">
             <a:extLst>
               <a:ext uri="{FF2B5EF4-FFF2-40B4-BE49-F238E27FC236}">
-                <a16:creationId xmlns="" xmlns:a16="http://schemas.microsoft.com/office/drawing/2014/main" id="{DC62F9C5-5CD3-4940-B59B-1CCF2EE457D3}"/>
+                <a16:creationId xmlns:a16="http://schemas.microsoft.com/office/drawing/2014/main" id="{DC62F9C5-5CD3-4940-B59B-1CCF2EE457D3}"/>
               </a:ext>
             </a:extLst>
           </p:cNvPr>
@@ -7425,7 +7442,7 @@
           <p:cNvPr id="2" name="標題預留位置 1">
             <a:extLst>
               <a:ext uri="{FF2B5EF4-FFF2-40B4-BE49-F238E27FC236}">
-                <a16:creationId xmlns="" xmlns:a16="http://schemas.microsoft.com/office/drawing/2014/main" id="{997460D6-EC67-1645-AF93-73CAB78EAB41}"/>
+                <a16:creationId xmlns:a16="http://schemas.microsoft.com/office/drawing/2014/main" id="{997460D6-EC67-1645-AF93-73CAB78EAB41}"/>
               </a:ext>
             </a:extLst>
           </p:cNvPr>
@@ -7463,7 +7480,7 @@
           <p:cNvPr id="3" name="文字預留位置 2">
             <a:extLst>
               <a:ext uri="{FF2B5EF4-FFF2-40B4-BE49-F238E27FC236}">
-                <a16:creationId xmlns="" xmlns:a16="http://schemas.microsoft.com/office/drawing/2014/main" id="{BE311FF1-57C6-3343-A630-C1FEC26FF0AC}"/>
+                <a16:creationId xmlns:a16="http://schemas.microsoft.com/office/drawing/2014/main" id="{BE311FF1-57C6-3343-A630-C1FEC26FF0AC}"/>
               </a:ext>
             </a:extLst>
           </p:cNvPr>
@@ -7530,7 +7547,7 @@
           <p:cNvPr id="4" name="日期預留位置 3">
             <a:extLst>
               <a:ext uri="{FF2B5EF4-FFF2-40B4-BE49-F238E27FC236}">
-                <a16:creationId xmlns="" xmlns:a16="http://schemas.microsoft.com/office/drawing/2014/main" id="{AF953189-FF50-9B4C-9655-07D51FA3D886}"/>
+                <a16:creationId xmlns:a16="http://schemas.microsoft.com/office/drawing/2014/main" id="{AF953189-FF50-9B4C-9655-07D51FA3D886}"/>
               </a:ext>
             </a:extLst>
           </p:cNvPr>
@@ -7590,7 +7607,7 @@
           <p:cNvPr id="5" name="頁尾預留位置 4">
             <a:extLst>
               <a:ext uri="{FF2B5EF4-FFF2-40B4-BE49-F238E27FC236}">
-                <a16:creationId xmlns="" xmlns:a16="http://schemas.microsoft.com/office/drawing/2014/main" id="{7686F0E3-AF52-AF49-A470-1809603A617C}"/>
+                <a16:creationId xmlns:a16="http://schemas.microsoft.com/office/drawing/2014/main" id="{7686F0E3-AF52-AF49-A470-1809603A617C}"/>
               </a:ext>
             </a:extLst>
           </p:cNvPr>
@@ -7639,7 +7656,7 @@
           <p:cNvPr id="6" name="投影片編號預留位置 5">
             <a:extLst>
               <a:ext uri="{FF2B5EF4-FFF2-40B4-BE49-F238E27FC236}">
-                <a16:creationId xmlns="" xmlns:a16="http://schemas.microsoft.com/office/drawing/2014/main" id="{084042B7-EA0B-204E-ABD9-4801088389F5}"/>
+                <a16:creationId xmlns:a16="http://schemas.microsoft.com/office/drawing/2014/main" id="{084042B7-EA0B-204E-ABD9-4801088389F5}"/>
               </a:ext>
             </a:extLst>
           </p:cNvPr>
@@ -8080,6 +8097,154 @@
 </p:sld>
 </file>
 
+<file path=ppt/slides/slide10.xml><?xml version="1.0" encoding="utf-8"?>
+<p:sld xmlns:a="http://schemas.openxmlformats.org/drawingml/2006/main" xmlns:r="http://schemas.openxmlformats.org/officeDocument/2006/relationships" xmlns:p="http://schemas.openxmlformats.org/presentationml/2006/main">
+  <p:cSld>
+    <p:spTree>
+      <p:nvGrpSpPr>
+        <p:cNvPr id="1" name=""/>
+        <p:cNvGrpSpPr/>
+        <p:nvPr/>
+      </p:nvGrpSpPr>
+      <p:grpSpPr>
+        <a:xfrm>
+          <a:off x="0" y="0"/>
+          <a:ext cx="0" cy="0"/>
+          <a:chOff x="0" y="0"/>
+          <a:chExt cx="0" cy="0"/>
+        </a:xfrm>
+      </p:grpSpPr>
+      <p:sp>
+        <p:nvSpPr>
+          <p:cNvPr id="2" name="標題 1"/>
+          <p:cNvSpPr>
+            <a:spLocks noGrp="1"/>
+          </p:cNvSpPr>
+          <p:nvPr>
+            <p:ph type="title"/>
+          </p:nvPr>
+        </p:nvSpPr>
+        <p:spPr/>
+        <p:txBody>
+          <a:bodyPr/>
+          <a:lstStyle/>
+          <a:p>
+            <a:r>
+              <a:rPr lang="en-US" altLang="zh-TW" dirty="0" smtClean="0"/>
+              <a:t>References</a:t>
+            </a:r>
+            <a:endParaRPr lang="zh-TW" altLang="en-US" dirty="0"/>
+          </a:p>
+        </p:txBody>
+      </p:sp>
+      <p:sp>
+        <p:nvSpPr>
+          <p:cNvPr id="3" name="內容版面配置區 2"/>
+          <p:cNvSpPr>
+            <a:spLocks noGrp="1"/>
+          </p:cNvSpPr>
+          <p:nvPr>
+            <p:ph idx="1"/>
+          </p:nvPr>
+        </p:nvSpPr>
+        <p:spPr/>
+        <p:txBody>
+          <a:bodyPr/>
+          <a:lstStyle/>
+          <a:p>
+            <a:r>
+              <a:rPr lang="en-US" altLang="zh-TW" dirty="0" err="1" smtClean="0"/>
+              <a:t>FHIR</a:t>
+            </a:r>
+            <a:r>
+              <a:rPr lang="en-US" altLang="zh-TW" dirty="0" smtClean="0"/>
+              <a:t> API</a:t>
+            </a:r>
+          </a:p>
+          <a:p>
+            <a:pPr lvl="1"/>
+            <a:r>
+              <a:rPr lang="en-US" altLang="zh-TW" dirty="0"/>
+              <a:t>https://</a:t>
+            </a:r>
+            <a:r>
+              <a:rPr lang="en-US" altLang="zh-TW" dirty="0" err="1" smtClean="0"/>
+              <a:t>www.hl7.org</a:t>
+            </a:r>
+            <a:r>
+              <a:rPr lang="en-US" altLang="zh-TW" dirty="0" smtClean="0"/>
+              <a:t>/</a:t>
+            </a:r>
+            <a:r>
+              <a:rPr lang="en-US" altLang="zh-TW" dirty="0" err="1" smtClean="0"/>
+              <a:t>fhir</a:t>
+            </a:r>
+            <a:r>
+              <a:rPr lang="en-US" altLang="zh-TW" dirty="0" smtClean="0"/>
+              <a:t>/</a:t>
+            </a:r>
+            <a:r>
+              <a:rPr lang="en-US" altLang="zh-TW" dirty="0" err="1" smtClean="0"/>
+              <a:t>http.html</a:t>
+            </a:r>
+            <a:endParaRPr lang="en-US" altLang="zh-TW" dirty="0" smtClean="0"/>
+          </a:p>
+          <a:p>
+            <a:endParaRPr lang="en-US" altLang="zh-TW" dirty="0"/>
+          </a:p>
+          <a:p>
+            <a:r>
+              <a:rPr lang="en-US" altLang="zh-TW" dirty="0" err="1" smtClean="0"/>
+              <a:t>FHIR</a:t>
+            </a:r>
+            <a:r>
+              <a:rPr lang="en-US" altLang="zh-TW" dirty="0" smtClean="0"/>
+              <a:t> search API</a:t>
+            </a:r>
+          </a:p>
+          <a:p>
+            <a:pPr lvl="1"/>
+            <a:r>
+              <a:rPr lang="en-US" altLang="zh-TW" dirty="0"/>
+              <a:t>https://</a:t>
+            </a:r>
+            <a:r>
+              <a:rPr lang="en-US" altLang="zh-TW" dirty="0" err="1"/>
+              <a:t>www.hl7.org</a:t>
+            </a:r>
+            <a:r>
+              <a:rPr lang="en-US" altLang="zh-TW" dirty="0"/>
+              <a:t>/</a:t>
+            </a:r>
+            <a:r>
+              <a:rPr lang="en-US" altLang="zh-TW" dirty="0" err="1"/>
+              <a:t>fhir</a:t>
+            </a:r>
+            <a:r>
+              <a:rPr lang="en-US" altLang="zh-TW" dirty="0"/>
+              <a:t>/</a:t>
+            </a:r>
+            <a:r>
+              <a:rPr lang="en-US" altLang="zh-TW" dirty="0" err="1"/>
+              <a:t>search.html</a:t>
+            </a:r>
+            <a:endParaRPr lang="zh-TW" altLang="en-US" dirty="0"/>
+          </a:p>
+        </p:txBody>
+      </p:sp>
+    </p:spTree>
+    <p:extLst>
+      <p:ext uri="{BB962C8B-B14F-4D97-AF65-F5344CB8AC3E}">
+        <p14:creationId xmlns:p14="http://schemas.microsoft.com/office/powerpoint/2010/main" val="3849417820"/>
+      </p:ext>
+    </p:extLst>
+  </p:cSld>
+  <p:clrMapOvr>
+    <a:masterClrMapping/>
+  </p:clrMapOvr>
+</p:sld>
+</file>
+
 <file path=ppt/slides/slide2.xml><?xml version="1.0" encoding="utf-8"?>
 <p:sld xmlns:a="http://schemas.openxmlformats.org/drawingml/2006/main" xmlns:r="http://schemas.openxmlformats.org/officeDocument/2006/relationships" xmlns:p="http://schemas.openxmlformats.org/presentationml/2006/main">
   <p:cSld>
@@ -8115,7 +8280,7 @@
         </p:spPr>
         <p:txBody>
           <a:bodyPr>
-            <a:normAutofit lnSpcReduction="10000"/>
+            <a:normAutofit fontScale="92500" lnSpcReduction="10000"/>
           </a:bodyPr>
           <a:lstStyle/>
           <a:p>
@@ -8173,13 +8338,6 @@
               </a:rPr>
               <a:t>Patient</a:t>
             </a:r>
-            <a:endParaRPr lang="en-US" altLang="zh-TW" sz="2000" dirty="0" smtClean="0">
-              <a:solidFill>
-                <a:srgbClr val="FF0000"/>
-              </a:solidFill>
-              <a:latin typeface="Times New Roman" pitchFamily="18" charset="0"/>
-              <a:cs typeface="Times New Roman" pitchFamily="18" charset="0"/>
-            </a:endParaRPr>
           </a:p>
           <a:p>
             <a:pPr lvl="1"/>
@@ -8250,13 +8408,6 @@
               </a:rPr>
               <a:t>Patient</a:t>
             </a:r>
-            <a:endParaRPr lang="en-US" altLang="zh-TW" sz="2000" dirty="0" smtClean="0">
-              <a:solidFill>
-                <a:srgbClr val="FF0000"/>
-              </a:solidFill>
-              <a:latin typeface="Times New Roman" pitchFamily="18" charset="0"/>
-              <a:cs typeface="Times New Roman" pitchFamily="18" charset="0"/>
-            </a:endParaRPr>
           </a:p>
           <a:p>
             <a:pPr lvl="1"/>
@@ -8337,13 +8488,6 @@
               </a:rPr>
               <a:t>123</a:t>
             </a:r>
-            <a:endParaRPr lang="en-US" altLang="zh-TW" sz="2000" dirty="0" smtClean="0">
-              <a:solidFill>
-                <a:srgbClr val="7030A0"/>
-              </a:solidFill>
-              <a:latin typeface="Times New Roman" pitchFamily="18" charset="0"/>
-              <a:cs typeface="Times New Roman" pitchFamily="18" charset="0"/>
-            </a:endParaRPr>
           </a:p>
           <a:p>
             <a:pPr lvl="1"/>
@@ -8382,10 +8526,6 @@
               </a:rPr>
               <a:t> 病患的資料</a:t>
             </a:r>
-            <a:endParaRPr lang="zh-TW" altLang="en-US" sz="2000" b="1" dirty="0" smtClean="0">
-              <a:latin typeface="Times New Roman" pitchFamily="18" charset="0"/>
-              <a:cs typeface="Times New Roman" pitchFamily="18" charset="0"/>
-            </a:endParaRPr>
           </a:p>
           <a:p>
             <a:r>
@@ -8452,13 +8592,6 @@
               </a:rPr>
               <a:t>123</a:t>
             </a:r>
-            <a:endParaRPr lang="en-US" altLang="zh-TW" sz="2000" dirty="0" smtClean="0">
-              <a:solidFill>
-                <a:srgbClr val="7030A0"/>
-              </a:solidFill>
-              <a:latin typeface="Times New Roman" pitchFamily="18" charset="0"/>
-              <a:cs typeface="Times New Roman" pitchFamily="18" charset="0"/>
-            </a:endParaRPr>
           </a:p>
           <a:p>
             <a:pPr lvl="1"/>
@@ -8497,10 +8630,6 @@
               </a:rPr>
               <a:t>病患的資料</a:t>
             </a:r>
-            <a:endParaRPr lang="zh-TW" altLang="en-US" sz="2000" b="1" dirty="0" smtClean="0">
-              <a:latin typeface="Times New Roman" pitchFamily="18" charset="0"/>
-              <a:cs typeface="Times New Roman" pitchFamily="18" charset="0"/>
-            </a:endParaRPr>
           </a:p>
           <a:p>
             <a:r>
@@ -9612,31 +9741,15 @@
                   <a:srgbClr val="000000"/>
                 </a:solidFill>
               </a:rPr>
-              <a:t>API-</a:t>
-            </a:r>
-            <a:r>
-              <a:rPr lang="en-US" altLang="zh-TW" sz="4000" b="1" dirty="0" smtClean="0">
-                <a:solidFill>
-                  <a:srgbClr val="000000"/>
+              <a:t>API--</a:t>
+            </a:r>
+            <a:r>
+              <a:rPr lang="zh-TW" altLang="en-US" sz="4000" b="1" dirty="0" smtClean="0">
+                <a:solidFill>
+                  <a:srgbClr val="FF0000"/>
                 </a:solidFill>
               </a:rPr>
-              <a:t>-</a:t>
-            </a:r>
-            <a:r>
-              <a:rPr lang="zh-TW" altLang="en-US" sz="4000" b="1" dirty="0" smtClean="0">
-                <a:solidFill>
-                  <a:srgbClr val="FF0000"/>
-                </a:solidFill>
-              </a:rPr>
-              <a:t>增</a:t>
-            </a:r>
-            <a:r>
-              <a:rPr lang="zh-TW" altLang="en-US" sz="4000" b="1" dirty="0" smtClean="0">
-                <a:solidFill>
-                  <a:srgbClr val="FF0000"/>
-                </a:solidFill>
-              </a:rPr>
-              <a:t>修改查</a:t>
+              <a:t>增修改查</a:t>
             </a:r>
             <a:r>
               <a:rPr lang="zh-TW" altLang="en-US" sz="4000" b="1" dirty="0" smtClean="0">
@@ -9888,7 +10001,9 @@
         </p:nvSpPr>
         <p:spPr/>
         <p:txBody>
-          <a:bodyPr/>
+          <a:bodyPr>
+            <a:normAutofit lnSpcReduction="10000"/>
+          </a:bodyPr>
           <a:lstStyle/>
           <a:p>
             <a:r>
@@ -10841,7 +10956,7 @@
           <a:p>
             <a:pPr lvl="2"/>
             <a:r>
-              <a:rPr lang="zh-TW" altLang="en-US" smtClean="0"/>
+              <a:rPr lang="zh-TW" altLang="en-US" dirty="0" smtClean="0"/>
               <a:t>可搭配日期做查詢</a:t>
             </a:r>
             <a:endParaRPr lang="en-US" altLang="zh-TW" dirty="0" smtClean="0"/>
@@ -10862,6 +10977,87 @@
 </file>
 
 <file path=ppt/slides/slide8.xml><?xml version="1.0" encoding="utf-8"?>
+<p:sld xmlns:a="http://schemas.openxmlformats.org/drawingml/2006/main" xmlns:r="http://schemas.openxmlformats.org/officeDocument/2006/relationships" xmlns:p="http://schemas.openxmlformats.org/presentationml/2006/main">
+  <p:cSld>
+    <p:spTree>
+      <p:nvGrpSpPr>
+        <p:cNvPr id="1" name=""/>
+        <p:cNvGrpSpPr/>
+        <p:nvPr/>
+      </p:nvGrpSpPr>
+      <p:grpSpPr>
+        <a:xfrm>
+          <a:off x="0" y="0"/>
+          <a:ext cx="0" cy="0"/>
+          <a:chOff x="0" y="0"/>
+          <a:chExt cx="0" cy="0"/>
+        </a:xfrm>
+      </p:grpSpPr>
+      <p:sp>
+        <p:nvSpPr>
+          <p:cNvPr id="2" name="標題 1"/>
+          <p:cNvSpPr>
+            <a:spLocks noGrp="1"/>
+          </p:cNvSpPr>
+          <p:nvPr>
+            <p:ph type="title"/>
+          </p:nvPr>
+        </p:nvSpPr>
+        <p:spPr/>
+        <p:txBody>
+          <a:bodyPr>
+            <a:normAutofit fontScale="90000"/>
+          </a:bodyPr>
+          <a:lstStyle/>
+          <a:p>
+            <a:r>
+              <a:rPr lang="zh-TW" altLang="en-US" dirty="0"/>
+              <a:t>使用 </a:t>
+            </a:r>
+            <a:r>
+              <a:rPr lang="en-US" altLang="zh-TW" dirty="0"/>
+              <a:t>patient id </a:t>
+            </a:r>
+            <a:r>
+              <a:rPr lang="zh-TW" altLang="en-US" dirty="0"/>
+              <a:t>調閱病人之所有檢測資訊</a:t>
+            </a:r>
+          </a:p>
+        </p:txBody>
+      </p:sp>
+      <p:sp>
+        <p:nvSpPr>
+          <p:cNvPr id="3" name="內容版面配置區 2"/>
+          <p:cNvSpPr>
+            <a:spLocks noGrp="1"/>
+          </p:cNvSpPr>
+          <p:nvPr>
+            <p:ph idx="1"/>
+          </p:nvPr>
+        </p:nvSpPr>
+        <p:spPr/>
+        <p:txBody>
+          <a:bodyPr/>
+          <a:lstStyle/>
+          <a:p>
+            <a:endParaRPr lang="zh-TW" altLang="en-US" dirty="0"/>
+          </a:p>
+        </p:txBody>
+      </p:sp>
+    </p:spTree>
+    <p:extLst>
+      <p:ext uri="{BB962C8B-B14F-4D97-AF65-F5344CB8AC3E}">
+        <p14:creationId xmlns:p14="http://schemas.microsoft.com/office/powerpoint/2010/main" val="2044218677"/>
+      </p:ext>
+    </p:extLst>
+  </p:cSld>
+  <p:clrMapOvr>
+    <a:masterClrMapping/>
+  </p:clrMapOvr>
+</p:sld>
+</file>
+
+<file path=ppt/slides/slide9.xml><?xml version="1.0" encoding="utf-8"?>
 <p:sld xmlns:a="http://schemas.openxmlformats.org/drawingml/2006/main" xmlns:r="http://schemas.openxmlformats.org/officeDocument/2006/relationships" xmlns:p="http://schemas.openxmlformats.org/presentationml/2006/main">
   <p:cSld>
     <p:spTree>
@@ -12356,154 +12552,6 @@
       </p:par>
     </p:tnLst>
   </p:timing>
-</p:sld>
-</file>
-
-<file path=ppt/slides/slide9.xml><?xml version="1.0" encoding="utf-8"?>
-<p:sld xmlns:a="http://schemas.openxmlformats.org/drawingml/2006/main" xmlns:r="http://schemas.openxmlformats.org/officeDocument/2006/relationships" xmlns:p="http://schemas.openxmlformats.org/presentationml/2006/main">
-  <p:cSld>
-    <p:spTree>
-      <p:nvGrpSpPr>
-        <p:cNvPr id="1" name=""/>
-        <p:cNvGrpSpPr/>
-        <p:nvPr/>
-      </p:nvGrpSpPr>
-      <p:grpSpPr>
-        <a:xfrm>
-          <a:off x="0" y="0"/>
-          <a:ext cx="0" cy="0"/>
-          <a:chOff x="0" y="0"/>
-          <a:chExt cx="0" cy="0"/>
-        </a:xfrm>
-      </p:grpSpPr>
-      <p:sp>
-        <p:nvSpPr>
-          <p:cNvPr id="2" name="標題 1"/>
-          <p:cNvSpPr>
-            <a:spLocks noGrp="1"/>
-          </p:cNvSpPr>
-          <p:nvPr>
-            <p:ph type="title"/>
-          </p:nvPr>
-        </p:nvSpPr>
-        <p:spPr/>
-        <p:txBody>
-          <a:bodyPr/>
-          <a:lstStyle/>
-          <a:p>
-            <a:r>
-              <a:rPr lang="en-US" altLang="zh-TW" dirty="0" smtClean="0"/>
-              <a:t>References</a:t>
-            </a:r>
-            <a:endParaRPr lang="zh-TW" altLang="en-US" dirty="0"/>
-          </a:p>
-        </p:txBody>
-      </p:sp>
-      <p:sp>
-        <p:nvSpPr>
-          <p:cNvPr id="3" name="內容版面配置區 2"/>
-          <p:cNvSpPr>
-            <a:spLocks noGrp="1"/>
-          </p:cNvSpPr>
-          <p:nvPr>
-            <p:ph idx="1"/>
-          </p:nvPr>
-        </p:nvSpPr>
-        <p:spPr/>
-        <p:txBody>
-          <a:bodyPr/>
-          <a:lstStyle/>
-          <a:p>
-            <a:r>
-              <a:rPr lang="en-US" altLang="zh-TW" dirty="0" err="1" smtClean="0"/>
-              <a:t>FHIR</a:t>
-            </a:r>
-            <a:r>
-              <a:rPr lang="en-US" altLang="zh-TW" dirty="0" smtClean="0"/>
-              <a:t> API</a:t>
-            </a:r>
-          </a:p>
-          <a:p>
-            <a:pPr lvl="1"/>
-            <a:r>
-              <a:rPr lang="en-US" altLang="zh-TW" dirty="0"/>
-              <a:t>https://</a:t>
-            </a:r>
-            <a:r>
-              <a:rPr lang="en-US" altLang="zh-TW" dirty="0" err="1" smtClean="0"/>
-              <a:t>www.hl7.org</a:t>
-            </a:r>
-            <a:r>
-              <a:rPr lang="en-US" altLang="zh-TW" dirty="0" smtClean="0"/>
-              <a:t>/</a:t>
-            </a:r>
-            <a:r>
-              <a:rPr lang="en-US" altLang="zh-TW" dirty="0" err="1" smtClean="0"/>
-              <a:t>fhir</a:t>
-            </a:r>
-            <a:r>
-              <a:rPr lang="en-US" altLang="zh-TW" dirty="0" smtClean="0"/>
-              <a:t>/</a:t>
-            </a:r>
-            <a:r>
-              <a:rPr lang="en-US" altLang="zh-TW" dirty="0" err="1" smtClean="0"/>
-              <a:t>http.html</a:t>
-            </a:r>
-            <a:endParaRPr lang="en-US" altLang="zh-TW" dirty="0" smtClean="0"/>
-          </a:p>
-          <a:p>
-            <a:endParaRPr lang="en-US" altLang="zh-TW" dirty="0"/>
-          </a:p>
-          <a:p>
-            <a:r>
-              <a:rPr lang="en-US" altLang="zh-TW" dirty="0" err="1" smtClean="0"/>
-              <a:t>FHIR</a:t>
-            </a:r>
-            <a:r>
-              <a:rPr lang="en-US" altLang="zh-TW" dirty="0" smtClean="0"/>
-              <a:t> search API</a:t>
-            </a:r>
-          </a:p>
-          <a:p>
-            <a:pPr lvl="1"/>
-            <a:r>
-              <a:rPr lang="en-US" altLang="zh-TW" dirty="0"/>
-              <a:t>https://</a:t>
-            </a:r>
-            <a:r>
-              <a:rPr lang="en-US" altLang="zh-TW" dirty="0" err="1"/>
-              <a:t>www.hl7.org</a:t>
-            </a:r>
-            <a:r>
-              <a:rPr lang="en-US" altLang="zh-TW" dirty="0"/>
-              <a:t>/</a:t>
-            </a:r>
-            <a:r>
-              <a:rPr lang="en-US" altLang="zh-TW" dirty="0" err="1"/>
-              <a:t>fhir</a:t>
-            </a:r>
-            <a:r>
-              <a:rPr lang="en-US" altLang="zh-TW" dirty="0"/>
-              <a:t>/</a:t>
-            </a:r>
-            <a:r>
-              <a:rPr lang="en-US" altLang="zh-TW" dirty="0" err="1"/>
-              <a:t>search.html</a:t>
-            </a:r>
-            <a:endParaRPr lang="zh-TW" altLang="en-US" dirty="0"/>
-          </a:p>
-        </p:txBody>
-      </p:sp>
-    </p:spTree>
-    <p:extLst>
-      <p:ext uri="{BB962C8B-B14F-4D97-AF65-F5344CB8AC3E}">
-        <p14:creationId xmlns:p14="http://schemas.microsoft.com/office/powerpoint/2010/main" val="3849417820"/>
-      </p:ext>
-    </p:extLst>
-  </p:cSld>
-  <p:clrMapOvr>
-    <a:masterClrMapping/>
-  </p:clrMapOvr>
 </p:sld>
 </file>
 
@@ -13079,7 +13127,7 @@
   <a:extraClrSchemeLst/>
   <a:extLst>
     <a:ext uri="{05A4C25C-085E-4340-85A3-A5531E510DB2}">
-      <thm15:themeFamily xmlns="" xmlns:thm15="http://schemas.microsoft.com/office/thememl/2012/main" name="Office Theme" id="{62F939B6-93AF-4DB8-9C6B-D6C7DFDC589F}" vid="{4A3C46E8-61CC-4603-A589-7422A47A8E4A}"/>
+      <thm15:themeFamily xmlns:thm15="http://schemas.microsoft.com/office/thememl/2012/main" name="Office Theme" id="{62F939B6-93AF-4DB8-9C6B-D6C7DFDC589F}" vid="{4A3C46E8-61CC-4603-A589-7422A47A8E4A}"/>
     </a:ext>
   </a:extLst>
 </a:theme>

--- a/Spec/FHIR API.pptx
+++ b/Spec/FHIR API.pptx
@@ -11037,8 +11037,90 @@
         </p:nvSpPr>
         <p:spPr/>
         <p:txBody>
-          <a:bodyPr/>
+          <a:bodyPr>
+            <a:normAutofit/>
+          </a:bodyPr>
           <a:lstStyle/>
+          <a:p>
+            <a:r>
+              <a:rPr lang="zh-TW" altLang="en-US" dirty="0" smtClean="0"/>
+              <a:t>調閱 </a:t>
+            </a:r>
+            <a:r>
+              <a:rPr lang="en-US" altLang="zh-TW" dirty="0" smtClean="0"/>
+              <a:t>id= </a:t>
+            </a:r>
+            <a:r>
+              <a:rPr lang="en-US" altLang="zh-TW" dirty="0"/>
+              <a:t>131394 </a:t>
+            </a:r>
+            <a:r>
+              <a:rPr lang="en-US" altLang="zh-TW" dirty="0" smtClean="0"/>
+              <a:t> </a:t>
+            </a:r>
+            <a:r>
+              <a:rPr lang="zh-TW" altLang="en-US" dirty="0" smtClean="0"/>
+              <a:t>之病人全部之檢測資訊</a:t>
+            </a:r>
+            <a:endParaRPr lang="en-US" altLang="zh-TW" dirty="0"/>
+          </a:p>
+          <a:p>
+            <a:pPr lvl="1"/>
+            <a:r>
+              <a:rPr lang="en-US" altLang="zh-TW" dirty="0" smtClean="0"/>
+              <a:t>http</a:t>
+            </a:r>
+            <a:r>
+              <a:rPr lang="en-US" altLang="zh-TW" dirty="0"/>
+              <a:t>://</a:t>
+            </a:r>
+            <a:r>
+              <a:rPr lang="en-US" altLang="zh-TW" dirty="0" smtClean="0"/>
+              <a:t>hapi.fhir.org/baseR4/Observation?subject=131394 </a:t>
+            </a:r>
+          </a:p>
+          <a:p>
+            <a:r>
+              <a:rPr lang="zh-TW" altLang="en-US" dirty="0"/>
+              <a:t>調閱 </a:t>
+            </a:r>
+            <a:r>
+              <a:rPr lang="en-US" altLang="zh-TW" dirty="0"/>
+              <a:t>id= 131394  </a:t>
+            </a:r>
+            <a:r>
+              <a:rPr lang="zh-TW" altLang="en-US" dirty="0"/>
+              <a:t>之</a:t>
+            </a:r>
+            <a:r>
+              <a:rPr lang="zh-TW" altLang="en-US" dirty="0" smtClean="0"/>
+              <a:t>病人</a:t>
+            </a:r>
+            <a:r>
+              <a:rPr lang="en-US" altLang="zh-TW" dirty="0" smtClean="0"/>
+              <a:t>2019-08-01</a:t>
+            </a:r>
+            <a:r>
+              <a:rPr lang="zh-TW" altLang="en-US" dirty="0" smtClean="0"/>
+              <a:t> 之後之檢測資訊</a:t>
+            </a:r>
+            <a:endParaRPr lang="en-US" altLang="zh-TW" dirty="0" smtClean="0"/>
+          </a:p>
+          <a:p>
+            <a:r>
+              <a:rPr lang="en-US" altLang="zh-TW" dirty="0" smtClean="0"/>
+              <a:t>http</a:t>
+            </a:r>
+            <a:r>
+              <a:rPr lang="en-US" altLang="zh-TW" dirty="0"/>
+              <a:t>://</a:t>
+            </a:r>
+            <a:r>
+              <a:rPr lang="en-US" altLang="zh-TW" dirty="0" smtClean="0"/>
+              <a:t>hapi.fhir.org/baseR4/Observation?subject=131394&amp;date=ge2019-08-01</a:t>
+            </a:r>
+            <a:endParaRPr lang="en-US" altLang="zh-TW" dirty="0"/>
+          </a:p>
           <a:p>
             <a:endParaRPr lang="zh-TW" altLang="en-US" dirty="0"/>
           </a:p>

--- a/Spec/FHIR API.pptx
+++ b/Spec/FHIR API.pptx
@@ -8094,6 +8094,13 @@
   <p:clrMapOvr>
     <a:masterClrMapping/>
   </p:clrMapOvr>
+  <p:timing>
+    <p:tnLst>
+      <p:par>
+        <p:cTn id="1" dur="indefinite" restart="never" nodeType="tmRoot"/>
+      </p:par>
+    </p:tnLst>
+  </p:timing>
 </p:sld>
 </file>
 
@@ -8242,6 +8249,13 @@
   <p:clrMapOvr>
     <a:masterClrMapping/>
   </p:clrMapOvr>
+  <p:timing>
+    <p:tnLst>
+      <p:par>
+        <p:cTn id="1" dur="indefinite" restart="never" nodeType="tmRoot"/>
+      </p:par>
+    </p:tnLst>
+  </p:timing>
 </p:sld>
 </file>
 
@@ -8309,24 +8323,14 @@
               <a:t>http://</a:t>
             </a:r>
             <a:r>
-              <a:rPr lang="en-US" altLang="zh-TW" sz="2000" dirty="0" err="1" smtClean="0">
+              <a:rPr lang="en-US" altLang="zh-TW" sz="2000" dirty="0" smtClean="0">
                 <a:solidFill>
                   <a:srgbClr val="0070C0"/>
                 </a:solidFill>
                 <a:latin typeface="Times New Roman" pitchFamily="18" charset="0"/>
                 <a:cs typeface="Times New Roman" pitchFamily="18" charset="0"/>
               </a:rPr>
-              <a:t>fhie.base.root</a:t>
-            </a:r>
-            <a:r>
-              <a:rPr lang="en-US" altLang="zh-TW" sz="2000" dirty="0" smtClean="0">
-                <a:solidFill>
-                  <a:srgbClr val="0070C0"/>
-                </a:solidFill>
-                <a:latin typeface="Times New Roman" pitchFamily="18" charset="0"/>
-                <a:cs typeface="Times New Roman" pitchFamily="18" charset="0"/>
-              </a:rPr>
-              <a:t>/</a:t>
+              <a:t>fhir.base.root/</a:t>
             </a:r>
             <a:r>
               <a:rPr lang="en-US" altLang="zh-TW" sz="2000" dirty="0" smtClean="0">
@@ -8338,6 +8342,13 @@
               </a:rPr>
               <a:t>Patient</a:t>
             </a:r>
+            <a:endParaRPr lang="en-US" altLang="zh-TW" sz="2000" dirty="0" smtClean="0">
+              <a:solidFill>
+                <a:srgbClr val="FF0000"/>
+              </a:solidFill>
+              <a:latin typeface="Times New Roman" pitchFamily="18" charset="0"/>
+              <a:cs typeface="Times New Roman" pitchFamily="18" charset="0"/>
+            </a:endParaRPr>
           </a:p>
           <a:p>
             <a:pPr lvl="1"/>
@@ -8379,24 +8390,14 @@
               <a:t>http://</a:t>
             </a:r>
             <a:r>
-              <a:rPr lang="en-US" altLang="zh-TW" sz="2000" dirty="0" err="1">
+              <a:rPr lang="en-US" altLang="zh-TW" sz="2000" dirty="0" smtClean="0">
                 <a:solidFill>
                   <a:srgbClr val="0070C0"/>
                 </a:solidFill>
                 <a:latin typeface="Times New Roman" pitchFamily="18" charset="0"/>
                 <a:cs typeface="Times New Roman" pitchFamily="18" charset="0"/>
               </a:rPr>
-              <a:t>fhie.base.root</a:t>
-            </a:r>
-            <a:r>
-              <a:rPr lang="en-US" altLang="zh-TW" sz="2000" dirty="0">
-                <a:solidFill>
-                  <a:srgbClr val="0070C0"/>
-                </a:solidFill>
-                <a:latin typeface="Times New Roman" pitchFamily="18" charset="0"/>
-                <a:cs typeface="Times New Roman" pitchFamily="18" charset="0"/>
-              </a:rPr>
-              <a:t>/</a:t>
+              <a:t>fhir.base.root/</a:t>
             </a:r>
             <a:r>
               <a:rPr lang="en-US" altLang="zh-TW" sz="2000" dirty="0" smtClean="0">
@@ -8408,6 +8409,13 @@
               </a:rPr>
               <a:t>Patient</a:t>
             </a:r>
+            <a:endParaRPr lang="en-US" altLang="zh-TW" sz="2000" dirty="0" smtClean="0">
+              <a:solidFill>
+                <a:srgbClr val="FF0000"/>
+              </a:solidFill>
+              <a:latin typeface="Times New Roman" pitchFamily="18" charset="0"/>
+              <a:cs typeface="Times New Roman" pitchFamily="18" charset="0"/>
+            </a:endParaRPr>
           </a:p>
           <a:p>
             <a:pPr lvl="1"/>
@@ -8449,24 +8457,14 @@
               <a:t>http://</a:t>
             </a:r>
             <a:r>
-              <a:rPr lang="en-US" altLang="zh-TW" sz="2000" dirty="0" err="1">
+              <a:rPr lang="en-US" altLang="zh-TW" sz="2000" dirty="0" smtClean="0">
                 <a:solidFill>
                   <a:srgbClr val="0070C0"/>
                 </a:solidFill>
                 <a:latin typeface="Times New Roman" pitchFamily="18" charset="0"/>
                 <a:cs typeface="Times New Roman" pitchFamily="18" charset="0"/>
               </a:rPr>
-              <a:t>fhie.base.root</a:t>
-            </a:r>
-            <a:r>
-              <a:rPr lang="en-US" altLang="zh-TW" sz="2000" dirty="0">
-                <a:solidFill>
-                  <a:srgbClr val="0070C0"/>
-                </a:solidFill>
-                <a:latin typeface="Times New Roman" pitchFamily="18" charset="0"/>
-                <a:cs typeface="Times New Roman" pitchFamily="18" charset="0"/>
-              </a:rPr>
-              <a:t>/</a:t>
+              <a:t>fhir.base.root/</a:t>
             </a:r>
             <a:r>
               <a:rPr lang="en-US" altLang="zh-TW" sz="2000" dirty="0" smtClean="0">
@@ -8488,6 +8486,13 @@
               </a:rPr>
               <a:t>123</a:t>
             </a:r>
+            <a:endParaRPr lang="en-US" altLang="zh-TW" sz="2000" dirty="0" smtClean="0">
+              <a:solidFill>
+                <a:srgbClr val="7030A0"/>
+              </a:solidFill>
+              <a:latin typeface="Times New Roman" pitchFamily="18" charset="0"/>
+              <a:cs typeface="Times New Roman" pitchFamily="18" charset="0"/>
+            </a:endParaRPr>
           </a:p>
           <a:p>
             <a:pPr lvl="1"/>
@@ -8553,24 +8558,14 @@
               <a:t>http://</a:t>
             </a:r>
             <a:r>
-              <a:rPr lang="en-US" altLang="zh-TW" sz="2000" dirty="0" err="1">
+              <a:rPr lang="en-US" altLang="zh-TW" sz="2000" dirty="0" smtClean="0">
                 <a:solidFill>
                   <a:srgbClr val="0070C0"/>
                 </a:solidFill>
                 <a:latin typeface="Times New Roman" pitchFamily="18" charset="0"/>
                 <a:cs typeface="Times New Roman" pitchFamily="18" charset="0"/>
               </a:rPr>
-              <a:t>fhie.base.root</a:t>
-            </a:r>
-            <a:r>
-              <a:rPr lang="en-US" altLang="zh-TW" sz="2000" dirty="0">
-                <a:solidFill>
-                  <a:srgbClr val="0070C0"/>
-                </a:solidFill>
-                <a:latin typeface="Times New Roman" pitchFamily="18" charset="0"/>
-                <a:cs typeface="Times New Roman" pitchFamily="18" charset="0"/>
-              </a:rPr>
-              <a:t>/</a:t>
+              <a:t>fhir.base.root/</a:t>
             </a:r>
             <a:r>
               <a:rPr lang="en-US" altLang="zh-TW" sz="2000" dirty="0" smtClean="0">
@@ -8592,6 +8587,13 @@
               </a:rPr>
               <a:t>123</a:t>
             </a:r>
+            <a:endParaRPr lang="en-US" altLang="zh-TW" sz="2000" dirty="0" smtClean="0">
+              <a:solidFill>
+                <a:srgbClr val="7030A0"/>
+              </a:solidFill>
+              <a:latin typeface="Times New Roman" pitchFamily="18" charset="0"/>
+              <a:cs typeface="Times New Roman" pitchFamily="18" charset="0"/>
+            </a:endParaRPr>
           </a:p>
           <a:p>
             <a:pPr lvl="1"/>
@@ -8657,14 +8659,14 @@
               <a:t>http://</a:t>
             </a:r>
             <a:r>
-              <a:rPr lang="en-US" altLang="zh-TW" sz="2000" dirty="0" err="1">
+              <a:rPr lang="en-US" altLang="zh-TW" sz="2000" dirty="0" smtClean="0">
                 <a:solidFill>
                   <a:srgbClr val="0070C0"/>
                 </a:solidFill>
                 <a:latin typeface="Times New Roman" pitchFamily="18" charset="0"/>
                 <a:cs typeface="Times New Roman" pitchFamily="18" charset="0"/>
               </a:rPr>
-              <a:t>fhie.base.root</a:t>
+              <a:t>fhir.base.root</a:t>
             </a:r>
             <a:r>
               <a:rPr lang="en-US" altLang="zh-TW" sz="2000" dirty="0">
@@ -8786,74 +8788,24 @@
               <a:t>http://</a:t>
             </a:r>
             <a:r>
-              <a:rPr lang="en-US" altLang="zh-TW" sz="2000" dirty="0" err="1">
+              <a:rPr lang="en-US" altLang="zh-TW" sz="2000" dirty="0" smtClean="0">
                 <a:solidFill>
                   <a:srgbClr val="0070C0"/>
                 </a:solidFill>
                 <a:latin typeface="Times New Roman" pitchFamily="18" charset="0"/>
                 <a:cs typeface="Times New Roman" pitchFamily="18" charset="0"/>
               </a:rPr>
-              <a:t>fhie.base.root</a:t>
-            </a:r>
-            <a:r>
-              <a:rPr lang="en-US" altLang="zh-TW" sz="2000" dirty="0">
-                <a:solidFill>
-                  <a:srgbClr val="0070C0"/>
+              <a:t>fhir.base.root/</a:t>
+            </a:r>
+            <a:r>
+              <a:rPr lang="en-US" altLang="zh-TW" sz="2000" dirty="0" smtClean="0">
+                <a:solidFill>
+                  <a:srgbClr val="FF0000"/>
                 </a:solidFill>
                 <a:latin typeface="Times New Roman" pitchFamily="18" charset="0"/>
                 <a:cs typeface="Times New Roman" pitchFamily="18" charset="0"/>
               </a:rPr>
-              <a:t>/</a:t>
-            </a:r>
-            <a:r>
-              <a:rPr lang="en-US" altLang="zh-TW" sz="2000" dirty="0" err="1" smtClean="0">
-                <a:solidFill>
-                  <a:srgbClr val="FF0000"/>
-                </a:solidFill>
-                <a:latin typeface="Times New Roman" pitchFamily="18" charset="0"/>
-                <a:cs typeface="Times New Roman" pitchFamily="18" charset="0"/>
-              </a:rPr>
-              <a:t>Patient?param1</a:t>
-            </a:r>
-            <a:r>
-              <a:rPr lang="en-US" altLang="zh-TW" sz="2000" dirty="0" smtClean="0">
-                <a:solidFill>
-                  <a:srgbClr val="FF0000"/>
-                </a:solidFill>
-                <a:latin typeface="Times New Roman" pitchFamily="18" charset="0"/>
-                <a:cs typeface="Times New Roman" pitchFamily="18" charset="0"/>
-              </a:rPr>
-              <a:t>=</a:t>
-            </a:r>
-            <a:r>
-              <a:rPr lang="en-US" altLang="zh-TW" sz="2000" dirty="0" err="1" smtClean="0">
-                <a:solidFill>
-                  <a:srgbClr val="FF0000"/>
-                </a:solidFill>
-                <a:latin typeface="Times New Roman" pitchFamily="18" charset="0"/>
-                <a:cs typeface="Times New Roman" pitchFamily="18" charset="0"/>
-              </a:rPr>
-              <a:t>cond1&amp;param2</a:t>
-            </a:r>
-            <a:r>
-              <a:rPr lang="en-US" altLang="zh-TW" sz="2000" dirty="0" smtClean="0">
-                <a:solidFill>
-                  <a:srgbClr val="FF0000"/>
-                </a:solidFill>
-                <a:latin typeface="Times New Roman" pitchFamily="18" charset="0"/>
-                <a:cs typeface="Times New Roman" pitchFamily="18" charset="0"/>
-              </a:rPr>
-              <a:t>=</a:t>
-            </a:r>
-            <a:r>
-              <a:rPr lang="en-US" altLang="zh-TW" sz="2000" dirty="0" err="1" smtClean="0">
-                <a:solidFill>
-                  <a:srgbClr val="FF0000"/>
-                </a:solidFill>
-                <a:latin typeface="Times New Roman" pitchFamily="18" charset="0"/>
-                <a:cs typeface="Times New Roman" pitchFamily="18" charset="0"/>
-              </a:rPr>
-              <a:t>cond2</a:t>
+              <a:t>Patient?param1=cond1&amp;param2=cond2</a:t>
             </a:r>
             <a:endParaRPr lang="en-US" altLang="zh-TW" sz="2000" dirty="0">
               <a:solidFill>
@@ -10046,8 +9998,8 @@
               <a:t>post     /</a:t>
             </a:r>
             <a:r>
-              <a:rPr lang="en-US" altLang="zh-TW" dirty="0" err="1" smtClean="0"/>
-              <a:t>newPatient</a:t>
+              <a:rPr lang="en-US" altLang="zh-TW" dirty="0" smtClean="0"/>
+              <a:t>newPatient.aspx</a:t>
             </a:r>
             <a:endParaRPr lang="en-US" altLang="zh-TW" dirty="0" smtClean="0"/>
           </a:p>
@@ -10066,8 +10018,8 @@
               <a:t>get   /</a:t>
             </a:r>
             <a:r>
-              <a:rPr lang="en-US" altLang="zh-TW" dirty="0" err="1" smtClean="0"/>
-              <a:t>allPatient</a:t>
+              <a:rPr lang="en-US" altLang="zh-TW" dirty="0" smtClean="0"/>
+              <a:t>allPatient.aspx</a:t>
             </a:r>
             <a:endParaRPr lang="en-US" altLang="zh-TW" dirty="0" smtClean="0"/>
           </a:p>
@@ -10087,12 +10039,13 @@
             </a:r>
             <a:r>
               <a:rPr lang="en-US" altLang="zh-TW" dirty="0" err="1" smtClean="0"/>
-              <a:t>upPatient?pid</a:t>
+              <a:t>upPatient.aspx?pid</a:t>
             </a:r>
             <a:r>
               <a:rPr lang="en-US" altLang="zh-TW" dirty="0" smtClean="0"/>
               <a:t>=123</a:t>
             </a:r>
+            <a:endParaRPr lang="en-US" altLang="zh-TW" dirty="0" smtClean="0"/>
           </a:p>
           <a:p>
             <a:pPr lvl="2"/>
@@ -10181,6 +10134,13 @@
   <p:clrMapOvr>
     <a:masterClrMapping/>
   </p:clrMapOvr>
+  <p:timing>
+    <p:tnLst>
+      <p:par>
+        <p:cTn id="1" dur="indefinite" restart="never" nodeType="tmRoot"/>
+      </p:par>
+    </p:tnLst>
+  </p:timing>
 </p:sld>
 </file>
 
@@ -10307,6 +10267,13 @@
   <p:clrMapOvr>
     <a:masterClrMapping/>
   </p:clrMapOvr>
+  <p:timing>
+    <p:tnLst>
+      <p:par>
+        <p:cTn id="1" dur="indefinite" restart="never" nodeType="tmRoot"/>
+      </p:par>
+    </p:tnLst>
+  </p:timing>
 </p:sld>
 </file>
 
@@ -10537,6 +10504,13 @@
   <p:clrMapOvr>
     <a:masterClrMapping/>
   </p:clrMapOvr>
+  <p:timing>
+    <p:tnLst>
+      <p:par>
+        <p:cTn id="1" dur="indefinite" restart="never" nodeType="tmRoot"/>
+      </p:par>
+    </p:tnLst>
+  </p:timing>
 </p:sld>
 </file>
 
@@ -10632,20 +10606,12 @@
               <a:t>://</a:t>
             </a:r>
             <a:r>
-              <a:rPr lang="en-US" altLang="zh-TW" dirty="0" err="1" smtClean="0">
+              <a:rPr lang="en-US" altLang="zh-TW" dirty="0" smtClean="0">
                 <a:solidFill>
                   <a:srgbClr val="00B0F0"/>
                 </a:solidFill>
               </a:rPr>
-              <a:t>fhie.base.root</a:t>
-            </a:r>
-            <a:r>
-              <a:rPr lang="en-US" altLang="zh-TW" dirty="0" smtClean="0">
-                <a:solidFill>
-                  <a:srgbClr val="00B0F0"/>
-                </a:solidFill>
-              </a:rPr>
-              <a:t>/</a:t>
+              <a:t>fhir.base.root/</a:t>
             </a:r>
             <a:r>
               <a:rPr lang="en-US" altLang="zh-TW" dirty="0" smtClean="0">
@@ -10751,6 +10717,13 @@
   <p:clrMapOvr>
     <a:masterClrMapping/>
   </p:clrMapOvr>
+  <p:timing>
+    <p:tnLst>
+      <p:par>
+        <p:cTn id="1" dur="indefinite" restart="never" nodeType="tmRoot"/>
+      </p:par>
+    </p:tnLst>
+  </p:timing>
 </p:sld>
 </file>
 
@@ -10973,6 +10946,13 @@
   <p:clrMapOvr>
     <a:masterClrMapping/>
   </p:clrMapOvr>
+  <p:timing>
+    <p:tnLst>
+      <p:par>
+        <p:cTn id="1" dur="indefinite" restart="never" nodeType="tmRoot"/>
+      </p:par>
+    </p:tnLst>
+  </p:timing>
 </p:sld>
 </file>
 
@@ -11107,6 +11087,7 @@
             <a:endParaRPr lang="en-US" altLang="zh-TW" dirty="0" smtClean="0"/>
           </a:p>
           <a:p>
+            <a:pPr lvl="1"/>
             <a:r>
               <a:rPr lang="en-US" altLang="zh-TW" dirty="0" smtClean="0"/>
               <a:t>http</a:t>
@@ -11117,11 +11098,12 @@
             </a:r>
             <a:r>
               <a:rPr lang="en-US" altLang="zh-TW" dirty="0" smtClean="0"/>
-              <a:t>hapi.fhir.org/baseR4/Observation?subject=131394&amp;date=ge2019-08-01</a:t>
+              <a:t>hapi.fhir.org/baseR4/Observation?subject=131401&amp;date=ge2019-08-01</a:t>
             </a:r>
             <a:endParaRPr lang="en-US" altLang="zh-TW" dirty="0"/>
           </a:p>
           <a:p>
+            <a:pPr lvl="1"/>
             <a:endParaRPr lang="zh-TW" altLang="en-US" dirty="0"/>
           </a:p>
         </p:txBody>
@@ -11136,6 +11118,13 @@
   <p:clrMapOvr>
     <a:masterClrMapping/>
   </p:clrMapOvr>
+  <p:timing>
+    <p:tnLst>
+      <p:par>
+        <p:cTn id="1" dur="indefinite" restart="never" nodeType="tmRoot"/>
+      </p:par>
+    </p:tnLst>
+  </p:timing>
 </p:sld>
 </file>
 

--- a/Spec/FHIR API.pptx
+++ b/Spec/FHIR API.pptx
@@ -6,19 +6,38 @@
     <p:sldMasterId id="2147483660" r:id="rId2"/>
   </p:sldMasterIdLst>
   <p:notesMasterIdLst>
-    <p:notesMasterId r:id="rId13"/>
+    <p:notesMasterId r:id="rId32"/>
   </p:notesMasterIdLst>
   <p:sldIdLst>
     <p:sldId id="392" r:id="rId3"/>
     <p:sldId id="399" r:id="rId4"/>
     <p:sldId id="397" r:id="rId5"/>
-    <p:sldId id="395" r:id="rId6"/>
-    <p:sldId id="398" r:id="rId7"/>
-    <p:sldId id="400" r:id="rId8"/>
-    <p:sldId id="401" r:id="rId9"/>
-    <p:sldId id="402" r:id="rId10"/>
-    <p:sldId id="362" r:id="rId11"/>
-    <p:sldId id="396" r:id="rId12"/>
+    <p:sldId id="415" r:id="rId6"/>
+    <p:sldId id="404" r:id="rId7"/>
+    <p:sldId id="408" r:id="rId8"/>
+    <p:sldId id="409" r:id="rId9"/>
+    <p:sldId id="405" r:id="rId10"/>
+    <p:sldId id="406" r:id="rId11"/>
+    <p:sldId id="403" r:id="rId12"/>
+    <p:sldId id="395" r:id="rId13"/>
+    <p:sldId id="398" r:id="rId14"/>
+    <p:sldId id="407" r:id="rId15"/>
+    <p:sldId id="402" r:id="rId16"/>
+    <p:sldId id="414" r:id="rId17"/>
+    <p:sldId id="416" r:id="rId18"/>
+    <p:sldId id="410" r:id="rId19"/>
+    <p:sldId id="411" r:id="rId20"/>
+    <p:sldId id="412" r:id="rId21"/>
+    <p:sldId id="417" r:id="rId22"/>
+    <p:sldId id="418" r:id="rId23"/>
+    <p:sldId id="419" r:id="rId24"/>
+    <p:sldId id="420" r:id="rId25"/>
+    <p:sldId id="421" r:id="rId26"/>
+    <p:sldId id="422" r:id="rId27"/>
+    <p:sldId id="423" r:id="rId28"/>
+    <p:sldId id="413" r:id="rId29"/>
+    <p:sldId id="362" r:id="rId30"/>
+    <p:sldId id="396" r:id="rId31"/>
   </p:sldIdLst>
   <p:sldSz cx="9144000" cy="6858000" type="screen4x3"/>
   <p:notesSz cx="6858000" cy="9144000"/>
@@ -219,7 +238,7 @@
             <a:fld id="{9344CD7D-B4CD-4BFE-90A3-66B74AEF6E64}" type="datetimeFigureOut">
               <a:rPr lang="zh-TW" altLang="en-US" smtClean="0"/>
               <a:pPr/>
-              <a:t>2019/8/12</a:t>
+              <a:t>2019/10/6</a:t>
             </a:fld>
             <a:endParaRPr lang="zh-TW" altLang="en-US"/>
           </a:p>
@@ -672,7 +691,7 @@
             <a:fld id="{5BBEAD13-0566-4C6C-97E7-55F17F24B09F}" type="datetimeFigureOut">
               <a:rPr lang="zh-TW" altLang="en-US" smtClean="0"/>
               <a:pPr/>
-              <a:t>2019/8/12</a:t>
+              <a:t>2019/10/6</a:t>
             </a:fld>
             <a:endParaRPr lang="zh-TW" altLang="en-US"/>
           </a:p>
@@ -839,7 +858,7 @@
             <a:fld id="{5BBEAD13-0566-4C6C-97E7-55F17F24B09F}" type="datetimeFigureOut">
               <a:rPr lang="zh-TW" altLang="en-US" smtClean="0"/>
               <a:pPr/>
-              <a:t>2019/8/12</a:t>
+              <a:t>2019/10/6</a:t>
             </a:fld>
             <a:endParaRPr lang="zh-TW" altLang="en-US"/>
           </a:p>
@@ -1016,7 +1035,7 @@
             <a:fld id="{5BBEAD13-0566-4C6C-97E7-55F17F24B09F}" type="datetimeFigureOut">
               <a:rPr lang="zh-TW" altLang="en-US" smtClean="0"/>
               <a:pPr/>
-              <a:t>2019/8/12</a:t>
+              <a:t>2019/10/6</a:t>
             </a:fld>
             <a:endParaRPr lang="zh-TW" altLang="en-US"/>
           </a:p>
@@ -1227,7 +1246,7 @@
                 </a:solidFill>
               </a:rPr>
               <a:pPr/>
-              <a:t>2019/8/12</a:t>
+              <a:t>2019/10/6</a:t>
             </a:fld>
             <a:endParaRPr kumimoji="1" lang="zh-TW" altLang="en-US">
               <a:solidFill>
@@ -1457,7 +1476,7 @@
                 </a:solidFill>
               </a:rPr>
               <a:pPr/>
-              <a:t>2019/8/12</a:t>
+              <a:t>2019/10/6</a:t>
             </a:fld>
             <a:endParaRPr kumimoji="1" lang="zh-TW" altLang="en-US">
               <a:solidFill>
@@ -1764,7 +1783,7 @@
                 </a:solidFill>
               </a:rPr>
               <a:pPr/>
-              <a:t>2019/8/12</a:t>
+              <a:t>2019/10/6</a:t>
             </a:fld>
             <a:endParaRPr kumimoji="1" lang="zh-TW" altLang="en-US">
               <a:solidFill>
@@ -2061,7 +2080,7 @@
                 </a:solidFill>
               </a:rPr>
               <a:pPr/>
-              <a:t>2019/8/12</a:t>
+              <a:t>2019/10/6</a:t>
             </a:fld>
             <a:endParaRPr kumimoji="1" lang="zh-TW" altLang="en-US">
               <a:solidFill>
@@ -2505,7 +2524,7 @@
                 </a:solidFill>
               </a:rPr>
               <a:pPr/>
-              <a:t>2019/8/12</a:t>
+              <a:t>2019/10/6</a:t>
             </a:fld>
             <a:endParaRPr kumimoji="1" lang="zh-TW" altLang="en-US">
               <a:solidFill>
@@ -2678,7 +2697,7 @@
                 </a:solidFill>
               </a:rPr>
               <a:pPr/>
-              <a:t>2019/8/12</a:t>
+              <a:t>2019/10/6</a:t>
             </a:fld>
             <a:endParaRPr kumimoji="1" lang="zh-TW" altLang="en-US">
               <a:solidFill>
@@ -2823,7 +2842,7 @@
                 </a:solidFill>
               </a:rPr>
               <a:pPr/>
-              <a:t>2019/8/12</a:t>
+              <a:t>2019/10/6</a:t>
             </a:fld>
             <a:endParaRPr kumimoji="1" lang="zh-TW" altLang="en-US">
               <a:solidFill>
@@ -3166,7 +3185,7 @@
                 </a:solidFill>
               </a:rPr>
               <a:pPr/>
-              <a:t>2019/8/12</a:t>
+              <a:t>2019/10/6</a:t>
             </a:fld>
             <a:endParaRPr kumimoji="1" lang="zh-TW" altLang="en-US">
               <a:solidFill>
@@ -3374,7 +3393,7 @@
             <a:fld id="{5BBEAD13-0566-4C6C-97E7-55F17F24B09F}" type="datetimeFigureOut">
               <a:rPr lang="zh-TW" altLang="en-US" smtClean="0"/>
               <a:pPr/>
-              <a:t>2019/8/12</a:t>
+              <a:t>2019/10/6</a:t>
             </a:fld>
             <a:endParaRPr lang="zh-TW" altLang="en-US"/>
           </a:p>
@@ -3653,7 +3672,7 @@
                 </a:solidFill>
               </a:rPr>
               <a:pPr/>
-              <a:t>2019/8/12</a:t>
+              <a:t>2019/10/6</a:t>
             </a:fld>
             <a:endParaRPr kumimoji="1" lang="zh-TW" altLang="en-US">
               <a:solidFill>
@@ -3883,7 +3902,7 @@
                 </a:solidFill>
               </a:rPr>
               <a:pPr/>
-              <a:t>2019/8/12</a:t>
+              <a:t>2019/10/6</a:t>
             </a:fld>
             <a:endParaRPr kumimoji="1" lang="zh-TW" altLang="en-US">
               <a:solidFill>
@@ -4123,7 +4142,7 @@
                 </a:solidFill>
               </a:rPr>
               <a:pPr/>
-              <a:t>2019/8/12</a:t>
+              <a:t>2019/10/6</a:t>
             </a:fld>
             <a:endParaRPr kumimoji="1" lang="zh-TW" altLang="en-US">
               <a:solidFill>
@@ -5416,7 +5435,7 @@
             <a:fld id="{5BBEAD13-0566-4C6C-97E7-55F17F24B09F}" type="datetimeFigureOut">
               <a:rPr lang="zh-TW" altLang="en-US" smtClean="0"/>
               <a:pPr/>
-              <a:t>2019/8/12</a:t>
+              <a:t>2019/10/6</a:t>
             </a:fld>
             <a:endParaRPr lang="zh-TW" altLang="en-US"/>
           </a:p>
@@ -5701,7 +5720,7 @@
             <a:fld id="{5BBEAD13-0566-4C6C-97E7-55F17F24B09F}" type="datetimeFigureOut">
               <a:rPr lang="zh-TW" altLang="en-US" smtClean="0"/>
               <a:pPr/>
-              <a:t>2019/8/12</a:t>
+              <a:t>2019/10/6</a:t>
             </a:fld>
             <a:endParaRPr lang="zh-TW" altLang="en-US"/>
           </a:p>
@@ -6120,7 +6139,7 @@
             <a:fld id="{5BBEAD13-0566-4C6C-97E7-55F17F24B09F}" type="datetimeFigureOut">
               <a:rPr lang="zh-TW" altLang="en-US" smtClean="0"/>
               <a:pPr/>
-              <a:t>2019/8/12</a:t>
+              <a:t>2019/10/6</a:t>
             </a:fld>
             <a:endParaRPr lang="zh-TW" altLang="en-US"/>
           </a:p>
@@ -6235,7 +6254,7 @@
             <a:fld id="{5BBEAD13-0566-4C6C-97E7-55F17F24B09F}" type="datetimeFigureOut">
               <a:rPr lang="zh-TW" altLang="en-US" smtClean="0"/>
               <a:pPr/>
-              <a:t>2019/8/12</a:t>
+              <a:t>2019/10/6</a:t>
             </a:fld>
             <a:endParaRPr lang="zh-TW" altLang="en-US"/>
           </a:p>
@@ -6327,7 +6346,7 @@
             <a:fld id="{5BBEAD13-0566-4C6C-97E7-55F17F24B09F}" type="datetimeFigureOut">
               <a:rPr lang="zh-TW" altLang="en-US" smtClean="0"/>
               <a:pPr/>
-              <a:t>2019/8/12</a:t>
+              <a:t>2019/10/6</a:t>
             </a:fld>
             <a:endParaRPr lang="zh-TW" altLang="en-US"/>
           </a:p>
@@ -6601,7 +6620,7 @@
             <a:fld id="{5BBEAD13-0566-4C6C-97E7-55F17F24B09F}" type="datetimeFigureOut">
               <a:rPr lang="zh-TW" altLang="en-US" smtClean="0"/>
               <a:pPr/>
-              <a:t>2019/8/12</a:t>
+              <a:t>2019/10/6</a:t>
             </a:fld>
             <a:endParaRPr lang="zh-TW" altLang="en-US"/>
           </a:p>
@@ -6851,7 +6870,7 @@
             <a:fld id="{5BBEAD13-0566-4C6C-97E7-55F17F24B09F}" type="datetimeFigureOut">
               <a:rPr lang="zh-TW" altLang="en-US" smtClean="0"/>
               <a:pPr/>
-              <a:t>2019/8/12</a:t>
+              <a:t>2019/10/6</a:t>
             </a:fld>
             <a:endParaRPr lang="zh-TW" altLang="en-US"/>
           </a:p>
@@ -7061,7 +7080,7 @@
             <a:fld id="{5BBEAD13-0566-4C6C-97E7-55F17F24B09F}" type="datetimeFigureOut">
               <a:rPr lang="zh-TW" altLang="en-US" smtClean="0"/>
               <a:pPr/>
-              <a:t>2019/8/12</a:t>
+              <a:t>2019/10/6</a:t>
             </a:fld>
             <a:endParaRPr lang="zh-TW" altLang="en-US"/>
           </a:p>
@@ -7590,7 +7609,7 @@
                 </a:solidFill>
               </a:rPr>
               <a:pPr/>
-              <a:t>2019/8/12</a:t>
+              <a:t>2019/10/6</a:t>
             </a:fld>
             <a:endParaRPr kumimoji="1" lang="zh-TW" altLang="en-US">
               <a:solidFill>
@@ -8123,7 +8142,248 @@
       </p:grpSpPr>
       <p:sp>
         <p:nvSpPr>
-          <p:cNvPr id="2" name="標題 1"/>
+          <p:cNvPr id="16" name="內容版面配置區 15"/>
+          <p:cNvSpPr>
+            <a:spLocks noGrp="1"/>
+          </p:cNvSpPr>
+          <p:nvPr>
+            <p:ph sz="quarter" idx="1"/>
+          </p:nvPr>
+        </p:nvSpPr>
+        <p:spPr>
+          <a:xfrm>
+            <a:off x="539552" y="1844824"/>
+            <a:ext cx="8153400" cy="4495800"/>
+          </a:xfrm>
+        </p:spPr>
+        <p:txBody>
+          <a:bodyPr>
+            <a:normAutofit/>
+          </a:bodyPr>
+          <a:lstStyle/>
+          <a:p>
+            <a:r>
+              <a:rPr lang="en-US" altLang="zh-TW" sz="2800" dirty="0" smtClean="0">
+                <a:latin typeface="+mn-ea"/>
+                <a:cs typeface="Times New Roman" pitchFamily="18" charset="0"/>
+              </a:rPr>
+              <a:t>FHIR</a:t>
+            </a:r>
+            <a:r>
+              <a:rPr lang="zh-TW" altLang="en-US" sz="2800" dirty="0" smtClean="0">
+                <a:latin typeface="+mn-ea"/>
+                <a:cs typeface="Times New Roman" pitchFamily="18" charset="0"/>
+              </a:rPr>
+              <a:t> </a:t>
+            </a:r>
+            <a:r>
+              <a:rPr lang="zh-TW" altLang="en-US" sz="2800" dirty="0" smtClean="0">
+                <a:latin typeface="+mn-ea"/>
+                <a:cs typeface="Times New Roman" pitchFamily="18" charset="0"/>
+              </a:rPr>
+              <a:t>可上傳 </a:t>
+            </a:r>
+            <a:r>
+              <a:rPr lang="en-US" altLang="zh-TW" sz="2800" dirty="0" smtClean="0">
+                <a:latin typeface="+mn-ea"/>
+                <a:cs typeface="Times New Roman" pitchFamily="18" charset="0"/>
+              </a:rPr>
+              <a:t>XML</a:t>
+            </a:r>
+            <a:r>
+              <a:rPr lang="zh-TW" altLang="en-US" sz="2800" dirty="0" smtClean="0">
+                <a:latin typeface="+mn-ea"/>
+                <a:cs typeface="Times New Roman" pitchFamily="18" charset="0"/>
+              </a:rPr>
+              <a:t> 或 </a:t>
+            </a:r>
+            <a:r>
+              <a:rPr lang="en-US" altLang="zh-TW" sz="2800" dirty="0" smtClean="0">
+                <a:latin typeface="+mn-ea"/>
+                <a:cs typeface="Times New Roman" pitchFamily="18" charset="0"/>
+              </a:rPr>
+              <a:t>JSON</a:t>
+            </a:r>
+            <a:r>
+              <a:rPr lang="zh-TW" altLang="en-US" sz="2800" dirty="0" smtClean="0">
+                <a:latin typeface="+mn-ea"/>
+                <a:cs typeface="Times New Roman" pitchFamily="18" charset="0"/>
+              </a:rPr>
+              <a:t> 格式資料</a:t>
+            </a:r>
+            <a:endParaRPr lang="en-US" altLang="zh-TW" sz="2800" dirty="0" smtClean="0">
+              <a:solidFill>
+                <a:srgbClr val="FF0000"/>
+              </a:solidFill>
+              <a:latin typeface="+mn-ea"/>
+              <a:cs typeface="Times New Roman" pitchFamily="18" charset="0"/>
+            </a:endParaRPr>
+          </a:p>
+          <a:p>
+            <a:endParaRPr lang="en-US" altLang="zh-TW" sz="2800" dirty="0" smtClean="0">
+              <a:latin typeface="+mn-ea"/>
+              <a:cs typeface="Times New Roman" pitchFamily="18" charset="0"/>
+            </a:endParaRPr>
+          </a:p>
+          <a:p>
+            <a:r>
+              <a:rPr lang="zh-TW" altLang="en-US" sz="2800" dirty="0" smtClean="0">
+                <a:latin typeface="+mn-ea"/>
+                <a:cs typeface="Times New Roman" pitchFamily="18" charset="0"/>
+              </a:rPr>
+              <a:t>啟動</a:t>
+            </a:r>
+            <a:r>
+              <a:rPr lang="en-US" altLang="zh-TW" sz="2800" dirty="0" smtClean="0">
+                <a:latin typeface="+mn-ea"/>
+                <a:cs typeface="Times New Roman" pitchFamily="18" charset="0"/>
+              </a:rPr>
+              <a:t>HTTP</a:t>
+            </a:r>
+            <a:r>
+              <a:rPr lang="zh-TW" altLang="en-US" sz="2800" dirty="0" smtClean="0">
+                <a:latin typeface="+mn-ea"/>
+                <a:cs typeface="Times New Roman" pitchFamily="18" charset="0"/>
+              </a:rPr>
+              <a:t> 前需</a:t>
+            </a:r>
+            <a:r>
+              <a:rPr lang="zh-TW" altLang="en-US" sz="2800" dirty="0">
+                <a:latin typeface="+mn-ea"/>
+                <a:cs typeface="Times New Roman" pitchFamily="18" charset="0"/>
+              </a:rPr>
+              <a:t>先</a:t>
+            </a:r>
+            <a:r>
+              <a:rPr lang="zh-TW" altLang="en-US" sz="2800" dirty="0" smtClean="0">
+                <a:latin typeface="+mn-ea"/>
+                <a:cs typeface="Times New Roman" pitchFamily="18" charset="0"/>
+              </a:rPr>
+              <a:t>設 </a:t>
+            </a:r>
+            <a:r>
+              <a:rPr lang="en-US" altLang="zh-TW" sz="2800" dirty="0" smtClean="0">
+                <a:latin typeface="+mn-ea"/>
+                <a:cs typeface="Times New Roman" pitchFamily="18" charset="0"/>
+              </a:rPr>
+              <a:t>mine type</a:t>
+            </a:r>
+            <a:r>
+              <a:rPr lang="zh-TW" altLang="en-US" sz="2800" dirty="0">
+                <a:latin typeface="+mn-ea"/>
+                <a:cs typeface="Times New Roman" pitchFamily="18" charset="0"/>
+              </a:rPr>
+              <a:t>，如程式</a:t>
+            </a:r>
+            <a:r>
+              <a:rPr lang="zh-TW" altLang="en-US" sz="2800" dirty="0" smtClean="0">
+                <a:latin typeface="+mn-ea"/>
+                <a:cs typeface="Times New Roman" pitchFamily="18" charset="0"/>
+              </a:rPr>
+              <a:t>範例</a:t>
+            </a:r>
+            <a:r>
+              <a:rPr lang="en-US" altLang="zh-TW" sz="2800" dirty="0" smtClean="0">
+                <a:latin typeface="+mn-ea"/>
+                <a:cs typeface="Times New Roman" pitchFamily="18" charset="0"/>
+              </a:rPr>
+              <a:t>:</a:t>
+            </a:r>
+          </a:p>
+          <a:p>
+            <a:pPr lvl="1"/>
+            <a:r>
+              <a:rPr lang="en-US" altLang="zh-TW" sz="2400" dirty="0">
+                <a:latin typeface="+mn-ea"/>
+                <a:cs typeface="Times New Roman" pitchFamily="18" charset="0"/>
+              </a:rPr>
+              <a:t> </a:t>
+            </a:r>
+            <a:r>
+              <a:rPr lang="en-US" altLang="zh-TW" sz="2400" dirty="0" err="1" smtClean="0">
+                <a:latin typeface="+mn-ea"/>
+                <a:cs typeface="Times New Roman" pitchFamily="18" charset="0"/>
+              </a:rPr>
+              <a:t>HttpObj.setRequestHeader</a:t>
+            </a:r>
+            <a:r>
+              <a:rPr lang="en-US" altLang="zh-TW" sz="2400" dirty="0">
+                <a:latin typeface="+mn-ea"/>
+                <a:cs typeface="Times New Roman" pitchFamily="18" charset="0"/>
+              </a:rPr>
+              <a:t>("Content-type", "application/</a:t>
+            </a:r>
+            <a:r>
+              <a:rPr lang="en-US" altLang="zh-TW" sz="2400" dirty="0" err="1">
+                <a:latin typeface="+mn-ea"/>
+                <a:cs typeface="Times New Roman" pitchFamily="18" charset="0"/>
+              </a:rPr>
+              <a:t>json+fhir</a:t>
+            </a:r>
+            <a:r>
+              <a:rPr lang="en-US" altLang="zh-TW" sz="2400" dirty="0">
+                <a:latin typeface="+mn-ea"/>
+                <a:cs typeface="Times New Roman" pitchFamily="18" charset="0"/>
+              </a:rPr>
+              <a:t>");</a:t>
+            </a:r>
+          </a:p>
+          <a:p>
+            <a:pPr lvl="1"/>
+            <a:r>
+              <a:rPr lang="en-US" altLang="zh-TW" sz="2400" dirty="0" smtClean="0">
+                <a:latin typeface="+mn-ea"/>
+                <a:cs typeface="Times New Roman" pitchFamily="18" charset="0"/>
+              </a:rPr>
+              <a:t>Or:     </a:t>
+            </a:r>
+            <a:r>
+              <a:rPr lang="en-US" altLang="zh-TW" sz="2400" dirty="0" err="1">
+                <a:latin typeface="+mn-ea"/>
+                <a:cs typeface="Times New Roman" pitchFamily="18" charset="0"/>
+              </a:rPr>
+              <a:t>HttpObj.setRequestHeader</a:t>
+            </a:r>
+            <a:r>
+              <a:rPr lang="en-US" altLang="zh-TW" sz="2400" dirty="0">
+                <a:latin typeface="+mn-ea"/>
+                <a:cs typeface="Times New Roman" pitchFamily="18" charset="0"/>
+              </a:rPr>
+              <a:t>("Content-type", "application/</a:t>
+            </a:r>
+            <a:r>
+              <a:rPr lang="en-US" altLang="zh-TW" sz="2400" dirty="0" err="1">
+                <a:latin typeface="+mn-ea"/>
+                <a:cs typeface="Times New Roman" pitchFamily="18" charset="0"/>
+              </a:rPr>
+              <a:t>xml+fhir</a:t>
+            </a:r>
+            <a:r>
+              <a:rPr lang="en-US" altLang="zh-TW" sz="2400" dirty="0" smtClean="0">
+                <a:latin typeface="+mn-ea"/>
+                <a:cs typeface="Times New Roman" pitchFamily="18" charset="0"/>
+              </a:rPr>
+              <a:t>");</a:t>
+            </a:r>
+          </a:p>
+          <a:p>
+            <a:pPr lvl="2"/>
+            <a:endParaRPr lang="en-US" altLang="zh-TW" dirty="0" smtClean="0">
+              <a:latin typeface="+mn-ea"/>
+              <a:cs typeface="Times New Roman" pitchFamily="18" charset="0"/>
+            </a:endParaRPr>
+          </a:p>
+          <a:p>
+            <a:endParaRPr lang="en-US" altLang="zh-TW" dirty="0">
+              <a:latin typeface="+mn-ea"/>
+              <a:cs typeface="Times New Roman" pitchFamily="18" charset="0"/>
+            </a:endParaRPr>
+          </a:p>
+        </p:txBody>
+      </p:sp>
+      <p:sp>
+        <p:nvSpPr>
+          <p:cNvPr id="33" name="Title 2"/>
           <p:cNvSpPr>
             <a:spLocks noGrp="1"/>
           </p:cNvSpPr>
@@ -8131,118 +8391,47 @@
             <p:ph type="title"/>
           </p:nvPr>
         </p:nvSpPr>
-        <p:spPr/>
-        <p:txBody>
-          <a:bodyPr/>
+        <p:spPr>
+          <a:xfrm>
+            <a:off x="402764" y="260648"/>
+            <a:ext cx="8181808" cy="634083"/>
+          </a:xfrm>
+        </p:spPr>
+        <p:txBody>
+          <a:bodyPr>
+            <a:noAutofit/>
+          </a:bodyPr>
           <a:lstStyle/>
           <a:p>
-            <a:r>
-              <a:rPr lang="en-US" altLang="zh-TW" dirty="0" smtClean="0"/>
-              <a:t>References</a:t>
-            </a:r>
-            <a:endParaRPr lang="zh-TW" altLang="en-US" dirty="0"/>
-          </a:p>
-        </p:txBody>
-      </p:sp>
-      <p:sp>
-        <p:nvSpPr>
-          <p:cNvPr id="3" name="內容版面配置區 2"/>
-          <p:cNvSpPr>
-            <a:spLocks noGrp="1"/>
-          </p:cNvSpPr>
-          <p:nvPr>
-            <p:ph idx="1"/>
-          </p:nvPr>
-        </p:nvSpPr>
-        <p:spPr/>
-        <p:txBody>
-          <a:bodyPr/>
-          <a:lstStyle/>
-          <a:p>
-            <a:r>
-              <a:rPr lang="en-US" altLang="zh-TW" dirty="0" err="1" smtClean="0"/>
-              <a:t>FHIR</a:t>
-            </a:r>
-            <a:r>
-              <a:rPr lang="en-US" altLang="zh-TW" dirty="0" smtClean="0"/>
-              <a:t> API</a:t>
-            </a:r>
-          </a:p>
-          <a:p>
-            <a:pPr lvl="1"/>
-            <a:r>
-              <a:rPr lang="en-US" altLang="zh-TW" dirty="0"/>
-              <a:t>https://</a:t>
-            </a:r>
-            <a:r>
-              <a:rPr lang="en-US" altLang="zh-TW" dirty="0" err="1" smtClean="0"/>
-              <a:t>www.hl7.org</a:t>
-            </a:r>
-            <a:r>
-              <a:rPr lang="en-US" altLang="zh-TW" dirty="0" smtClean="0"/>
-              <a:t>/</a:t>
-            </a:r>
-            <a:r>
-              <a:rPr lang="en-US" altLang="zh-TW" dirty="0" err="1" smtClean="0"/>
-              <a:t>fhir</a:t>
-            </a:r>
-            <a:r>
-              <a:rPr lang="en-US" altLang="zh-TW" dirty="0" smtClean="0"/>
-              <a:t>/</a:t>
-            </a:r>
-            <a:r>
-              <a:rPr lang="en-US" altLang="zh-TW" dirty="0" err="1" smtClean="0"/>
-              <a:t>http.html</a:t>
-            </a:r>
-            <a:endParaRPr lang="en-US" altLang="zh-TW" dirty="0" smtClean="0"/>
-          </a:p>
-          <a:p>
-            <a:endParaRPr lang="en-US" altLang="zh-TW" dirty="0"/>
-          </a:p>
-          <a:p>
-            <a:r>
-              <a:rPr lang="en-US" altLang="zh-TW" dirty="0" err="1" smtClean="0"/>
-              <a:t>FHIR</a:t>
-            </a:r>
-            <a:r>
-              <a:rPr lang="en-US" altLang="zh-TW" dirty="0" smtClean="0"/>
-              <a:t> search API</a:t>
-            </a:r>
-          </a:p>
-          <a:p>
-            <a:pPr lvl="1"/>
-            <a:r>
-              <a:rPr lang="en-US" altLang="zh-TW" dirty="0"/>
-              <a:t>https://</a:t>
-            </a:r>
-            <a:r>
-              <a:rPr lang="en-US" altLang="zh-TW" dirty="0" err="1"/>
-              <a:t>www.hl7.org</a:t>
-            </a:r>
-            <a:r>
-              <a:rPr lang="en-US" altLang="zh-TW" dirty="0"/>
-              <a:t>/</a:t>
-            </a:r>
-            <a:r>
-              <a:rPr lang="en-US" altLang="zh-TW" dirty="0" err="1"/>
-              <a:t>fhir</a:t>
-            </a:r>
-            <a:r>
-              <a:rPr lang="en-US" altLang="zh-TW" dirty="0"/>
-              <a:t>/</a:t>
-            </a:r>
-            <a:r>
-              <a:rPr lang="en-US" altLang="zh-TW" dirty="0" err="1"/>
-              <a:t>search.html</a:t>
-            </a:r>
-            <a:endParaRPr lang="zh-TW" altLang="en-US" dirty="0"/>
+            <a:pPr algn="ctr"/>
+            <a:r>
+              <a:rPr lang="zh-TW" altLang="en-US" sz="4000" b="1" dirty="0">
+                <a:solidFill>
+                  <a:srgbClr val="000000"/>
+                </a:solidFill>
+              </a:rPr>
+              <a:t>指定</a:t>
+            </a:r>
+            <a:r>
+              <a:rPr lang="en-US" altLang="zh-TW" sz="4000" b="1" dirty="0" smtClean="0">
+                <a:solidFill>
+                  <a:srgbClr val="000000"/>
+                </a:solidFill>
+              </a:rPr>
+              <a:t>HTTP mine type</a:t>
+            </a:r>
+            <a:endParaRPr lang="en-GB" sz="4000" b="1" dirty="0">
+              <a:solidFill>
+                <a:srgbClr val="000000"/>
+              </a:solidFill>
+            </a:endParaRPr>
           </a:p>
         </p:txBody>
       </p:sp>
     </p:spTree>
     <p:extLst>
       <p:ext uri="{BB962C8B-B14F-4D97-AF65-F5344CB8AC3E}">
-        <p14:creationId xmlns:p14="http://schemas.microsoft.com/office/powerpoint/2010/main" val="3849417820"/>
+        <p14:creationId xmlns:p14="http://schemas.microsoft.com/office/powerpoint/2010/main" val="2972729897"/>
       </p:ext>
     </p:extLst>
   </p:cSld>
@@ -8256,6 +8445,1620 @@
       </p:par>
     </p:tnLst>
   </p:timing>
+</p:sld>
+</file>
+
+<file path=ppt/slides/slide11.xml><?xml version="1.0" encoding="utf-8"?>
+<p:sld xmlns:a="http://schemas.openxmlformats.org/drawingml/2006/main" xmlns:r="http://schemas.openxmlformats.org/officeDocument/2006/relationships" xmlns:p="http://schemas.openxmlformats.org/presentationml/2006/main">
+  <p:cSld>
+    <p:spTree>
+      <p:nvGrpSpPr>
+        <p:cNvPr id="1" name=""/>
+        <p:cNvGrpSpPr/>
+        <p:nvPr/>
+      </p:nvGrpSpPr>
+      <p:grpSpPr>
+        <a:xfrm>
+          <a:off x="0" y="0"/>
+          <a:ext cx="0" cy="0"/>
+          <a:chOff x="0" y="0"/>
+          <a:chExt cx="0" cy="0"/>
+        </a:xfrm>
+      </p:grpSpPr>
+      <p:sp>
+        <p:nvSpPr>
+          <p:cNvPr id="2" name="標題 1"/>
+          <p:cNvSpPr>
+            <a:spLocks noGrp="1"/>
+          </p:cNvSpPr>
+          <p:nvPr>
+            <p:ph type="title"/>
+          </p:nvPr>
+        </p:nvSpPr>
+        <p:spPr/>
+        <p:txBody>
+          <a:bodyPr/>
+          <a:lstStyle/>
+          <a:p>
+            <a:r>
+              <a:rPr lang="zh-TW" altLang="en-US" dirty="0"/>
+              <a:t>應用情境範例</a:t>
+            </a:r>
+          </a:p>
+        </p:txBody>
+      </p:sp>
+      <p:sp>
+        <p:nvSpPr>
+          <p:cNvPr id="3" name="內容版面配置區 2"/>
+          <p:cNvSpPr>
+            <a:spLocks noGrp="1"/>
+          </p:cNvSpPr>
+          <p:nvPr>
+            <p:ph idx="1"/>
+          </p:nvPr>
+        </p:nvSpPr>
+        <p:spPr/>
+        <p:txBody>
+          <a:bodyPr/>
+          <a:lstStyle/>
+          <a:p>
+            <a:r>
+              <a:rPr lang="zh-TW" altLang="en-US" dirty="0" smtClean="0"/>
+              <a:t>新增</a:t>
+            </a:r>
+            <a:endParaRPr lang="en-US" altLang="zh-TW" dirty="0" smtClean="0"/>
+          </a:p>
+          <a:p>
+            <a:pPr lvl="1"/>
+            <a:r>
+              <a:rPr lang="zh-TW" altLang="en-US" dirty="0" smtClean="0"/>
+              <a:t>新增病人</a:t>
+            </a:r>
+            <a:r>
+              <a:rPr lang="en-US" altLang="zh-TW" dirty="0" smtClean="0"/>
+              <a:t>(patient)</a:t>
+            </a:r>
+            <a:r>
+              <a:rPr lang="zh-TW" altLang="en-US" dirty="0" smtClean="0"/>
+              <a:t>、新增病人之狀況</a:t>
+            </a:r>
+            <a:r>
+              <a:rPr lang="en-US" altLang="zh-TW" dirty="0" smtClean="0"/>
+              <a:t>(condition)</a:t>
+            </a:r>
+            <a:r>
+              <a:rPr lang="zh-TW" altLang="en-US" dirty="0" smtClean="0"/>
+              <a:t>、新增病人量測</a:t>
+            </a:r>
+            <a:r>
+              <a:rPr lang="en-US" altLang="zh-TW" dirty="0" smtClean="0"/>
+              <a:t>(observation)</a:t>
+            </a:r>
+            <a:r>
+              <a:rPr lang="zh-TW" altLang="en-US" dirty="0" smtClean="0"/>
+              <a:t>資訊</a:t>
+            </a:r>
+            <a:endParaRPr lang="en-US" altLang="zh-TW" dirty="0" smtClean="0"/>
+          </a:p>
+          <a:p>
+            <a:r>
+              <a:rPr lang="zh-TW" altLang="en-US" dirty="0" smtClean="0"/>
+              <a:t>查詢</a:t>
+            </a:r>
+            <a:endParaRPr lang="en-US" altLang="zh-TW" dirty="0" smtClean="0"/>
+          </a:p>
+          <a:p>
+            <a:pPr lvl="1"/>
+            <a:r>
+              <a:rPr lang="zh-TW" altLang="en-US" dirty="0"/>
+              <a:t>查詢病人</a:t>
+            </a:r>
+            <a:r>
+              <a:rPr lang="zh-TW" altLang="en-US" dirty="0" smtClean="0"/>
+              <a:t>狀況、查詢病人量測資訊、查詢病人最近量測資訊</a:t>
+            </a:r>
+            <a:endParaRPr lang="en-US" altLang="zh-TW" dirty="0" smtClean="0"/>
+          </a:p>
+        </p:txBody>
+      </p:sp>
+    </p:spTree>
+    <p:extLst>
+      <p:ext uri="{BB962C8B-B14F-4D97-AF65-F5344CB8AC3E}">
+        <p14:creationId xmlns:p14="http://schemas.microsoft.com/office/powerpoint/2010/main" val="2781832704"/>
+      </p:ext>
+    </p:extLst>
+  </p:cSld>
+  <p:clrMapOvr>
+    <a:masterClrMapping/>
+  </p:clrMapOvr>
+  <p:timing>
+    <p:tnLst>
+      <p:par>
+        <p:cTn id="1" dur="indefinite" restart="never" nodeType="tmRoot"/>
+      </p:par>
+    </p:tnLst>
+  </p:timing>
+</p:sld>
+</file>
+
+<file path=ppt/slides/slide12.xml><?xml version="1.0" encoding="utf-8"?>
+<p:sld xmlns:a="http://schemas.openxmlformats.org/drawingml/2006/main" xmlns:r="http://schemas.openxmlformats.org/officeDocument/2006/relationships" xmlns:p="http://schemas.openxmlformats.org/presentationml/2006/main">
+  <p:cSld>
+    <p:spTree>
+      <p:nvGrpSpPr>
+        <p:cNvPr id="1" name=""/>
+        <p:cNvGrpSpPr/>
+        <p:nvPr/>
+      </p:nvGrpSpPr>
+      <p:grpSpPr>
+        <a:xfrm>
+          <a:off x="0" y="0"/>
+          <a:ext cx="0" cy="0"/>
+          <a:chOff x="0" y="0"/>
+          <a:chExt cx="0" cy="0"/>
+        </a:xfrm>
+      </p:grpSpPr>
+      <p:sp>
+        <p:nvSpPr>
+          <p:cNvPr id="2" name="標題 1"/>
+          <p:cNvSpPr>
+            <a:spLocks noGrp="1"/>
+          </p:cNvSpPr>
+          <p:nvPr>
+            <p:ph type="title"/>
+          </p:nvPr>
+        </p:nvSpPr>
+        <p:spPr/>
+        <p:txBody>
+          <a:bodyPr/>
+          <a:lstStyle/>
+          <a:p>
+            <a:r>
+              <a:rPr lang="zh-TW" altLang="en-US" dirty="0" smtClean="0"/>
+              <a:t>新增 </a:t>
+            </a:r>
+            <a:r>
+              <a:rPr lang="en-US" altLang="zh-TW" dirty="0" smtClean="0"/>
+              <a:t>patient resource</a:t>
+            </a:r>
+            <a:endParaRPr lang="zh-TW" altLang="en-US" dirty="0"/>
+          </a:p>
+        </p:txBody>
+      </p:sp>
+      <p:sp>
+        <p:nvSpPr>
+          <p:cNvPr id="3" name="內容版面配置區 2"/>
+          <p:cNvSpPr>
+            <a:spLocks noGrp="1"/>
+          </p:cNvSpPr>
+          <p:nvPr>
+            <p:ph idx="1"/>
+          </p:nvPr>
+        </p:nvSpPr>
+        <p:spPr/>
+        <p:txBody>
+          <a:bodyPr/>
+          <a:lstStyle/>
+          <a:p>
+            <a:r>
+              <a:rPr lang="en-US" altLang="zh-TW" dirty="0" smtClean="0"/>
+              <a:t>HTTP</a:t>
+            </a:r>
+            <a:r>
+              <a:rPr lang="zh-TW" altLang="en-US" dirty="0" smtClean="0"/>
+              <a:t> </a:t>
+            </a:r>
+            <a:r>
+              <a:rPr lang="en-US" altLang="zh-TW" dirty="0" smtClean="0"/>
+              <a:t>POST</a:t>
+            </a:r>
+            <a:r>
+              <a:rPr lang="zh-TW" altLang="en-US" dirty="0" smtClean="0"/>
+              <a:t> 建立病人基本資料，語法</a:t>
+            </a:r>
+            <a:endParaRPr lang="en-US" altLang="zh-TW" dirty="0" smtClean="0"/>
+          </a:p>
+          <a:p>
+            <a:pPr lvl="1"/>
+            <a:r>
+              <a:rPr lang="en-US" altLang="zh-TW" dirty="0" smtClean="0">
+                <a:solidFill>
+                  <a:srgbClr val="00B0F0"/>
+                </a:solidFill>
+              </a:rPr>
+              <a:t>http</a:t>
+            </a:r>
+            <a:r>
+              <a:rPr lang="en-US" altLang="zh-TW" dirty="0">
+                <a:solidFill>
+                  <a:srgbClr val="00B0F0"/>
+                </a:solidFill>
+              </a:rPr>
+              <a:t>://</a:t>
+            </a:r>
+            <a:r>
+              <a:rPr lang="en-US" altLang="zh-TW" dirty="0" err="1">
+                <a:solidFill>
+                  <a:srgbClr val="00B0F0"/>
+                </a:solidFill>
+              </a:rPr>
+              <a:t>fhie.base.root</a:t>
+            </a:r>
+            <a:r>
+              <a:rPr lang="en-US" altLang="zh-TW" dirty="0">
+                <a:solidFill>
+                  <a:srgbClr val="00B0F0"/>
+                </a:solidFill>
+              </a:rPr>
+              <a:t>/</a:t>
+            </a:r>
+            <a:r>
+              <a:rPr lang="en-US" altLang="zh-TW" dirty="0">
+                <a:solidFill>
+                  <a:srgbClr val="FF0000"/>
+                </a:solidFill>
+              </a:rPr>
+              <a:t>Patient</a:t>
+            </a:r>
+          </a:p>
+          <a:p>
+            <a:pPr lvl="1"/>
+            <a:r>
+              <a:rPr lang="zh-TW" altLang="en-US" dirty="0"/>
+              <a:t>創建</a:t>
+            </a:r>
+            <a:r>
+              <a:rPr lang="zh-TW" altLang="en-US" dirty="0" smtClean="0"/>
+              <a:t>成功，</a:t>
+            </a:r>
+            <a:r>
+              <a:rPr lang="en-US" altLang="zh-TW" dirty="0" err="1" smtClean="0"/>
+              <a:t>FHIR</a:t>
+            </a:r>
+            <a:r>
+              <a:rPr lang="zh-TW" altLang="en-US" dirty="0" smtClean="0"/>
+              <a:t> </a:t>
+            </a:r>
+            <a:r>
+              <a:rPr lang="en-US" altLang="zh-TW" dirty="0" smtClean="0"/>
+              <a:t>server</a:t>
+            </a:r>
+            <a:r>
+              <a:rPr lang="zh-TW" altLang="en-US" dirty="0" smtClean="0"/>
+              <a:t> 回應包含 </a:t>
+            </a:r>
+            <a:r>
+              <a:rPr lang="en-US" altLang="zh-TW" b="1" dirty="0" smtClean="0">
+                <a:solidFill>
+                  <a:srgbClr val="FF0000"/>
+                </a:solidFill>
+              </a:rPr>
+              <a:t>patient id</a:t>
+            </a:r>
+            <a:r>
+              <a:rPr lang="en-US" altLang="zh-TW" dirty="0" smtClean="0"/>
+              <a:t> </a:t>
+            </a:r>
+            <a:r>
+              <a:rPr lang="zh-TW" altLang="en-US" dirty="0" smtClean="0"/>
+              <a:t>之 </a:t>
+            </a:r>
+            <a:r>
+              <a:rPr lang="en-US" altLang="zh-TW" dirty="0" smtClean="0"/>
+              <a:t>URL</a:t>
+            </a:r>
+          </a:p>
+          <a:p>
+            <a:pPr lvl="2"/>
+            <a:r>
+              <a:rPr lang="zh-TW" altLang="en-US" dirty="0"/>
+              <a:t>可</a:t>
+            </a:r>
+            <a:r>
+              <a:rPr lang="zh-TW" altLang="en-US" dirty="0" smtClean="0"/>
+              <a:t>用 </a:t>
+            </a:r>
+            <a:r>
+              <a:rPr lang="en-US" altLang="zh-TW" dirty="0" smtClean="0"/>
+              <a:t>http get </a:t>
+            </a:r>
+            <a:r>
+              <a:rPr lang="zh-TW" altLang="en-US" dirty="0" smtClean="0"/>
+              <a:t>此</a:t>
+            </a:r>
+            <a:r>
+              <a:rPr lang="en-US" altLang="zh-TW" dirty="0" smtClean="0"/>
+              <a:t> URL</a:t>
+            </a:r>
+            <a:r>
+              <a:rPr lang="zh-TW" altLang="en-US" dirty="0" smtClean="0"/>
+              <a:t> 取得 </a:t>
+            </a:r>
+            <a:r>
+              <a:rPr lang="en-US" altLang="zh-TW" dirty="0" err="1" smtClean="0"/>
+              <a:t>FHIR</a:t>
+            </a:r>
+            <a:r>
+              <a:rPr lang="zh-TW" altLang="en-US" dirty="0" smtClean="0"/>
+              <a:t> </a:t>
+            </a:r>
+            <a:r>
+              <a:rPr lang="en-US" altLang="zh-TW" dirty="0" smtClean="0"/>
+              <a:t>server </a:t>
+            </a:r>
+            <a:r>
+              <a:rPr lang="zh-TW" altLang="en-US" dirty="0" smtClean="0"/>
+              <a:t>上該病人的資料</a:t>
+            </a:r>
+            <a:r>
+              <a:rPr lang="en-US" altLang="zh-TW" dirty="0" smtClean="0"/>
+              <a:t>  </a:t>
+            </a:r>
+            <a:endParaRPr lang="en-US" altLang="zh-TW" dirty="0"/>
+          </a:p>
+        </p:txBody>
+      </p:sp>
+    </p:spTree>
+    <p:extLst>
+      <p:ext uri="{BB962C8B-B14F-4D97-AF65-F5344CB8AC3E}">
+        <p14:creationId xmlns:p14="http://schemas.microsoft.com/office/powerpoint/2010/main" val="3339540475"/>
+      </p:ext>
+    </p:extLst>
+  </p:cSld>
+  <p:clrMapOvr>
+    <a:masterClrMapping/>
+  </p:clrMapOvr>
+  <p:timing>
+    <p:tnLst>
+      <p:par>
+        <p:cTn id="1" dur="indefinite" restart="never" nodeType="tmRoot"/>
+      </p:par>
+    </p:tnLst>
+  </p:timing>
+</p:sld>
+</file>
+
+<file path=ppt/slides/slide13.xml><?xml version="1.0" encoding="utf-8"?>
+<p:sld xmlns:a="http://schemas.openxmlformats.org/drawingml/2006/main" xmlns:r="http://schemas.openxmlformats.org/officeDocument/2006/relationships" xmlns:p="http://schemas.openxmlformats.org/presentationml/2006/main">
+  <p:cSld>
+    <p:spTree>
+      <p:nvGrpSpPr>
+        <p:cNvPr id="1" name=""/>
+        <p:cNvGrpSpPr/>
+        <p:nvPr/>
+      </p:nvGrpSpPr>
+      <p:grpSpPr>
+        <a:xfrm>
+          <a:off x="0" y="0"/>
+          <a:ext cx="0" cy="0"/>
+          <a:chOff x="0" y="0"/>
+          <a:chExt cx="0" cy="0"/>
+        </a:xfrm>
+      </p:grpSpPr>
+      <p:sp>
+        <p:nvSpPr>
+          <p:cNvPr id="16" name="內容版面配置區 15"/>
+          <p:cNvSpPr>
+            <a:spLocks noGrp="1"/>
+          </p:cNvSpPr>
+          <p:nvPr>
+            <p:ph sz="quarter" idx="1"/>
+          </p:nvPr>
+        </p:nvSpPr>
+        <p:spPr>
+          <a:xfrm>
+            <a:off x="539552" y="1844824"/>
+            <a:ext cx="8153400" cy="4495800"/>
+          </a:xfrm>
+        </p:spPr>
+        <p:txBody>
+          <a:bodyPr>
+            <a:normAutofit/>
+          </a:bodyPr>
+          <a:lstStyle/>
+          <a:p>
+            <a:r>
+              <a:rPr lang="en-US" altLang="zh-TW" sz="2200" dirty="0" smtClean="0">
+                <a:latin typeface="Times New Roman" pitchFamily="18" charset="0"/>
+                <a:cs typeface="Times New Roman" pitchFamily="18" charset="0"/>
+              </a:rPr>
+              <a:t>GET</a:t>
+            </a:r>
+            <a:r>
+              <a:rPr lang="en-US" altLang="zh-TW" dirty="0" smtClean="0">
+                <a:latin typeface="Times New Roman" pitchFamily="18" charset="0"/>
+                <a:cs typeface="Times New Roman" pitchFamily="18" charset="0"/>
+              </a:rPr>
+              <a:t> </a:t>
+            </a:r>
+            <a:r>
+              <a:rPr lang="en-US" altLang="zh-TW" sz="2000" dirty="0" smtClean="0">
+                <a:solidFill>
+                  <a:srgbClr val="0070C0"/>
+                </a:solidFill>
+                <a:latin typeface="Times New Roman" pitchFamily="18" charset="0"/>
+                <a:cs typeface="Times New Roman" pitchFamily="18" charset="0"/>
+              </a:rPr>
+              <a:t>http://</a:t>
+            </a:r>
+            <a:r>
+              <a:rPr lang="en-US" altLang="zh-TW" sz="2000" dirty="0" smtClean="0">
+                <a:solidFill>
+                  <a:srgbClr val="0070C0"/>
+                </a:solidFill>
+                <a:latin typeface="Times New Roman" pitchFamily="18" charset="0"/>
+                <a:cs typeface="Times New Roman" pitchFamily="18" charset="0"/>
+              </a:rPr>
+              <a:t>fhir.base.root/</a:t>
+            </a:r>
+            <a:r>
+              <a:rPr lang="en-US" altLang="zh-TW" sz="2000" dirty="0" smtClean="0">
+                <a:solidFill>
+                  <a:srgbClr val="FF0000"/>
+                </a:solidFill>
+                <a:latin typeface="Times New Roman" pitchFamily="18" charset="0"/>
+                <a:cs typeface="Times New Roman" pitchFamily="18" charset="0"/>
+              </a:rPr>
+              <a:t>ResourceName</a:t>
+            </a:r>
+            <a:endParaRPr lang="en-US" altLang="zh-TW" sz="2000" dirty="0" smtClean="0">
+              <a:solidFill>
+                <a:srgbClr val="FF0000"/>
+              </a:solidFill>
+              <a:latin typeface="Times New Roman" pitchFamily="18" charset="0"/>
+              <a:cs typeface="Times New Roman" pitchFamily="18" charset="0"/>
+            </a:endParaRPr>
+          </a:p>
+          <a:p>
+            <a:pPr lvl="1"/>
+            <a:r>
+              <a:rPr lang="zh-TW" altLang="en-US" sz="2000" b="1" dirty="0" smtClean="0">
+                <a:latin typeface="Times New Roman" pitchFamily="18" charset="0"/>
+                <a:cs typeface="Times New Roman" pitchFamily="18" charset="0"/>
+              </a:rPr>
+              <a:t>取得</a:t>
+            </a:r>
+            <a:r>
+              <a:rPr lang="zh-TW" altLang="en-US" sz="2000" b="1" dirty="0" smtClean="0">
+                <a:latin typeface="Times New Roman" pitchFamily="18" charset="0"/>
+                <a:cs typeface="Times New Roman" pitchFamily="18" charset="0"/>
+              </a:rPr>
+              <a:t>某類 </a:t>
+            </a:r>
+            <a:r>
+              <a:rPr lang="en-US" altLang="zh-TW" sz="2000" b="1" dirty="0" smtClean="0">
+                <a:latin typeface="Times New Roman" pitchFamily="18" charset="0"/>
+                <a:cs typeface="Times New Roman" pitchFamily="18" charset="0"/>
+              </a:rPr>
+              <a:t>resource </a:t>
+            </a:r>
+            <a:r>
+              <a:rPr lang="zh-TW" altLang="en-US" sz="2000" b="1" dirty="0" smtClean="0">
+                <a:latin typeface="Times New Roman" pitchFamily="18" charset="0"/>
+                <a:cs typeface="Times New Roman" pitchFamily="18" charset="0"/>
+              </a:rPr>
+              <a:t>的全部資料</a:t>
+            </a:r>
+            <a:endParaRPr lang="en-US" altLang="zh-TW" sz="2000" b="1" dirty="0" smtClean="0">
+              <a:latin typeface="Times New Roman" pitchFamily="18" charset="0"/>
+              <a:cs typeface="Times New Roman" pitchFamily="18" charset="0"/>
+            </a:endParaRPr>
+          </a:p>
+          <a:p>
+            <a:r>
+              <a:rPr lang="en-US" altLang="zh-TW" sz="2200" dirty="0" smtClean="0">
+                <a:latin typeface="Times New Roman" pitchFamily="18" charset="0"/>
+                <a:cs typeface="Times New Roman" pitchFamily="18" charset="0"/>
+              </a:rPr>
+              <a:t>GET</a:t>
+            </a:r>
+            <a:r>
+              <a:rPr lang="en-US" altLang="zh-TW" dirty="0" smtClean="0">
+                <a:latin typeface="Times New Roman" pitchFamily="18" charset="0"/>
+                <a:cs typeface="Times New Roman" pitchFamily="18" charset="0"/>
+              </a:rPr>
+              <a:t> </a:t>
+            </a:r>
+            <a:r>
+              <a:rPr lang="en-US" altLang="zh-TW" sz="2000" dirty="0">
+                <a:solidFill>
+                  <a:srgbClr val="0070C0"/>
+                </a:solidFill>
+                <a:latin typeface="Times New Roman" pitchFamily="18" charset="0"/>
+                <a:cs typeface="Times New Roman" pitchFamily="18" charset="0"/>
+              </a:rPr>
+              <a:t>http://</a:t>
+            </a:r>
+            <a:r>
+              <a:rPr lang="en-US" altLang="zh-TW" sz="2000" dirty="0" smtClean="0">
+                <a:solidFill>
+                  <a:srgbClr val="0070C0"/>
+                </a:solidFill>
+                <a:latin typeface="Times New Roman" pitchFamily="18" charset="0"/>
+                <a:cs typeface="Times New Roman" pitchFamily="18" charset="0"/>
+              </a:rPr>
+              <a:t>fhir.base.root/</a:t>
+            </a:r>
+            <a:r>
+              <a:rPr lang="en-US" altLang="zh-TW" sz="2000" dirty="0" smtClean="0">
+                <a:solidFill>
+                  <a:srgbClr val="FF0000"/>
+                </a:solidFill>
+                <a:latin typeface="Times New Roman" pitchFamily="18" charset="0"/>
+                <a:cs typeface="Times New Roman" pitchFamily="18" charset="0"/>
+              </a:rPr>
+              <a:t>ResourceName/</a:t>
+            </a:r>
+            <a:r>
+              <a:rPr lang="en-US" altLang="zh-TW" sz="2000" dirty="0" smtClean="0">
+                <a:solidFill>
+                  <a:srgbClr val="7030A0"/>
+                </a:solidFill>
+                <a:latin typeface="Times New Roman" pitchFamily="18" charset="0"/>
+                <a:cs typeface="Times New Roman" pitchFamily="18" charset="0"/>
+              </a:rPr>
+              <a:t>id</a:t>
+            </a:r>
+            <a:endParaRPr lang="en-US" altLang="zh-TW" sz="2000" dirty="0" smtClean="0">
+              <a:solidFill>
+                <a:srgbClr val="7030A0"/>
+              </a:solidFill>
+              <a:latin typeface="Times New Roman" pitchFamily="18" charset="0"/>
+              <a:cs typeface="Times New Roman" pitchFamily="18" charset="0"/>
+            </a:endParaRPr>
+          </a:p>
+          <a:p>
+            <a:pPr lvl="1"/>
+            <a:r>
+              <a:rPr lang="zh-TW" altLang="en-US" sz="2000" b="1" dirty="0" smtClean="0">
+                <a:latin typeface="Times New Roman" pitchFamily="18" charset="0"/>
+                <a:cs typeface="Times New Roman" pitchFamily="18" charset="0"/>
+              </a:rPr>
+              <a:t>取得指定  </a:t>
+            </a:r>
+            <a:r>
+              <a:rPr lang="en-US" altLang="zh-TW" sz="2000" b="1" dirty="0" smtClean="0">
+                <a:latin typeface="Times New Roman" pitchFamily="18" charset="0"/>
+                <a:cs typeface="Times New Roman" pitchFamily="18" charset="0"/>
+              </a:rPr>
+              <a:t>id </a:t>
+            </a:r>
+            <a:r>
+              <a:rPr lang="zh-TW" altLang="en-US" sz="2000" b="1" dirty="0" smtClean="0">
+                <a:latin typeface="Times New Roman" pitchFamily="18" charset="0"/>
+                <a:cs typeface="Times New Roman" pitchFamily="18" charset="0"/>
+              </a:rPr>
+              <a:t>的某個資料</a:t>
+            </a:r>
+            <a:endParaRPr lang="zh-TW" altLang="en-US" sz="2000" b="1" dirty="0" smtClean="0">
+              <a:latin typeface="Times New Roman" pitchFamily="18" charset="0"/>
+              <a:cs typeface="Times New Roman" pitchFamily="18" charset="0"/>
+            </a:endParaRPr>
+          </a:p>
+          <a:p>
+            <a:pPr lvl="0"/>
+            <a:r>
+              <a:rPr lang="en-US" altLang="zh-TW" sz="2200" dirty="0" smtClean="0">
+                <a:solidFill>
+                  <a:prstClr val="black"/>
+                </a:solidFill>
+                <a:latin typeface="Times New Roman" pitchFamily="18" charset="0"/>
+                <a:cs typeface="Times New Roman" pitchFamily="18" charset="0"/>
+              </a:rPr>
+              <a:t>GET</a:t>
+            </a:r>
+            <a:r>
+              <a:rPr lang="en-US" altLang="zh-TW" dirty="0" smtClean="0">
+                <a:solidFill>
+                  <a:prstClr val="black"/>
+                </a:solidFill>
+                <a:latin typeface="Times New Roman" pitchFamily="18" charset="0"/>
+                <a:cs typeface="Times New Roman" pitchFamily="18" charset="0"/>
+              </a:rPr>
+              <a:t> </a:t>
+            </a:r>
+            <a:r>
+              <a:rPr lang="en-US" altLang="zh-TW" sz="2000" dirty="0">
+                <a:solidFill>
+                  <a:srgbClr val="0070C0"/>
+                </a:solidFill>
+                <a:latin typeface="Times New Roman" pitchFamily="18" charset="0"/>
+                <a:cs typeface="Times New Roman" pitchFamily="18" charset="0"/>
+              </a:rPr>
+              <a:t>http://</a:t>
+            </a:r>
+            <a:r>
+              <a:rPr lang="en-US" altLang="zh-TW" sz="2000" dirty="0" smtClean="0">
+                <a:solidFill>
+                  <a:srgbClr val="0070C0"/>
+                </a:solidFill>
+                <a:latin typeface="Times New Roman" pitchFamily="18" charset="0"/>
+                <a:cs typeface="Times New Roman" pitchFamily="18" charset="0"/>
+              </a:rPr>
+              <a:t>fhir.base.root/</a:t>
+            </a:r>
+            <a:r>
+              <a:rPr lang="en-US" altLang="zh-TW" sz="2000" dirty="0" smtClean="0">
+                <a:solidFill>
+                  <a:srgbClr val="FF0000"/>
+                </a:solidFill>
+                <a:latin typeface="Times New Roman" pitchFamily="18" charset="0"/>
+                <a:cs typeface="Times New Roman" pitchFamily="18" charset="0"/>
+              </a:rPr>
+              <a:t>ResorceNmae?param1=cond1&amp;param2=cond2</a:t>
+            </a:r>
+            <a:endParaRPr lang="en-US" altLang="zh-TW" sz="2000" dirty="0">
+              <a:solidFill>
+                <a:srgbClr val="7030A0"/>
+              </a:solidFill>
+              <a:latin typeface="Times New Roman" pitchFamily="18" charset="0"/>
+              <a:cs typeface="Times New Roman" pitchFamily="18" charset="0"/>
+            </a:endParaRPr>
+          </a:p>
+          <a:p>
+            <a:pPr lvl="1"/>
+            <a:r>
+              <a:rPr lang="zh-TW" altLang="en-US" sz="2000" b="1" dirty="0" smtClean="0">
+                <a:latin typeface="Times New Roman" pitchFamily="18" charset="0"/>
+                <a:cs typeface="Times New Roman" pitchFamily="18" charset="0"/>
+              </a:rPr>
+              <a:t>查詢合乎條件</a:t>
+            </a:r>
+            <a:r>
+              <a:rPr lang="zh-TW" altLang="en-US" sz="2000" b="1" dirty="0" smtClean="0">
+                <a:latin typeface="Times New Roman" pitchFamily="18" charset="0"/>
+                <a:cs typeface="Times New Roman" pitchFamily="18" charset="0"/>
+              </a:rPr>
+              <a:t>的</a:t>
+            </a:r>
+            <a:r>
+              <a:rPr lang="zh-TW" altLang="en-US" sz="2000" b="1" dirty="0" smtClean="0">
+                <a:latin typeface="Times New Roman" pitchFamily="18" charset="0"/>
+                <a:cs typeface="Times New Roman" pitchFamily="18" charset="0"/>
+              </a:rPr>
+              <a:t>資料</a:t>
+            </a:r>
+            <a:r>
+              <a:rPr lang="zh-TW" altLang="en-US" sz="2000" b="1" dirty="0" smtClean="0">
+                <a:latin typeface="Times New Roman" pitchFamily="18" charset="0"/>
+                <a:cs typeface="Times New Roman" pitchFamily="18" charset="0"/>
+              </a:rPr>
+              <a:t>                         </a:t>
+            </a:r>
+            <a:r>
+              <a:rPr lang="en-US" altLang="zh-TW" sz="2000" b="1" dirty="0" smtClean="0">
+                <a:latin typeface="Times New Roman" pitchFamily="18" charset="0"/>
+                <a:cs typeface="Times New Roman" pitchFamily="18" charset="0"/>
+              </a:rPr>
+              <a:t>(</a:t>
+            </a:r>
+            <a:r>
+              <a:rPr lang="zh-TW" altLang="en-US" sz="2000" b="1" dirty="0" smtClean="0">
+                <a:latin typeface="Times New Roman" pitchFamily="18" charset="0"/>
+                <a:cs typeface="Times New Roman" pitchFamily="18" charset="0"/>
+              </a:rPr>
+              <a:t>最複雜的是各式查詢條件</a:t>
+            </a:r>
+            <a:r>
+              <a:rPr lang="en-US" altLang="zh-TW" sz="2000" b="1" dirty="0" smtClean="0">
+                <a:latin typeface="Times New Roman" pitchFamily="18" charset="0"/>
+                <a:cs typeface="Times New Roman" pitchFamily="18" charset="0"/>
+              </a:rPr>
+              <a:t>)</a:t>
+            </a:r>
+            <a:r>
+              <a:rPr lang="zh-TW" altLang="en-US" sz="2000" b="1" dirty="0" smtClean="0">
+                <a:latin typeface="Times New Roman" pitchFamily="18" charset="0"/>
+                <a:cs typeface="Times New Roman" pitchFamily="18" charset="0"/>
+              </a:rPr>
+              <a:t> </a:t>
+            </a:r>
+            <a:endParaRPr lang="en-US" altLang="zh-TW" sz="2000" b="1" dirty="0">
+              <a:latin typeface="Times New Roman" pitchFamily="18" charset="0"/>
+              <a:cs typeface="Times New Roman" pitchFamily="18" charset="0"/>
+            </a:endParaRPr>
+          </a:p>
+          <a:p>
+            <a:endParaRPr lang="zh-TW" altLang="en-US" sz="2400" b="1" dirty="0" smtClean="0">
+              <a:latin typeface="Times New Roman" pitchFamily="18" charset="0"/>
+              <a:cs typeface="Times New Roman" pitchFamily="18" charset="0"/>
+            </a:endParaRPr>
+          </a:p>
+          <a:p>
+            <a:endParaRPr lang="zh-TW" altLang="en-US" sz="2000" dirty="0">
+              <a:latin typeface="Times New Roman" pitchFamily="18" charset="0"/>
+              <a:cs typeface="Times New Roman" pitchFamily="18" charset="0"/>
+            </a:endParaRPr>
+          </a:p>
+        </p:txBody>
+      </p:sp>
+      <p:sp>
+        <p:nvSpPr>
+          <p:cNvPr id="33" name="Title 2"/>
+          <p:cNvSpPr>
+            <a:spLocks noGrp="1"/>
+          </p:cNvSpPr>
+          <p:nvPr>
+            <p:ph type="title"/>
+          </p:nvPr>
+        </p:nvSpPr>
+        <p:spPr>
+          <a:xfrm>
+            <a:off x="402764" y="260648"/>
+            <a:ext cx="8181808" cy="634083"/>
+          </a:xfrm>
+        </p:spPr>
+        <p:txBody>
+          <a:bodyPr>
+            <a:noAutofit/>
+          </a:bodyPr>
+          <a:lstStyle/>
+          <a:p>
+            <a:pPr algn="ctr"/>
+            <a:r>
+              <a:rPr lang="en-US" altLang="zh-TW" sz="4000" b="1" dirty="0" err="1" smtClean="0">
+                <a:solidFill>
+                  <a:srgbClr val="000000"/>
+                </a:solidFill>
+              </a:rPr>
+              <a:t>FHIR</a:t>
+            </a:r>
+            <a:r>
+              <a:rPr lang="zh-TW" altLang="en-US" sz="4000" b="1" dirty="0" smtClean="0">
+                <a:solidFill>
+                  <a:srgbClr val="000000"/>
+                </a:solidFill>
+              </a:rPr>
+              <a:t> </a:t>
+            </a:r>
+            <a:r>
+              <a:rPr lang="en-US" altLang="zh-TW" sz="4000" b="1" dirty="0" smtClean="0">
+                <a:solidFill>
+                  <a:srgbClr val="000000"/>
+                </a:solidFill>
+              </a:rPr>
+              <a:t>API-</a:t>
+            </a:r>
+            <a:r>
+              <a:rPr lang="en-US" altLang="zh-TW" sz="4000" b="1" dirty="0" smtClean="0">
+                <a:solidFill>
+                  <a:srgbClr val="000000"/>
+                </a:solidFill>
+              </a:rPr>
+              <a:t>-</a:t>
+            </a:r>
+            <a:r>
+              <a:rPr lang="zh-TW" altLang="en-US" sz="4000" b="1" dirty="0" smtClean="0">
+                <a:solidFill>
+                  <a:srgbClr val="FF0000"/>
+                </a:solidFill>
+              </a:rPr>
+              <a:t>查詢</a:t>
+            </a:r>
+            <a:r>
+              <a:rPr lang="zh-TW" altLang="en-US" sz="4000" b="1" dirty="0" smtClean="0">
+                <a:solidFill>
+                  <a:srgbClr val="000000"/>
+                </a:solidFill>
+              </a:rPr>
+              <a:t>各種 </a:t>
+            </a:r>
+            <a:r>
+              <a:rPr lang="en-US" altLang="zh-TW" sz="4000" b="1" dirty="0" smtClean="0">
+                <a:solidFill>
+                  <a:srgbClr val="000000"/>
+                </a:solidFill>
+              </a:rPr>
+              <a:t>resources</a:t>
+            </a:r>
+            <a:endParaRPr lang="en-GB" sz="4000" b="1" dirty="0">
+              <a:solidFill>
+                <a:srgbClr val="000000"/>
+              </a:solidFill>
+            </a:endParaRPr>
+          </a:p>
+        </p:txBody>
+      </p:sp>
+    </p:spTree>
+    <p:extLst>
+      <p:ext uri="{BB962C8B-B14F-4D97-AF65-F5344CB8AC3E}">
+        <p14:creationId xmlns:p14="http://schemas.microsoft.com/office/powerpoint/2010/main" val="4241181075"/>
+      </p:ext>
+    </p:extLst>
+  </p:cSld>
+  <p:clrMapOvr>
+    <a:masterClrMapping/>
+  </p:clrMapOvr>
+  <p:timing>
+    <p:tnLst>
+      <p:par>
+        <p:cTn id="1" dur="indefinite" restart="never" nodeType="tmRoot"/>
+      </p:par>
+    </p:tnLst>
+  </p:timing>
+</p:sld>
+</file>
+
+<file path=ppt/slides/slide14.xml><?xml version="1.0" encoding="utf-8"?>
+<p:sld xmlns:a="http://schemas.openxmlformats.org/drawingml/2006/main" xmlns:r="http://schemas.openxmlformats.org/officeDocument/2006/relationships" xmlns:p="http://schemas.openxmlformats.org/presentationml/2006/main">
+  <p:cSld>
+    <p:spTree>
+      <p:nvGrpSpPr>
+        <p:cNvPr id="1" name=""/>
+        <p:cNvGrpSpPr/>
+        <p:nvPr/>
+      </p:nvGrpSpPr>
+      <p:grpSpPr>
+        <a:xfrm>
+          <a:off x="0" y="0"/>
+          <a:ext cx="0" cy="0"/>
+          <a:chOff x="0" y="0"/>
+          <a:chExt cx="0" cy="0"/>
+        </a:xfrm>
+      </p:grpSpPr>
+      <p:sp>
+        <p:nvSpPr>
+          <p:cNvPr id="2" name="標題 1"/>
+          <p:cNvSpPr>
+            <a:spLocks noGrp="1"/>
+          </p:cNvSpPr>
+          <p:nvPr>
+            <p:ph type="title"/>
+          </p:nvPr>
+        </p:nvSpPr>
+        <p:spPr/>
+        <p:txBody>
+          <a:bodyPr>
+            <a:normAutofit fontScale="90000"/>
+          </a:bodyPr>
+          <a:lstStyle/>
+          <a:p>
+            <a:r>
+              <a:rPr lang="zh-TW" altLang="en-US" dirty="0"/>
+              <a:t>使用 </a:t>
+            </a:r>
+            <a:r>
+              <a:rPr lang="en-US" altLang="zh-TW" dirty="0"/>
+              <a:t>patient id </a:t>
+            </a:r>
+            <a:r>
+              <a:rPr lang="zh-TW" altLang="en-US" dirty="0"/>
+              <a:t>調閱病人之所有檢測資訊</a:t>
+            </a:r>
+          </a:p>
+        </p:txBody>
+      </p:sp>
+      <p:sp>
+        <p:nvSpPr>
+          <p:cNvPr id="3" name="內容版面配置區 2"/>
+          <p:cNvSpPr>
+            <a:spLocks noGrp="1"/>
+          </p:cNvSpPr>
+          <p:nvPr>
+            <p:ph idx="1"/>
+          </p:nvPr>
+        </p:nvSpPr>
+        <p:spPr/>
+        <p:txBody>
+          <a:bodyPr>
+            <a:normAutofit/>
+          </a:bodyPr>
+          <a:lstStyle/>
+          <a:p>
+            <a:r>
+              <a:rPr lang="zh-TW" altLang="en-US" dirty="0" smtClean="0"/>
+              <a:t>調閱 </a:t>
+            </a:r>
+            <a:r>
+              <a:rPr lang="en-US" altLang="zh-TW" dirty="0" smtClean="0"/>
+              <a:t>id= </a:t>
+            </a:r>
+            <a:r>
+              <a:rPr lang="en-US" altLang="zh-TW" dirty="0"/>
+              <a:t>131394 </a:t>
+            </a:r>
+            <a:r>
+              <a:rPr lang="en-US" altLang="zh-TW" dirty="0" smtClean="0"/>
+              <a:t> </a:t>
+            </a:r>
+            <a:r>
+              <a:rPr lang="zh-TW" altLang="en-US" dirty="0" smtClean="0"/>
+              <a:t>之病人全部之檢測資訊</a:t>
+            </a:r>
+            <a:endParaRPr lang="en-US" altLang="zh-TW" dirty="0"/>
+          </a:p>
+          <a:p>
+            <a:pPr lvl="1"/>
+            <a:r>
+              <a:rPr lang="en-US" altLang="zh-TW" dirty="0" smtClean="0"/>
+              <a:t>http</a:t>
+            </a:r>
+            <a:r>
+              <a:rPr lang="en-US" altLang="zh-TW" dirty="0"/>
+              <a:t>://</a:t>
+            </a:r>
+            <a:r>
+              <a:rPr lang="en-US" altLang="zh-TW" dirty="0" smtClean="0"/>
+              <a:t>hapi.fhir.org/baseR4/Observation?subject=131394 </a:t>
+            </a:r>
+          </a:p>
+          <a:p>
+            <a:r>
+              <a:rPr lang="zh-TW" altLang="en-US" dirty="0"/>
+              <a:t>調閱 </a:t>
+            </a:r>
+            <a:r>
+              <a:rPr lang="en-US" altLang="zh-TW" dirty="0"/>
+              <a:t>id= 131394  </a:t>
+            </a:r>
+            <a:r>
+              <a:rPr lang="zh-TW" altLang="en-US" dirty="0"/>
+              <a:t>之</a:t>
+            </a:r>
+            <a:r>
+              <a:rPr lang="zh-TW" altLang="en-US" dirty="0" smtClean="0"/>
+              <a:t>病人</a:t>
+            </a:r>
+            <a:r>
+              <a:rPr lang="en-US" altLang="zh-TW" dirty="0" smtClean="0"/>
+              <a:t>2019-08-01</a:t>
+            </a:r>
+            <a:r>
+              <a:rPr lang="zh-TW" altLang="en-US" dirty="0" smtClean="0"/>
+              <a:t> 之後之檢測資訊</a:t>
+            </a:r>
+            <a:endParaRPr lang="en-US" altLang="zh-TW" dirty="0" smtClean="0"/>
+          </a:p>
+          <a:p>
+            <a:pPr lvl="1"/>
+            <a:r>
+              <a:rPr lang="en-US" altLang="zh-TW" dirty="0" smtClean="0"/>
+              <a:t>http</a:t>
+            </a:r>
+            <a:r>
+              <a:rPr lang="en-US" altLang="zh-TW" dirty="0"/>
+              <a:t>://</a:t>
+            </a:r>
+            <a:r>
+              <a:rPr lang="en-US" altLang="zh-TW" dirty="0" smtClean="0"/>
+              <a:t>hapi.fhir.org/baseR4/Observation?subject=131401&amp;date=ge2019-08-01</a:t>
+            </a:r>
+            <a:endParaRPr lang="en-US" altLang="zh-TW" dirty="0"/>
+          </a:p>
+          <a:p>
+            <a:pPr lvl="1"/>
+            <a:endParaRPr lang="zh-TW" altLang="en-US" dirty="0"/>
+          </a:p>
+        </p:txBody>
+      </p:sp>
+    </p:spTree>
+    <p:extLst>
+      <p:ext uri="{BB962C8B-B14F-4D97-AF65-F5344CB8AC3E}">
+        <p14:creationId xmlns:p14="http://schemas.microsoft.com/office/powerpoint/2010/main" val="2044218677"/>
+      </p:ext>
+    </p:extLst>
+  </p:cSld>
+  <p:clrMapOvr>
+    <a:masterClrMapping/>
+  </p:clrMapOvr>
+  <p:timing>
+    <p:tnLst>
+      <p:par>
+        <p:cTn id="1" dur="indefinite" restart="never" nodeType="tmRoot"/>
+      </p:par>
+    </p:tnLst>
+  </p:timing>
+</p:sld>
+</file>
+
+<file path=ppt/slides/slide15.xml><?xml version="1.0" encoding="utf-8"?>
+<p:sld xmlns:a="http://schemas.openxmlformats.org/drawingml/2006/main" xmlns:r="http://schemas.openxmlformats.org/officeDocument/2006/relationships" xmlns:p="http://schemas.openxmlformats.org/presentationml/2006/main">
+  <p:cSld>
+    <p:spTree>
+      <p:nvGrpSpPr>
+        <p:cNvPr id="1" name=""/>
+        <p:cNvGrpSpPr/>
+        <p:nvPr/>
+      </p:nvGrpSpPr>
+      <p:grpSpPr>
+        <a:xfrm>
+          <a:off x="0" y="0"/>
+          <a:ext cx="0" cy="0"/>
+          <a:chOff x="0" y="0"/>
+          <a:chExt cx="0" cy="0"/>
+        </a:xfrm>
+      </p:grpSpPr>
+      <p:sp>
+        <p:nvSpPr>
+          <p:cNvPr id="2" name="標題 1"/>
+          <p:cNvSpPr>
+            <a:spLocks noGrp="1"/>
+          </p:cNvSpPr>
+          <p:nvPr>
+            <p:ph type="title"/>
+          </p:nvPr>
+        </p:nvSpPr>
+        <p:spPr/>
+        <p:txBody>
+          <a:bodyPr>
+            <a:normAutofit/>
+          </a:bodyPr>
+          <a:lstStyle/>
+          <a:p>
+            <a:r>
+              <a:rPr lang="en-US" altLang="zh-TW" dirty="0"/>
+              <a:t>FHIR </a:t>
+            </a:r>
+            <a:r>
+              <a:rPr lang="en-US" altLang="zh-TW" dirty="0" smtClean="0"/>
+              <a:t>search</a:t>
+            </a:r>
+            <a:r>
+              <a:rPr lang="zh-TW" altLang="en-US" dirty="0" smtClean="0"/>
+              <a:t> 查詢條件</a:t>
+            </a:r>
+            <a:endParaRPr lang="zh-TW" altLang="en-US" dirty="0"/>
+          </a:p>
+        </p:txBody>
+      </p:sp>
+      <p:sp>
+        <p:nvSpPr>
+          <p:cNvPr id="3" name="內容版面配置區 2"/>
+          <p:cNvSpPr>
+            <a:spLocks noGrp="1"/>
+          </p:cNvSpPr>
+          <p:nvPr>
+            <p:ph idx="1"/>
+          </p:nvPr>
+        </p:nvSpPr>
+        <p:spPr/>
+        <p:txBody>
+          <a:bodyPr>
+            <a:normAutofit fontScale="92500" lnSpcReduction="10000"/>
+          </a:bodyPr>
+          <a:lstStyle/>
+          <a:p>
+            <a:r>
+              <a:rPr lang="zh-TW" altLang="en-US" dirty="0" smtClean="0"/>
+              <a:t>全部 </a:t>
+            </a:r>
+            <a:r>
+              <a:rPr lang="en-US" altLang="zh-TW" dirty="0" smtClean="0"/>
+              <a:t>resource </a:t>
+            </a:r>
+            <a:r>
+              <a:rPr lang="zh-TW" altLang="en-US" dirty="0" smtClean="0"/>
+              <a:t>通用查詢條件</a:t>
+            </a:r>
+            <a:endParaRPr lang="en-US" altLang="zh-TW" dirty="0" smtClean="0"/>
+          </a:p>
+          <a:p>
+            <a:endParaRPr lang="en-US" altLang="zh-TW" dirty="0" smtClean="0"/>
+          </a:p>
+          <a:p>
+            <a:r>
+              <a:rPr lang="zh-TW" altLang="en-US" dirty="0" smtClean="0"/>
+              <a:t>特定 </a:t>
+            </a:r>
+            <a:r>
+              <a:rPr lang="en-US" altLang="zh-TW" dirty="0" smtClean="0"/>
+              <a:t>resource </a:t>
+            </a:r>
+            <a:r>
+              <a:rPr lang="zh-TW" altLang="en-US" dirty="0" smtClean="0"/>
+              <a:t>之欄位的查詢條件</a:t>
+            </a:r>
+            <a:endParaRPr lang="en-US" altLang="zh-TW" dirty="0" smtClean="0"/>
+          </a:p>
+          <a:p>
+            <a:endParaRPr lang="en-US" altLang="zh-TW" dirty="0" smtClean="0"/>
+          </a:p>
+          <a:p>
+            <a:r>
+              <a:rPr lang="zh-TW" altLang="en-US" dirty="0" smtClean="0"/>
+              <a:t>參考 </a:t>
+            </a:r>
+            <a:r>
+              <a:rPr lang="en-US" altLang="zh-TW" dirty="0" smtClean="0"/>
+              <a:t>FHIR</a:t>
+            </a:r>
+            <a:r>
+              <a:rPr lang="zh-TW" altLang="en-US" dirty="0" smtClean="0"/>
+              <a:t> </a:t>
+            </a:r>
+            <a:r>
+              <a:rPr lang="en-US" altLang="zh-TW" dirty="0" smtClean="0"/>
+              <a:t>search </a:t>
+            </a:r>
+            <a:r>
+              <a:rPr lang="zh-TW" altLang="en-US" dirty="0" smtClean="0"/>
+              <a:t>說明</a:t>
+            </a:r>
+            <a:endParaRPr lang="en-US" altLang="zh-TW" dirty="0" smtClean="0"/>
+          </a:p>
+          <a:p>
+            <a:pPr lvl="1"/>
+            <a:r>
+              <a:rPr lang="en-US" altLang="zh-TW" dirty="0" smtClean="0">
+                <a:hlinkClick r:id="rId2"/>
+              </a:rPr>
+              <a:t>https</a:t>
+            </a:r>
+            <a:r>
+              <a:rPr lang="en-US" altLang="zh-TW" dirty="0">
+                <a:hlinkClick r:id="rId2"/>
+              </a:rPr>
+              <a:t>://</a:t>
+            </a:r>
+            <a:r>
+              <a:rPr lang="en-US" altLang="zh-TW" dirty="0" smtClean="0">
+                <a:hlinkClick r:id="rId2"/>
+              </a:rPr>
+              <a:t>www.hl7.org/fhir/search.html</a:t>
+            </a:r>
+            <a:endParaRPr lang="en-US" altLang="zh-TW" dirty="0" smtClean="0"/>
+          </a:p>
+          <a:p>
+            <a:pPr lvl="1"/>
+            <a:endParaRPr lang="en-US" altLang="zh-TW" dirty="0"/>
+          </a:p>
+          <a:p>
+            <a:r>
+              <a:rPr lang="en-US" altLang="zh-TW" dirty="0" smtClean="0">
+                <a:solidFill>
+                  <a:srgbClr val="FF0000"/>
+                </a:solidFill>
+                <a:latin typeface="+mn-ea"/>
+              </a:rPr>
+              <a:t>Resource </a:t>
+            </a:r>
+            <a:r>
+              <a:rPr lang="zh-TW" altLang="en-US" dirty="0" smtClean="0">
+                <a:solidFill>
+                  <a:srgbClr val="FF0000"/>
+                </a:solidFill>
+                <a:latin typeface="+mn-ea"/>
+              </a:rPr>
+              <a:t>有許多 </a:t>
+            </a:r>
+            <a:r>
+              <a:rPr lang="en-US" altLang="zh-TW" dirty="0" smtClean="0">
+                <a:solidFill>
+                  <a:srgbClr val="FF0000"/>
+                </a:solidFill>
+                <a:latin typeface="+mn-ea"/>
+              </a:rPr>
+              <a:t>option </a:t>
+            </a:r>
+            <a:r>
+              <a:rPr lang="zh-TW" altLang="en-US" dirty="0" smtClean="0">
+                <a:solidFill>
+                  <a:srgbClr val="FF0000"/>
+                </a:solidFill>
+                <a:latin typeface="+mn-ea"/>
+              </a:rPr>
+              <a:t>欄位，若上傳資料無此欄位，當然就無此資料</a:t>
+            </a:r>
+            <a:endParaRPr lang="en-US" altLang="zh-TW" dirty="0" smtClean="0">
+              <a:solidFill>
+                <a:srgbClr val="FF0000"/>
+              </a:solidFill>
+              <a:latin typeface="+mn-ea"/>
+            </a:endParaRPr>
+          </a:p>
+          <a:p>
+            <a:pPr lvl="1"/>
+            <a:endParaRPr lang="en-US" altLang="zh-TW" dirty="0" smtClean="0"/>
+          </a:p>
+          <a:p>
+            <a:endParaRPr lang="en-US" altLang="zh-TW" dirty="0" smtClean="0"/>
+          </a:p>
+          <a:p>
+            <a:endParaRPr lang="en-US" altLang="zh-TW" dirty="0" smtClean="0"/>
+          </a:p>
+        </p:txBody>
+      </p:sp>
+    </p:spTree>
+    <p:extLst>
+      <p:ext uri="{BB962C8B-B14F-4D97-AF65-F5344CB8AC3E}">
+        <p14:creationId xmlns:p14="http://schemas.microsoft.com/office/powerpoint/2010/main" val="4042128037"/>
+      </p:ext>
+    </p:extLst>
+  </p:cSld>
+  <p:clrMapOvr>
+    <a:masterClrMapping/>
+  </p:clrMapOvr>
+</p:sld>
+</file>
+
+<file path=ppt/slides/slide16.xml><?xml version="1.0" encoding="utf-8"?>
+<p:sld xmlns:a="http://schemas.openxmlformats.org/drawingml/2006/main" xmlns:r="http://schemas.openxmlformats.org/officeDocument/2006/relationships" xmlns:p="http://schemas.openxmlformats.org/presentationml/2006/main">
+  <p:cSld>
+    <p:spTree>
+      <p:nvGrpSpPr>
+        <p:cNvPr id="1" name=""/>
+        <p:cNvGrpSpPr/>
+        <p:nvPr/>
+      </p:nvGrpSpPr>
+      <p:grpSpPr>
+        <a:xfrm>
+          <a:off x="0" y="0"/>
+          <a:ext cx="0" cy="0"/>
+          <a:chOff x="0" y="0"/>
+          <a:chExt cx="0" cy="0"/>
+        </a:xfrm>
+      </p:grpSpPr>
+      <p:sp>
+        <p:nvSpPr>
+          <p:cNvPr id="2" name="標題 1"/>
+          <p:cNvSpPr>
+            <a:spLocks noGrp="1"/>
+          </p:cNvSpPr>
+          <p:nvPr>
+            <p:ph type="title"/>
+          </p:nvPr>
+        </p:nvSpPr>
+        <p:spPr/>
+        <p:txBody>
+          <a:bodyPr/>
+          <a:lstStyle/>
+          <a:p>
+            <a:r>
+              <a:rPr lang="zh-TW" altLang="en-US" dirty="0"/>
+              <a:t>通用查詢條件</a:t>
+            </a:r>
+          </a:p>
+        </p:txBody>
+      </p:sp>
+      <p:sp>
+        <p:nvSpPr>
+          <p:cNvPr id="3" name="內容版面配置區 2"/>
+          <p:cNvSpPr>
+            <a:spLocks noGrp="1"/>
+          </p:cNvSpPr>
+          <p:nvPr>
+            <p:ph idx="1"/>
+          </p:nvPr>
+        </p:nvSpPr>
+        <p:spPr>
+          <a:xfrm>
+            <a:off x="457200" y="5686424"/>
+            <a:ext cx="8229600" cy="694903"/>
+          </a:xfrm>
+        </p:spPr>
+        <p:txBody>
+          <a:bodyPr>
+            <a:normAutofit/>
+          </a:bodyPr>
+          <a:lstStyle/>
+          <a:p>
+            <a:r>
+              <a:rPr lang="zh-TW" altLang="en-US" dirty="0" smtClean="0"/>
+              <a:t>需進一步整理範例</a:t>
+            </a:r>
+            <a:endParaRPr lang="zh-TW" altLang="en-US" dirty="0"/>
+          </a:p>
+        </p:txBody>
+      </p:sp>
+      <p:pic>
+        <p:nvPicPr>
+          <p:cNvPr id="4" name="圖片 3"/>
+          <p:cNvPicPr>
+            <a:picLocks noChangeAspect="1"/>
+          </p:cNvPicPr>
+          <p:nvPr/>
+        </p:nvPicPr>
+        <p:blipFill>
+          <a:blip r:embed="rId2"/>
+          <a:stretch>
+            <a:fillRect/>
+          </a:stretch>
+        </p:blipFill>
+        <p:spPr>
+          <a:xfrm>
+            <a:off x="376237" y="1171575"/>
+            <a:ext cx="8391525" cy="4514850"/>
+          </a:xfrm>
+          <a:prstGeom prst="rect">
+            <a:avLst/>
+          </a:prstGeom>
+        </p:spPr>
+      </p:pic>
+    </p:spTree>
+    <p:extLst>
+      <p:ext uri="{BB962C8B-B14F-4D97-AF65-F5344CB8AC3E}">
+        <p14:creationId xmlns:p14="http://schemas.microsoft.com/office/powerpoint/2010/main" val="1980731902"/>
+      </p:ext>
+    </p:extLst>
+  </p:cSld>
+  <p:clrMapOvr>
+    <a:masterClrMapping/>
+  </p:clrMapOvr>
+</p:sld>
+</file>
+
+<file path=ppt/slides/slide17.xml><?xml version="1.0" encoding="utf-8"?>
+<p:sld xmlns:a="http://schemas.openxmlformats.org/drawingml/2006/main" xmlns:r="http://schemas.openxmlformats.org/officeDocument/2006/relationships" xmlns:p="http://schemas.openxmlformats.org/presentationml/2006/main">
+  <p:cSld>
+    <p:spTree>
+      <p:nvGrpSpPr>
+        <p:cNvPr id="1" name=""/>
+        <p:cNvGrpSpPr/>
+        <p:nvPr/>
+      </p:nvGrpSpPr>
+      <p:grpSpPr>
+        <a:xfrm>
+          <a:off x="0" y="0"/>
+          <a:ext cx="0" cy="0"/>
+          <a:chOff x="0" y="0"/>
+          <a:chExt cx="0" cy="0"/>
+        </a:xfrm>
+      </p:grpSpPr>
+      <p:sp>
+        <p:nvSpPr>
+          <p:cNvPr id="2" name="標題 1"/>
+          <p:cNvSpPr>
+            <a:spLocks noGrp="1"/>
+          </p:cNvSpPr>
+          <p:nvPr>
+            <p:ph type="title"/>
+          </p:nvPr>
+        </p:nvSpPr>
+        <p:spPr/>
+        <p:txBody>
+          <a:bodyPr/>
+          <a:lstStyle/>
+          <a:p>
+            <a:r>
+              <a:rPr lang="zh-TW" altLang="en-US" dirty="0" smtClean="0"/>
+              <a:t>數值或日期查詢條件</a:t>
+            </a:r>
+            <a:endParaRPr lang="zh-TW" altLang="en-US" dirty="0"/>
+          </a:p>
+        </p:txBody>
+      </p:sp>
+      <p:sp>
+        <p:nvSpPr>
+          <p:cNvPr id="3" name="內容版面配置區 2"/>
+          <p:cNvSpPr>
+            <a:spLocks noGrp="1"/>
+          </p:cNvSpPr>
+          <p:nvPr>
+            <p:ph idx="1"/>
+          </p:nvPr>
+        </p:nvSpPr>
+        <p:spPr/>
+        <p:txBody>
+          <a:bodyPr/>
+          <a:lstStyle/>
+          <a:p>
+            <a:endParaRPr lang="zh-TW" altLang="en-US"/>
+          </a:p>
+        </p:txBody>
+      </p:sp>
+      <p:pic>
+        <p:nvPicPr>
+          <p:cNvPr id="4" name="圖片 3"/>
+          <p:cNvPicPr>
+            <a:picLocks noChangeAspect="1"/>
+          </p:cNvPicPr>
+          <p:nvPr/>
+        </p:nvPicPr>
+        <p:blipFill>
+          <a:blip r:embed="rId2"/>
+          <a:stretch>
+            <a:fillRect/>
+          </a:stretch>
+        </p:blipFill>
+        <p:spPr>
+          <a:xfrm>
+            <a:off x="100012" y="1208848"/>
+            <a:ext cx="8943975" cy="4933950"/>
+          </a:xfrm>
+          <a:prstGeom prst="rect">
+            <a:avLst/>
+          </a:prstGeom>
+        </p:spPr>
+      </p:pic>
+    </p:spTree>
+    <p:extLst>
+      <p:ext uri="{BB962C8B-B14F-4D97-AF65-F5344CB8AC3E}">
+        <p14:creationId xmlns:p14="http://schemas.microsoft.com/office/powerpoint/2010/main" val="3489871592"/>
+      </p:ext>
+    </p:extLst>
+  </p:cSld>
+  <p:clrMapOvr>
+    <a:masterClrMapping/>
+  </p:clrMapOvr>
+</p:sld>
+</file>
+
+<file path=ppt/slides/slide18.xml><?xml version="1.0" encoding="utf-8"?>
+<p:sld xmlns:a="http://schemas.openxmlformats.org/drawingml/2006/main" xmlns:r="http://schemas.openxmlformats.org/officeDocument/2006/relationships" xmlns:p="http://schemas.openxmlformats.org/presentationml/2006/main">
+  <p:cSld>
+    <p:spTree>
+      <p:nvGrpSpPr>
+        <p:cNvPr id="1" name=""/>
+        <p:cNvGrpSpPr/>
+        <p:nvPr/>
+      </p:nvGrpSpPr>
+      <p:grpSpPr>
+        <a:xfrm>
+          <a:off x="0" y="0"/>
+          <a:ext cx="0" cy="0"/>
+          <a:chOff x="0" y="0"/>
+          <a:chExt cx="0" cy="0"/>
+        </a:xfrm>
+      </p:grpSpPr>
+      <p:sp>
+        <p:nvSpPr>
+          <p:cNvPr id="2" name="標題 1"/>
+          <p:cNvSpPr>
+            <a:spLocks noGrp="1"/>
+          </p:cNvSpPr>
+          <p:nvPr>
+            <p:ph type="title"/>
+          </p:nvPr>
+        </p:nvSpPr>
+        <p:spPr/>
+        <p:txBody>
+          <a:bodyPr/>
+          <a:lstStyle/>
+          <a:p>
+            <a:r>
+              <a:rPr lang="zh-TW" altLang="en-US" dirty="0" smtClean="0"/>
+              <a:t>數值查詢</a:t>
+            </a:r>
+            <a:r>
+              <a:rPr lang="zh-TW" altLang="en-US" dirty="0"/>
+              <a:t>範例</a:t>
+            </a:r>
+          </a:p>
+        </p:txBody>
+      </p:sp>
+      <p:pic>
+        <p:nvPicPr>
+          <p:cNvPr id="4" name="圖片 3"/>
+          <p:cNvPicPr>
+            <a:picLocks noChangeAspect="1"/>
+          </p:cNvPicPr>
+          <p:nvPr/>
+        </p:nvPicPr>
+        <p:blipFill>
+          <a:blip r:embed="rId2"/>
+          <a:stretch>
+            <a:fillRect/>
+          </a:stretch>
+        </p:blipFill>
+        <p:spPr>
+          <a:xfrm>
+            <a:off x="159890" y="1437719"/>
+            <a:ext cx="8928993" cy="2105025"/>
+          </a:xfrm>
+          <a:prstGeom prst="rect">
+            <a:avLst/>
+          </a:prstGeom>
+        </p:spPr>
+      </p:pic>
+      <p:pic>
+        <p:nvPicPr>
+          <p:cNvPr id="5" name="圖片 4"/>
+          <p:cNvPicPr>
+            <a:picLocks noChangeAspect="1"/>
+          </p:cNvPicPr>
+          <p:nvPr/>
+        </p:nvPicPr>
+        <p:blipFill>
+          <a:blip r:embed="rId3"/>
+          <a:stretch>
+            <a:fillRect/>
+          </a:stretch>
+        </p:blipFill>
+        <p:spPr>
+          <a:xfrm>
+            <a:off x="323528" y="3861048"/>
+            <a:ext cx="8124825" cy="2978088"/>
+          </a:xfrm>
+          <a:prstGeom prst="rect">
+            <a:avLst/>
+          </a:prstGeom>
+        </p:spPr>
+      </p:pic>
+    </p:spTree>
+    <p:extLst>
+      <p:ext uri="{BB962C8B-B14F-4D97-AF65-F5344CB8AC3E}">
+        <p14:creationId xmlns:p14="http://schemas.microsoft.com/office/powerpoint/2010/main" val="1690823568"/>
+      </p:ext>
+    </p:extLst>
+  </p:cSld>
+  <p:clrMapOvr>
+    <a:masterClrMapping/>
+  </p:clrMapOvr>
+</p:sld>
+</file>
+
+<file path=ppt/slides/slide19.xml><?xml version="1.0" encoding="utf-8"?>
+<p:sld xmlns:a="http://schemas.openxmlformats.org/drawingml/2006/main" xmlns:r="http://schemas.openxmlformats.org/officeDocument/2006/relationships" xmlns:p="http://schemas.openxmlformats.org/presentationml/2006/main">
+  <p:cSld>
+    <p:spTree>
+      <p:nvGrpSpPr>
+        <p:cNvPr id="1" name=""/>
+        <p:cNvGrpSpPr/>
+        <p:nvPr/>
+      </p:nvGrpSpPr>
+      <p:grpSpPr>
+        <a:xfrm>
+          <a:off x="0" y="0"/>
+          <a:ext cx="0" cy="0"/>
+          <a:chOff x="0" y="0"/>
+          <a:chExt cx="0" cy="0"/>
+        </a:xfrm>
+      </p:grpSpPr>
+      <p:sp>
+        <p:nvSpPr>
+          <p:cNvPr id="2" name="標題 1"/>
+          <p:cNvSpPr>
+            <a:spLocks noGrp="1"/>
+          </p:cNvSpPr>
+          <p:nvPr>
+            <p:ph type="title"/>
+          </p:nvPr>
+        </p:nvSpPr>
+        <p:spPr>
+          <a:xfrm>
+            <a:off x="323528" y="194850"/>
+            <a:ext cx="8229600" cy="1143000"/>
+          </a:xfrm>
+        </p:spPr>
+        <p:txBody>
+          <a:bodyPr/>
+          <a:lstStyle/>
+          <a:p>
+            <a:r>
+              <a:rPr lang="zh-TW" altLang="en-US" dirty="0" smtClean="0"/>
+              <a:t>日期時間查詢</a:t>
+            </a:r>
+            <a:r>
+              <a:rPr lang="zh-TW" altLang="en-US" dirty="0"/>
+              <a:t>範例</a:t>
+            </a:r>
+          </a:p>
+        </p:txBody>
+      </p:sp>
+      <p:pic>
+        <p:nvPicPr>
+          <p:cNvPr id="4" name="圖片 3"/>
+          <p:cNvPicPr>
+            <a:picLocks noChangeAspect="1"/>
+          </p:cNvPicPr>
+          <p:nvPr/>
+        </p:nvPicPr>
+        <p:blipFill>
+          <a:blip r:embed="rId2"/>
+          <a:stretch>
+            <a:fillRect/>
+          </a:stretch>
+        </p:blipFill>
+        <p:spPr>
+          <a:xfrm>
+            <a:off x="899592" y="1337849"/>
+            <a:ext cx="6120680" cy="5062931"/>
+          </a:xfrm>
+          <a:prstGeom prst="rect">
+            <a:avLst/>
+          </a:prstGeom>
+        </p:spPr>
+      </p:pic>
+    </p:spTree>
+    <p:extLst>
+      <p:ext uri="{BB962C8B-B14F-4D97-AF65-F5344CB8AC3E}">
+        <p14:creationId xmlns:p14="http://schemas.microsoft.com/office/powerpoint/2010/main" val="139273320"/>
+      </p:ext>
+    </p:extLst>
+  </p:cSld>
+  <p:clrMapOvr>
+    <a:masterClrMapping/>
+  </p:clrMapOvr>
 </p:sld>
 </file>
 
@@ -8288,7 +10091,7 @@
         </p:nvSpPr>
         <p:spPr>
           <a:xfrm>
-            <a:off x="496827" y="2144025"/>
+            <a:off x="539552" y="1844824"/>
             <a:ext cx="8153400" cy="4495800"/>
           </a:xfrm>
         </p:spPr>
@@ -8320,35 +10123,18 @@
                 <a:latin typeface="Times New Roman" pitchFamily="18" charset="0"/>
                 <a:cs typeface="Times New Roman" pitchFamily="18" charset="0"/>
               </a:rPr>
-              <a:t>http://</a:t>
+              <a:t>http://fhir.base.root/</a:t>
             </a:r>
             <a:r>
               <a:rPr lang="en-US" altLang="zh-TW" sz="2000" dirty="0" smtClean="0">
                 <a:solidFill>
-                  <a:srgbClr val="0070C0"/>
+                  <a:srgbClr val="FF0000"/>
                 </a:solidFill>
                 <a:latin typeface="Times New Roman" pitchFamily="18" charset="0"/>
                 <a:cs typeface="Times New Roman" pitchFamily="18" charset="0"/>
               </a:rPr>
-              <a:t>fhir.base.root/</a:t>
-            </a:r>
-            <a:r>
-              <a:rPr lang="en-US" altLang="zh-TW" sz="2000" dirty="0" smtClean="0">
-                <a:solidFill>
-                  <a:srgbClr val="FF0000"/>
-                </a:solidFill>
-                <a:latin typeface="Times New Roman" pitchFamily="18" charset="0"/>
-                <a:cs typeface="Times New Roman" pitchFamily="18" charset="0"/>
-              </a:rPr>
               <a:t>Patient</a:t>
             </a:r>
-            <a:endParaRPr lang="en-US" altLang="zh-TW" sz="2000" dirty="0" smtClean="0">
-              <a:solidFill>
-                <a:srgbClr val="FF0000"/>
-              </a:solidFill>
-              <a:latin typeface="Times New Roman" pitchFamily="18" charset="0"/>
-              <a:cs typeface="Times New Roman" pitchFamily="18" charset="0"/>
-            </a:endParaRPr>
           </a:p>
           <a:p>
             <a:pPr lvl="1"/>
@@ -8409,13 +10195,6 @@
               </a:rPr>
               <a:t>Patient</a:t>
             </a:r>
-            <a:endParaRPr lang="en-US" altLang="zh-TW" sz="2000" dirty="0" smtClean="0">
-              <a:solidFill>
-                <a:srgbClr val="FF0000"/>
-              </a:solidFill>
-              <a:latin typeface="Times New Roman" pitchFamily="18" charset="0"/>
-              <a:cs typeface="Times New Roman" pitchFamily="18" charset="0"/>
-            </a:endParaRPr>
           </a:p>
           <a:p>
             <a:pPr lvl="1"/>
@@ -8486,13 +10265,6 @@
               </a:rPr>
               <a:t>123</a:t>
             </a:r>
-            <a:endParaRPr lang="en-US" altLang="zh-TW" sz="2000" dirty="0" smtClean="0">
-              <a:solidFill>
-                <a:srgbClr val="7030A0"/>
-              </a:solidFill>
-              <a:latin typeface="Times New Roman" pitchFamily="18" charset="0"/>
-              <a:cs typeface="Times New Roman" pitchFamily="18" charset="0"/>
-            </a:endParaRPr>
           </a:p>
           <a:p>
             <a:pPr lvl="1"/>
@@ -8587,13 +10359,6 @@
               </a:rPr>
               <a:t>123</a:t>
             </a:r>
-            <a:endParaRPr lang="en-US" altLang="zh-TW" sz="2000" dirty="0" smtClean="0">
-              <a:solidFill>
-                <a:srgbClr val="7030A0"/>
-              </a:solidFill>
-              <a:latin typeface="Times New Roman" pitchFamily="18" charset="0"/>
-              <a:cs typeface="Times New Roman" pitchFamily="18" charset="0"/>
-            </a:endParaRPr>
           </a:p>
           <a:p>
             <a:pPr lvl="1"/>
@@ -8879,7 +10644,7 @@
         </p:nvGrpSpPr>
         <p:grpSpPr>
           <a:xfrm>
-            <a:off x="6601205" y="2505533"/>
+            <a:off x="6643930" y="2206332"/>
             <a:ext cx="1146468" cy="3135649"/>
             <a:chOff x="6142476" y="2500306"/>
             <a:chExt cx="1146468" cy="3135649"/>
@@ -9102,7 +10867,7 @@
         </p:nvGrpSpPr>
         <p:grpSpPr>
           <a:xfrm>
-            <a:off x="415542" y="1413209"/>
+            <a:off x="458267" y="1114008"/>
             <a:ext cx="7285332" cy="830997"/>
             <a:chOff x="214282" y="1383557"/>
             <a:chExt cx="7285332" cy="830997"/>
@@ -9598,58 +11363,6 @@
       </p:grpSp>
       <p:sp>
         <p:nvSpPr>
-          <p:cNvPr id="24" name="文字方塊 23"/>
-          <p:cNvSpPr txBox="1"/>
-          <p:nvPr/>
-        </p:nvSpPr>
-        <p:spPr>
-          <a:xfrm>
-            <a:off x="6601207" y="5971878"/>
-            <a:ext cx="1041855" cy="892552"/>
-          </a:xfrm>
-          <a:prstGeom prst="rect">
-            <a:avLst/>
-          </a:prstGeom>
-          <a:noFill/>
-        </p:spPr>
-        <p:txBody>
-          <a:bodyPr wrap="square" rtlCol="0">
-            <a:spAutoFit/>
-          </a:bodyPr>
-          <a:lstStyle/>
-          <a:p>
-            <a:r>
-              <a:rPr lang="en-US" altLang="zh-TW" sz="2600" b="1" dirty="0" smtClean="0">
-                <a:solidFill>
-                  <a:srgbClr val="00B050"/>
-                </a:solidFill>
-                <a:latin typeface="Times New Roman" pitchFamily="18" charset="0"/>
-                <a:cs typeface="Times New Roman" pitchFamily="18" charset="0"/>
-              </a:rPr>
-              <a:t>S</a:t>
-            </a:r>
-            <a:r>
-              <a:rPr lang="en-US" altLang="zh-TW" sz="2600" dirty="0" smtClean="0">
-                <a:solidFill>
-                  <a:prstClr val="black"/>
-                </a:solidFill>
-                <a:latin typeface="Times New Roman" pitchFamily="18" charset="0"/>
-                <a:cs typeface="Times New Roman" pitchFamily="18" charset="0"/>
-              </a:rPr>
-              <a:t>earch</a:t>
-            </a:r>
-            <a:endParaRPr lang="zh-TW" altLang="en-US" sz="2600" dirty="0">
-              <a:solidFill>
-                <a:prstClr val="black"/>
-              </a:solidFill>
-              <a:latin typeface="Times New Roman" pitchFamily="18" charset="0"/>
-              <a:cs typeface="Times New Roman" pitchFamily="18" charset="0"/>
-            </a:endParaRPr>
-          </a:p>
-        </p:txBody>
-      </p:sp>
-      <p:sp>
-        <p:nvSpPr>
           <p:cNvPr id="33" name="Title 2"/>
           <p:cNvSpPr>
             <a:spLocks noGrp="1"/>
@@ -9861,7 +11574,7 @@
 </p:sld>
 </file>
 
-<file path=ppt/slides/slide3.xml><?xml version="1.0" encoding="utf-8"?>
+<file path=ppt/slides/slide20.xml><?xml version="1.0" encoding="utf-8"?>
 <p:sld xmlns:a="http://schemas.openxmlformats.org/drawingml/2006/main" xmlns:r="http://schemas.openxmlformats.org/officeDocument/2006/relationships" xmlns:p="http://schemas.openxmlformats.org/presentationml/2006/main">
   <p:cSld>
     <p:spTree>
@@ -9894,50 +11607,10 @@
           <a:lstStyle/>
           <a:p>
             <a:r>
-              <a:rPr lang="zh-TW" altLang="en-US" dirty="0" smtClean="0">
-                <a:solidFill>
-                  <a:srgbClr val="FF0000"/>
-                </a:solidFill>
-              </a:rPr>
-              <a:t>自有風格 </a:t>
-            </a:r>
-            <a:r>
-              <a:rPr lang="en-US" altLang="zh-TW" dirty="0" smtClean="0">
-                <a:solidFill>
-                  <a:srgbClr val="FF0000"/>
-                </a:solidFill>
-              </a:rPr>
-              <a:t>API</a:t>
-            </a:r>
-            <a:r>
-              <a:rPr lang="zh-TW" altLang="en-US" dirty="0" smtClean="0">
-                <a:solidFill>
-                  <a:srgbClr val="FF0000"/>
-                </a:solidFill>
-              </a:rPr>
-              <a:t>  </a:t>
-            </a:r>
-            <a:r>
-              <a:rPr lang="en-US" altLang="zh-TW" dirty="0" smtClean="0"/>
-              <a:t>VS</a:t>
-            </a:r>
-            <a:r>
               <a:rPr lang="zh-TW" altLang="en-US" dirty="0" smtClean="0"/>
-              <a:t> </a:t>
-            </a:r>
-            <a:r>
-              <a:rPr lang="en-US" altLang="zh-TW" dirty="0" smtClean="0">
-                <a:solidFill>
-                  <a:srgbClr val="002060"/>
-                </a:solidFill>
-              </a:rPr>
-              <a:t>Restful API</a:t>
-            </a:r>
-            <a:endParaRPr lang="zh-TW" altLang="en-US" dirty="0">
-              <a:solidFill>
-                <a:srgbClr val="002060"/>
-              </a:solidFill>
-            </a:endParaRPr>
+              <a:t>字串查詢條件</a:t>
+            </a:r>
+            <a:endParaRPr lang="zh-TW" altLang="en-US" dirty="0"/>
           </a:p>
         </p:txBody>
       </p:sp>
@@ -9951,200 +11624,64 @@
             <p:ph idx="1"/>
           </p:nvPr>
         </p:nvSpPr>
-        <p:spPr/>
+        <p:spPr>
+          <a:xfrm>
+            <a:off x="457200" y="5665192"/>
+            <a:ext cx="8229600" cy="460973"/>
+          </a:xfrm>
+        </p:spPr>
         <p:txBody>
           <a:bodyPr>
-            <a:normAutofit lnSpcReduction="10000"/>
+            <a:normAutofit fontScale="85000" lnSpcReduction="20000"/>
           </a:bodyPr>
           <a:lstStyle/>
           <a:p>
             <a:r>
-              <a:rPr lang="zh-TW" altLang="en-US" dirty="0"/>
-              <a:t>自有風格</a:t>
-            </a:r>
-            <a:endParaRPr lang="en-US" altLang="zh-TW" dirty="0" smtClean="0"/>
-          </a:p>
-          <a:p>
-            <a:pPr lvl="1"/>
-            <a:r>
               <a:rPr lang="zh-TW" altLang="en-US" dirty="0" smtClean="0"/>
-              <a:t>每個人設計的 </a:t>
-            </a:r>
-            <a:r>
-              <a:rPr lang="en-US" altLang="zh-TW" dirty="0" smtClean="0"/>
-              <a:t>API</a:t>
-            </a:r>
-            <a:r>
-              <a:rPr lang="zh-TW" altLang="en-US" dirty="0" smtClean="0"/>
-              <a:t> 風格可能不同，</a:t>
-            </a:r>
-            <a:r>
-              <a:rPr lang="en-US" altLang="zh-TW" dirty="0" smtClean="0"/>
-              <a:t>e.g.</a:t>
-            </a:r>
-          </a:p>
-          <a:p>
-            <a:pPr lvl="2"/>
-            <a:r>
-              <a:rPr lang="zh-TW" altLang="en-US" dirty="0"/>
-              <a:t>新增</a:t>
-            </a:r>
-            <a:r>
-              <a:rPr lang="zh-TW" altLang="en-US" dirty="0" smtClean="0"/>
-              <a:t>病人 </a:t>
-            </a:r>
-            <a:r>
-              <a:rPr lang="en-US" altLang="zh-TW" dirty="0" smtClean="0"/>
-              <a:t>post     /</a:t>
-            </a:r>
-            <a:r>
-              <a:rPr lang="en-US" altLang="zh-TW" dirty="0" smtClean="0"/>
-              <a:t>newPatient.aspx</a:t>
-            </a:r>
-            <a:endParaRPr lang="en-US" altLang="zh-TW" dirty="0" smtClean="0"/>
-          </a:p>
-          <a:p>
-            <a:pPr lvl="2"/>
-            <a:r>
-              <a:rPr lang="zh-TW" altLang="en-US" dirty="0"/>
-              <a:t>查詢所有</a:t>
-            </a:r>
-            <a:r>
-              <a:rPr lang="zh-TW" altLang="en-US" dirty="0" smtClean="0"/>
-              <a:t>病人 </a:t>
-            </a:r>
-            <a:r>
-              <a:rPr lang="en-US" altLang="zh-TW" dirty="0" smtClean="0"/>
-              <a:t>get   /</a:t>
-            </a:r>
-            <a:r>
-              <a:rPr lang="en-US" altLang="zh-TW" dirty="0" smtClean="0"/>
-              <a:t>allPatient.aspx</a:t>
-            </a:r>
-            <a:endParaRPr lang="en-US" altLang="zh-TW" dirty="0" smtClean="0"/>
-          </a:p>
-          <a:p>
-            <a:pPr lvl="2"/>
-            <a:r>
-              <a:rPr lang="zh-TW" altLang="en-US" dirty="0"/>
-              <a:t>更新病人</a:t>
-            </a:r>
-            <a:r>
-              <a:rPr lang="zh-TW" altLang="en-US" dirty="0" smtClean="0"/>
-              <a:t>資料 </a:t>
-            </a:r>
-            <a:r>
-              <a:rPr lang="en-US" altLang="zh-TW" dirty="0" smtClean="0"/>
-              <a:t>post   /</a:t>
-            </a:r>
-            <a:r>
-              <a:rPr lang="en-US" altLang="zh-TW" dirty="0" err="1" smtClean="0"/>
-              <a:t>upPatient.aspx?pid</a:t>
-            </a:r>
-            <a:r>
-              <a:rPr lang="en-US" altLang="zh-TW" dirty="0" smtClean="0"/>
-              <a:t>=123</a:t>
-            </a:r>
-            <a:endParaRPr lang="en-US" altLang="zh-TW" dirty="0" smtClean="0"/>
-          </a:p>
-          <a:p>
-            <a:pPr lvl="2"/>
-            <a:r>
-              <a:rPr lang="en-US" altLang="zh-TW" dirty="0" smtClean="0"/>
-              <a:t>....</a:t>
-            </a:r>
-          </a:p>
-          <a:p>
-            <a:pPr lvl="1"/>
-            <a:r>
-              <a:rPr lang="zh-TW" altLang="en-US" dirty="0"/>
-              <a:t>每</a:t>
-            </a:r>
-            <a:r>
-              <a:rPr lang="zh-TW" altLang="en-US" dirty="0" smtClean="0"/>
-              <a:t>個人設計之 </a:t>
-            </a:r>
-            <a:r>
-              <a:rPr lang="en-US" altLang="zh-TW" dirty="0" smtClean="0"/>
-              <a:t>API</a:t>
-            </a:r>
-            <a:r>
-              <a:rPr lang="zh-TW" altLang="en-US" dirty="0" smtClean="0"/>
-              <a:t> </a:t>
-            </a:r>
-            <a:r>
-              <a:rPr lang="zh-TW" altLang="en-US" dirty="0"/>
-              <a:t>語法</a:t>
-            </a:r>
-            <a:r>
-              <a:rPr lang="zh-TW" altLang="en-US" dirty="0" smtClean="0"/>
-              <a:t>及風格不一，造成使用上的困擾</a:t>
-            </a:r>
-            <a:endParaRPr lang="en-US" altLang="zh-TW" dirty="0" smtClean="0"/>
-          </a:p>
-          <a:p>
-            <a:r>
-              <a:rPr lang="en-US" altLang="zh-TW" dirty="0" smtClean="0"/>
-              <a:t>Restful : </a:t>
-            </a:r>
-            <a:r>
-              <a:rPr lang="zh-TW" altLang="en-US" dirty="0" smtClean="0"/>
-              <a:t>資料</a:t>
-            </a:r>
-            <a:r>
-              <a:rPr lang="zh-TW" altLang="en-US" dirty="0"/>
-              <a:t>的增修改查有一致的 </a:t>
-            </a:r>
-            <a:r>
-              <a:rPr lang="en-US" altLang="zh-TW" dirty="0" smtClean="0"/>
-              <a:t>style</a:t>
-            </a:r>
-          </a:p>
-          <a:p>
-            <a:pPr lvl="1"/>
-            <a:r>
-              <a:rPr lang="en-US" altLang="zh-TW" dirty="0" smtClean="0"/>
-              <a:t>Ref: https</a:t>
-            </a:r>
-            <a:r>
-              <a:rPr lang="en-US" altLang="zh-TW" dirty="0"/>
-              <a:t>://</a:t>
-            </a:r>
-            <a:r>
-              <a:rPr lang="en-US" altLang="zh-TW" dirty="0" err="1"/>
-              <a:t>progressbar.tw</a:t>
-            </a:r>
-            <a:r>
-              <a:rPr lang="en-US" altLang="zh-TW" dirty="0"/>
-              <a:t>/posts/53</a:t>
-            </a:r>
-          </a:p>
-          <a:p>
+              <a:t>如查姓王的病人</a:t>
+            </a:r>
             <a:endParaRPr lang="zh-TW" altLang="en-US" dirty="0"/>
           </a:p>
         </p:txBody>
       </p:sp>
+      <p:pic>
+        <p:nvPicPr>
+          <p:cNvPr id="4" name="圖片 3"/>
+          <p:cNvPicPr>
+            <a:picLocks noChangeAspect="1"/>
+          </p:cNvPicPr>
+          <p:nvPr/>
+        </p:nvPicPr>
+        <p:blipFill>
+          <a:blip r:embed="rId2"/>
+          <a:stretch>
+            <a:fillRect/>
+          </a:stretch>
+        </p:blipFill>
+        <p:spPr>
+          <a:xfrm>
+            <a:off x="0" y="1988840"/>
+            <a:ext cx="8892480" cy="3105150"/>
+          </a:xfrm>
+          <a:prstGeom prst="rect">
+            <a:avLst/>
+          </a:prstGeom>
+        </p:spPr>
+      </p:pic>
     </p:spTree>
     <p:extLst>
       <p:ext uri="{BB962C8B-B14F-4D97-AF65-F5344CB8AC3E}">
-        <p14:creationId xmlns:p14="http://schemas.microsoft.com/office/powerpoint/2010/main" val="116478852"/>
+        <p14:creationId xmlns:p14="http://schemas.microsoft.com/office/powerpoint/2010/main" val="3406216388"/>
       </p:ext>
     </p:extLst>
   </p:cSld>
   <p:clrMapOvr>
     <a:masterClrMapping/>
   </p:clrMapOvr>
-  <p:timing>
-    <p:tnLst>
-      <p:par>
-        <p:cTn id="1" dur="indefinite" restart="never" nodeType="tmRoot"/>
-      </p:par>
-    </p:tnLst>
-  </p:timing>
 </p:sld>
 </file>
 
-<file path=ppt/slides/slide4.xml><?xml version="1.0" encoding="utf-8"?>
+<file path=ppt/slides/slide21.xml><?xml version="1.0" encoding="utf-8"?>
 <p:sld xmlns:a="http://schemas.openxmlformats.org/drawingml/2006/main" xmlns:r="http://schemas.openxmlformats.org/officeDocument/2006/relationships" xmlns:p="http://schemas.openxmlformats.org/presentationml/2006/main">
   <p:cSld>
     <p:spTree>
@@ -10177,8 +11714,16 @@
           <a:lstStyle/>
           <a:p>
             <a:r>
+              <a:rPr lang="en-US" altLang="zh-TW" dirty="0" smtClean="0"/>
+              <a:t>URL</a:t>
+            </a:r>
+            <a:r>
+              <a:rPr lang="zh-TW" altLang="en-US" dirty="0" smtClean="0"/>
+              <a:t> 查</a:t>
+            </a:r>
+            <a:r>
               <a:rPr lang="zh-TW" altLang="en-US" dirty="0"/>
-              <a:t>應用情境範例</a:t>
+              <a:t>詢</a:t>
             </a:r>
           </a:p>
         </p:txBody>
@@ -10193,91 +11738,66 @@
             <p:ph idx="1"/>
           </p:nvPr>
         </p:nvSpPr>
-        <p:spPr/>
+        <p:spPr>
+          <a:xfrm>
+            <a:off x="457200" y="4941168"/>
+            <a:ext cx="8229600" cy="1184997"/>
+          </a:xfrm>
+        </p:spPr>
         <p:txBody>
           <a:bodyPr/>
           <a:lstStyle/>
           <a:p>
             <a:r>
               <a:rPr lang="zh-TW" altLang="en-US" dirty="0" smtClean="0"/>
-              <a:t>新增</a:t>
-            </a:r>
-            <a:endParaRPr lang="en-US" altLang="zh-TW" dirty="0" smtClean="0"/>
-          </a:p>
-          <a:p>
-            <a:pPr lvl="1"/>
-            <a:r>
-              <a:rPr lang="zh-TW" altLang="en-US" dirty="0" smtClean="0"/>
-              <a:t>新增病人</a:t>
+              <a:t>配合 </a:t>
             </a:r>
             <a:r>
               <a:rPr lang="en-US" altLang="zh-TW" dirty="0" smtClean="0"/>
-              <a:t>(patient)</a:t>
-            </a:r>
-            <a:r>
-              <a:rPr lang="zh-TW" altLang="en-US" dirty="0" smtClean="0"/>
-              <a:t>、新增病人之狀況</a:t>
-            </a:r>
-            <a:r>
-              <a:rPr lang="en-US" altLang="zh-TW" dirty="0" smtClean="0"/>
-              <a:t>(condition)</a:t>
-            </a:r>
-            <a:r>
-              <a:rPr lang="zh-TW" altLang="en-US" dirty="0" smtClean="0"/>
-              <a:t>、新增病人量測</a:t>
-            </a:r>
-            <a:r>
-              <a:rPr lang="en-US" altLang="zh-TW" dirty="0" smtClean="0"/>
-              <a:t>(observation)</a:t>
-            </a:r>
-            <a:r>
-              <a:rPr lang="zh-TW" altLang="en-US" dirty="0" smtClean="0"/>
-              <a:t>資訊</a:t>
-            </a:r>
-            <a:endParaRPr lang="en-US" altLang="zh-TW" dirty="0" smtClean="0"/>
-          </a:p>
-          <a:p>
-            <a:r>
-              <a:rPr lang="zh-TW" altLang="en-US" dirty="0" smtClean="0"/>
-              <a:t>查詢</a:t>
-            </a:r>
-            <a:endParaRPr lang="en-US" altLang="zh-TW" dirty="0" smtClean="0"/>
-          </a:p>
-          <a:p>
-            <a:pPr lvl="1"/>
-            <a:r>
-              <a:rPr lang="zh-TW" altLang="en-US" dirty="0"/>
-              <a:t>查詢病人</a:t>
-            </a:r>
-            <a:r>
-              <a:rPr lang="zh-TW" altLang="en-US" dirty="0" smtClean="0"/>
-              <a:t>狀況、查詢病人量測資訊、查詢病人最近量測資訊</a:t>
-            </a:r>
-            <a:endParaRPr lang="en-US" altLang="zh-TW" dirty="0" smtClean="0"/>
-          </a:p>
-        </p:txBody>
-      </p:sp>
+              <a:t>WADO RS</a:t>
+            </a:r>
+            <a:endParaRPr lang="zh-TW" altLang="en-US" dirty="0"/>
+          </a:p>
+        </p:txBody>
+      </p:sp>
+      <p:pic>
+        <p:nvPicPr>
+          <p:cNvPr id="4" name="圖片 3"/>
+          <p:cNvPicPr>
+            <a:picLocks noChangeAspect="1"/>
+          </p:cNvPicPr>
+          <p:nvPr/>
+        </p:nvPicPr>
+        <p:blipFill>
+          <a:blip r:embed="rId2"/>
+          <a:stretch>
+            <a:fillRect/>
+          </a:stretch>
+        </p:blipFill>
+        <p:spPr>
+          <a:xfrm>
+            <a:off x="107504" y="1772816"/>
+            <a:ext cx="8730716" cy="1647825"/>
+          </a:xfrm>
+          <a:prstGeom prst="rect">
+            <a:avLst/>
+          </a:prstGeom>
+        </p:spPr>
+      </p:pic>
     </p:spTree>
     <p:extLst>
       <p:ext uri="{BB962C8B-B14F-4D97-AF65-F5344CB8AC3E}">
-        <p14:creationId xmlns:p14="http://schemas.microsoft.com/office/powerpoint/2010/main" val="2781832704"/>
+        <p14:creationId xmlns:p14="http://schemas.microsoft.com/office/powerpoint/2010/main" val="2683546666"/>
       </p:ext>
     </p:extLst>
   </p:cSld>
   <p:clrMapOvr>
     <a:masterClrMapping/>
   </p:clrMapOvr>
-  <p:timing>
-    <p:tnLst>
-      <p:par>
-        <p:cTn id="1" dur="indefinite" restart="never" nodeType="tmRoot"/>
-      </p:par>
-    </p:tnLst>
-  </p:timing>
 </p:sld>
 </file>
 
-<file path=ppt/slides/slide5.xml><?xml version="1.0" encoding="utf-8"?>
+<file path=ppt/slides/slide22.xml><?xml version="1.0" encoding="utf-8"?>
 <p:sld xmlns:a="http://schemas.openxmlformats.org/drawingml/2006/main" xmlns:r="http://schemas.openxmlformats.org/officeDocument/2006/relationships" xmlns:p="http://schemas.openxmlformats.org/presentationml/2006/main">
   <p:cSld>
     <p:spTree>
@@ -10310,211 +11830,110 @@
           <a:lstStyle/>
           <a:p>
             <a:r>
-              <a:rPr lang="zh-TW" altLang="en-US" dirty="0" smtClean="0"/>
-              <a:t>新增 </a:t>
-            </a:r>
-            <a:r>
-              <a:rPr lang="en-US" altLang="zh-TW" dirty="0" smtClean="0"/>
-              <a:t>patient resource</a:t>
+              <a:rPr lang="en-US" altLang="zh-TW" dirty="0"/>
+              <a:t>URL </a:t>
+            </a:r>
+            <a:r>
+              <a:rPr lang="zh-TW" altLang="en-US" dirty="0"/>
+              <a:t>查詢</a:t>
+            </a:r>
+          </a:p>
+        </p:txBody>
+      </p:sp>
+      <p:sp>
+        <p:nvSpPr>
+          <p:cNvPr id="3" name="內容版面配置區 2"/>
+          <p:cNvSpPr>
+            <a:spLocks noGrp="1"/>
+          </p:cNvSpPr>
+          <p:nvPr>
+            <p:ph idx="1"/>
+          </p:nvPr>
+        </p:nvSpPr>
+        <p:spPr>
+          <a:xfrm>
+            <a:off x="457200" y="1916832"/>
+            <a:ext cx="8229600" cy="4209333"/>
+          </a:xfrm>
+        </p:spPr>
+        <p:txBody>
+          <a:bodyPr>
+            <a:normAutofit fontScale="70000" lnSpcReduction="20000"/>
+          </a:bodyPr>
+          <a:lstStyle/>
+          <a:p>
+            <a:r>
+              <a:rPr lang="en-US" altLang="zh-TW" dirty="0"/>
+              <a:t>The first line is a request to find any value set with the exact </a:t>
+            </a:r>
+            <a:r>
+              <a:rPr lang="en-US" altLang="zh-TW" dirty="0" err="1"/>
+              <a:t>url</a:t>
+            </a:r>
+            <a:r>
+              <a:rPr lang="en-US" altLang="zh-TW" dirty="0"/>
+              <a:t> "http://acme.org/</a:t>
+            </a:r>
+            <a:r>
+              <a:rPr lang="en-US" altLang="zh-TW" dirty="0" err="1"/>
+              <a:t>fhir</a:t>
+            </a:r>
+            <a:r>
+              <a:rPr lang="en-US" altLang="zh-TW" dirty="0"/>
+              <a:t>/</a:t>
+            </a:r>
+            <a:r>
+              <a:rPr lang="en-US" altLang="zh-TW" dirty="0" err="1"/>
+              <a:t>ValueSet</a:t>
+            </a:r>
+            <a:r>
+              <a:rPr lang="en-US" altLang="zh-TW" dirty="0"/>
+              <a:t>/123"</a:t>
+            </a:r>
+          </a:p>
+          <a:p>
+            <a:r>
+              <a:rPr lang="en-US" altLang="zh-TW" dirty="0"/>
+              <a:t>The second line performs a search that will return any value sets that have a URL that starts with "http://acme.org/</a:t>
+            </a:r>
+            <a:r>
+              <a:rPr lang="en-US" altLang="zh-TW" dirty="0" err="1"/>
+              <a:t>fhir</a:t>
+            </a:r>
+            <a:r>
+              <a:rPr lang="en-US" altLang="zh-TW" dirty="0"/>
+              <a:t>/"</a:t>
+            </a:r>
+          </a:p>
+          <a:p>
+            <a:r>
+              <a:rPr lang="en-US" altLang="zh-TW" dirty="0"/>
+              <a:t>The third line shows the converse - search for any value set above a given specific URL. This will match on any value set with the specified URL, but also on http://acme.org/ValueSet/123. Note that there are not many use cases where :above is useful as compared to the :below search</a:t>
+            </a:r>
+          </a:p>
+          <a:p>
+            <a:r>
+              <a:rPr lang="en-US" altLang="zh-TW" dirty="0"/>
+              <a:t>The fourth line shows an example of searching by an OID. Note that the :above and :below modifiers only apply to URLs, and not URNS such as OIDs</a:t>
             </a:r>
             <a:endParaRPr lang="zh-TW" altLang="en-US" dirty="0"/>
-          </a:p>
-        </p:txBody>
-      </p:sp>
-      <p:sp>
-        <p:nvSpPr>
-          <p:cNvPr id="3" name="內容版面配置區 2"/>
-          <p:cNvSpPr>
-            <a:spLocks noGrp="1"/>
-          </p:cNvSpPr>
-          <p:nvPr>
-            <p:ph idx="1"/>
-          </p:nvPr>
-        </p:nvSpPr>
-        <p:spPr/>
-        <p:txBody>
-          <a:bodyPr/>
-          <a:lstStyle/>
-          <a:p>
-            <a:r>
-              <a:rPr lang="en-US" altLang="zh-TW" dirty="0" smtClean="0"/>
-              <a:t>HTTP</a:t>
-            </a:r>
-            <a:r>
-              <a:rPr lang="zh-TW" altLang="en-US" dirty="0" smtClean="0"/>
-              <a:t> </a:t>
-            </a:r>
-            <a:r>
-              <a:rPr lang="en-US" altLang="zh-TW" dirty="0" smtClean="0"/>
-              <a:t>POST</a:t>
-            </a:r>
-            <a:r>
-              <a:rPr lang="zh-TW" altLang="en-US" dirty="0" smtClean="0"/>
-              <a:t> 建立病人基本資料，語法</a:t>
-            </a:r>
-            <a:endParaRPr lang="en-US" altLang="zh-TW" dirty="0" smtClean="0"/>
-          </a:p>
-          <a:p>
-            <a:pPr lvl="1"/>
-            <a:r>
-              <a:rPr lang="en-US" altLang="zh-TW" dirty="0" smtClean="0">
-                <a:solidFill>
-                  <a:srgbClr val="00B0F0"/>
-                </a:solidFill>
-              </a:rPr>
-              <a:t>http</a:t>
-            </a:r>
-            <a:r>
-              <a:rPr lang="en-US" altLang="zh-TW" dirty="0">
-                <a:solidFill>
-                  <a:srgbClr val="00B0F0"/>
-                </a:solidFill>
-              </a:rPr>
-              <a:t>://</a:t>
-            </a:r>
-            <a:r>
-              <a:rPr lang="en-US" altLang="zh-TW" dirty="0" err="1">
-                <a:solidFill>
-                  <a:srgbClr val="00B0F0"/>
-                </a:solidFill>
-              </a:rPr>
-              <a:t>fhie.base.root</a:t>
-            </a:r>
-            <a:r>
-              <a:rPr lang="en-US" altLang="zh-TW" dirty="0">
-                <a:solidFill>
-                  <a:srgbClr val="00B0F0"/>
-                </a:solidFill>
-              </a:rPr>
-              <a:t>/</a:t>
-            </a:r>
-            <a:r>
-              <a:rPr lang="en-US" altLang="zh-TW" dirty="0">
-                <a:solidFill>
-                  <a:srgbClr val="FF0000"/>
-                </a:solidFill>
-              </a:rPr>
-              <a:t>Patient</a:t>
-            </a:r>
-          </a:p>
-          <a:p>
-            <a:pPr lvl="1"/>
-            <a:r>
-              <a:rPr lang="zh-TW" altLang="en-US" dirty="0"/>
-              <a:t>創建</a:t>
-            </a:r>
-            <a:r>
-              <a:rPr lang="zh-TW" altLang="en-US" dirty="0" smtClean="0"/>
-              <a:t>成功，</a:t>
-            </a:r>
-            <a:r>
-              <a:rPr lang="en-US" altLang="zh-TW" dirty="0" err="1" smtClean="0"/>
-              <a:t>FHIR</a:t>
-            </a:r>
-            <a:r>
-              <a:rPr lang="zh-TW" altLang="en-US" dirty="0" smtClean="0"/>
-              <a:t> </a:t>
-            </a:r>
-            <a:r>
-              <a:rPr lang="en-US" altLang="zh-TW" dirty="0" smtClean="0"/>
-              <a:t>server</a:t>
-            </a:r>
-            <a:r>
-              <a:rPr lang="zh-TW" altLang="en-US" dirty="0" smtClean="0"/>
-              <a:t> 回應包含 </a:t>
-            </a:r>
-            <a:r>
-              <a:rPr lang="en-US" altLang="zh-TW" b="1" dirty="0" smtClean="0">
-                <a:solidFill>
-                  <a:srgbClr val="FF0000"/>
-                </a:solidFill>
-              </a:rPr>
-              <a:t>patient id</a:t>
-            </a:r>
-            <a:r>
-              <a:rPr lang="en-US" altLang="zh-TW" dirty="0" smtClean="0"/>
-              <a:t> </a:t>
-            </a:r>
-            <a:r>
-              <a:rPr lang="zh-TW" altLang="en-US" dirty="0" smtClean="0"/>
-              <a:t>之 </a:t>
-            </a:r>
-            <a:r>
-              <a:rPr lang="en-US" altLang="zh-TW" dirty="0" smtClean="0"/>
-              <a:t>URL</a:t>
-            </a:r>
-          </a:p>
-          <a:p>
-            <a:pPr lvl="2"/>
-            <a:r>
-              <a:rPr lang="zh-TW" altLang="en-US" dirty="0"/>
-              <a:t>可</a:t>
-            </a:r>
-            <a:r>
-              <a:rPr lang="zh-TW" altLang="en-US" dirty="0" smtClean="0"/>
-              <a:t>用 </a:t>
-            </a:r>
-            <a:r>
-              <a:rPr lang="en-US" altLang="zh-TW" dirty="0" smtClean="0"/>
-              <a:t>http get </a:t>
-            </a:r>
-            <a:r>
-              <a:rPr lang="zh-TW" altLang="en-US" dirty="0" smtClean="0"/>
-              <a:t>此</a:t>
-            </a:r>
-            <a:r>
-              <a:rPr lang="en-US" altLang="zh-TW" dirty="0" smtClean="0"/>
-              <a:t> URL</a:t>
-            </a:r>
-            <a:r>
-              <a:rPr lang="zh-TW" altLang="en-US" dirty="0" smtClean="0"/>
-              <a:t> 取得 </a:t>
-            </a:r>
-            <a:r>
-              <a:rPr lang="en-US" altLang="zh-TW" dirty="0" err="1" smtClean="0"/>
-              <a:t>FHIR</a:t>
-            </a:r>
-            <a:r>
-              <a:rPr lang="zh-TW" altLang="en-US" dirty="0" smtClean="0"/>
-              <a:t> </a:t>
-            </a:r>
-            <a:r>
-              <a:rPr lang="en-US" altLang="zh-TW" dirty="0" smtClean="0"/>
-              <a:t>server </a:t>
-            </a:r>
-            <a:r>
-              <a:rPr lang="zh-TW" altLang="en-US" dirty="0" smtClean="0"/>
-              <a:t>上該病人的資料</a:t>
-            </a:r>
-            <a:r>
-              <a:rPr lang="en-US" altLang="zh-TW" dirty="0" smtClean="0"/>
-              <a:t>  </a:t>
-            </a:r>
-            <a:endParaRPr lang="en-US" altLang="zh-TW" dirty="0"/>
           </a:p>
         </p:txBody>
       </p:sp>
     </p:spTree>
     <p:extLst>
       <p:ext uri="{BB962C8B-B14F-4D97-AF65-F5344CB8AC3E}">
-        <p14:creationId xmlns:p14="http://schemas.microsoft.com/office/powerpoint/2010/main" val="3339540475"/>
+        <p14:creationId xmlns:p14="http://schemas.microsoft.com/office/powerpoint/2010/main" val="780896279"/>
       </p:ext>
     </p:extLst>
   </p:cSld>
   <p:clrMapOvr>
     <a:masterClrMapping/>
   </p:clrMapOvr>
-  <p:timing>
-    <p:tnLst>
-      <p:par>
-        <p:cTn id="1" dur="indefinite" restart="never" nodeType="tmRoot"/>
-      </p:par>
-    </p:tnLst>
-  </p:timing>
 </p:sld>
 </file>
 
-<file path=ppt/slides/slide6.xml><?xml version="1.0" encoding="utf-8"?>
+<file path=ppt/slides/slide23.xml><?xml version="1.0" encoding="utf-8"?>
 <p:sld xmlns:a="http://schemas.openxmlformats.org/drawingml/2006/main" xmlns:r="http://schemas.openxmlformats.org/officeDocument/2006/relationships" xmlns:p="http://schemas.openxmlformats.org/presentationml/2006/main">
   <p:cSld>
     <p:spTree>
@@ -10547,187 +11966,240 @@
           <a:lstStyle/>
           <a:p>
             <a:r>
+              <a:rPr lang="en-US" altLang="zh-TW" dirty="0"/>
+              <a:t>token </a:t>
+            </a:r>
+            <a:r>
               <a:rPr lang="zh-TW" altLang="en-US" dirty="0" smtClean="0"/>
-              <a:t>新增病人的狀況</a:t>
+              <a:t>及 </a:t>
+            </a:r>
+            <a:r>
+              <a:rPr lang="en-US" altLang="zh-TW" dirty="0" smtClean="0"/>
+              <a:t>identifier </a:t>
+            </a:r>
+            <a:r>
+              <a:rPr lang="zh-TW" altLang="en-US" dirty="0" smtClean="0"/>
+              <a:t>查詢條</a:t>
+            </a:r>
+            <a:r>
+              <a:rPr lang="zh-TW" altLang="en-US" dirty="0"/>
+              <a:t>件</a:t>
+            </a:r>
+          </a:p>
+        </p:txBody>
+      </p:sp>
+      <p:sp>
+        <p:nvSpPr>
+          <p:cNvPr id="3" name="內容版面配置區 2"/>
+          <p:cNvSpPr>
+            <a:spLocks noGrp="1"/>
+          </p:cNvSpPr>
+          <p:nvPr>
+            <p:ph idx="1"/>
+          </p:nvPr>
+        </p:nvSpPr>
+        <p:spPr/>
+        <p:txBody>
+          <a:bodyPr>
+            <a:normAutofit fontScale="55000" lnSpcReduction="20000"/>
+          </a:bodyPr>
+          <a:lstStyle/>
+          <a:p>
+            <a:r>
+              <a:rPr lang="zh-TW" altLang="en-US" dirty="0" smtClean="0"/>
+              <a:t>病人身分證號範例</a:t>
+            </a:r>
+            <a:endParaRPr lang="en-US" altLang="zh-TW" dirty="0" smtClean="0"/>
+          </a:p>
+          <a:p>
+            <a:pPr lvl="1"/>
+            <a:r>
+              <a:rPr lang="en-US" altLang="zh-TW" dirty="0"/>
+              <a:t>&lt;Patient&gt;</a:t>
+            </a:r>
+          </a:p>
+          <a:p>
+            <a:pPr lvl="1"/>
+            <a:r>
+              <a:rPr lang="en-US" altLang="zh-TW" dirty="0"/>
+              <a:t>         &lt;identifier&gt;</a:t>
+            </a:r>
+          </a:p>
+          <a:p>
+            <a:pPr lvl="1"/>
+            <a:r>
+              <a:rPr lang="en-US" altLang="zh-TW" dirty="0"/>
+              <a:t>          &lt;use value="usual" /&gt;</a:t>
+            </a:r>
+          </a:p>
+          <a:p>
+            <a:pPr lvl="1"/>
+            <a:r>
+              <a:rPr lang="en-US" altLang="zh-TW" dirty="0"/>
+              <a:t>          &lt;system value="</a:t>
+            </a:r>
+            <a:r>
+              <a:rPr lang="zh-TW" altLang="en-US" dirty="0"/>
+              <a:t>身分證字號</a:t>
+            </a:r>
+            <a:r>
+              <a:rPr lang="en-US" altLang="zh-TW" dirty="0"/>
+              <a:t>" /&gt;</a:t>
+            </a:r>
+          </a:p>
+          <a:p>
+            <a:pPr lvl="1"/>
+            <a:r>
+              <a:rPr lang="en-US" altLang="zh-TW" dirty="0"/>
+              <a:t>          &lt;value value="V1223456111" /&gt;</a:t>
+            </a:r>
+          </a:p>
+          <a:p>
+            <a:pPr lvl="1"/>
+            <a:r>
+              <a:rPr lang="en-US" altLang="zh-TW" dirty="0" smtClean="0"/>
+              <a:t>&lt;/</a:t>
+            </a:r>
+            <a:r>
+              <a:rPr lang="en-US" altLang="zh-TW" dirty="0"/>
+              <a:t>identifier&gt;</a:t>
+            </a:r>
+          </a:p>
+          <a:p>
+            <a:pPr lvl="1"/>
+            <a:r>
+              <a:rPr lang="en-US" altLang="zh-TW" dirty="0"/>
+              <a:t>        &lt;name&gt;</a:t>
+            </a:r>
+          </a:p>
+          <a:p>
+            <a:pPr lvl="1"/>
+            <a:r>
+              <a:rPr lang="en-US" altLang="zh-TW" dirty="0"/>
+              <a:t>          &lt;text value="</a:t>
+            </a:r>
+            <a:r>
+              <a:rPr lang="zh-TW" altLang="en-US" dirty="0"/>
+              <a:t>黃小明</a:t>
+            </a:r>
+            <a:r>
+              <a:rPr lang="en-US" altLang="zh-TW" dirty="0"/>
+              <a:t>"/&gt;</a:t>
+            </a:r>
+          </a:p>
+          <a:p>
+            <a:pPr lvl="1"/>
+            <a:r>
+              <a:rPr lang="en-US" altLang="zh-TW" dirty="0"/>
+              <a:t>        &lt;/name&gt;</a:t>
+            </a:r>
+          </a:p>
+          <a:p>
+            <a:pPr lvl="1"/>
+            <a:r>
+              <a:rPr lang="en-US" altLang="zh-TW" dirty="0"/>
+              <a:t>        &lt;gender value="male"/&gt;</a:t>
+            </a:r>
+          </a:p>
+          <a:p>
+            <a:pPr lvl="1"/>
+            <a:r>
+              <a:rPr lang="en-US" altLang="zh-TW" dirty="0"/>
+              <a:t>        &lt;</a:t>
+            </a:r>
+            <a:r>
+              <a:rPr lang="en-US" altLang="zh-TW" dirty="0" err="1"/>
+              <a:t>birthDate</a:t>
+            </a:r>
+            <a:r>
+              <a:rPr lang="en-US" altLang="zh-TW" dirty="0"/>
+              <a:t> value="1970-01-01" /&gt;</a:t>
+            </a:r>
+          </a:p>
+          <a:p>
+            <a:pPr lvl="1"/>
+            <a:r>
+              <a:rPr lang="en-US" altLang="zh-TW" dirty="0" smtClean="0"/>
+              <a:t>&lt;/</a:t>
+            </a:r>
+            <a:r>
+              <a:rPr lang="en-US" altLang="zh-TW" dirty="0"/>
+              <a:t>Patient</a:t>
+            </a:r>
+            <a:r>
+              <a:rPr lang="en-US" altLang="zh-TW" dirty="0" smtClean="0"/>
+              <a:t>&gt;</a:t>
+            </a:r>
+          </a:p>
+          <a:p>
+            <a:r>
+              <a:rPr lang="zh-TW" altLang="en-US" dirty="0" smtClean="0"/>
+              <a:t>上傳及使用 </a:t>
+            </a:r>
+            <a:r>
+              <a:rPr lang="en-US" altLang="zh-TW" dirty="0" smtClean="0"/>
+              <a:t>identifier </a:t>
+            </a:r>
+            <a:r>
+              <a:rPr lang="zh-TW" altLang="en-US" dirty="0" smtClean="0"/>
+              <a:t>查資料</a:t>
+            </a:r>
+            <a:endParaRPr lang="en-US" altLang="zh-TW" dirty="0" smtClean="0"/>
+          </a:p>
+          <a:p>
+            <a:pPr lvl="1"/>
+            <a:r>
+              <a:rPr lang="en-US" altLang="zh-TW" dirty="0"/>
+              <a:t>GET [base]/</a:t>
+            </a:r>
+            <a:r>
+              <a:rPr lang="en-US" altLang="zh-TW" dirty="0" err="1" smtClean="0"/>
+              <a:t>Patient?identifier</a:t>
+            </a:r>
+            <a:r>
+              <a:rPr lang="en-US" altLang="zh-TW" dirty="0" smtClean="0"/>
+              <a:t>=V1223456111</a:t>
+            </a:r>
+          </a:p>
+          <a:p>
+            <a:r>
+              <a:rPr lang="zh-TW" altLang="en-US" dirty="0" smtClean="0"/>
+              <a:t>查詢某種問題的資料</a:t>
+            </a:r>
+            <a:endParaRPr lang="en-US" altLang="zh-TW" dirty="0"/>
+          </a:p>
+          <a:p>
+            <a:pPr lvl="1"/>
+            <a:r>
+              <a:rPr lang="en-US" altLang="zh-TW" dirty="0"/>
+              <a:t> GET [base]/</a:t>
+            </a:r>
+            <a:r>
+              <a:rPr lang="en-US" altLang="zh-TW" dirty="0" err="1"/>
+              <a:t>Condition?code</a:t>
+            </a:r>
+            <a:r>
+              <a:rPr lang="en-US" altLang="zh-TW" dirty="0"/>
+              <a:t>=http://acme.org/conditions/codes|ha125</a:t>
             </a:r>
             <a:endParaRPr lang="zh-TW" altLang="en-US" dirty="0"/>
-          </a:p>
-        </p:txBody>
-      </p:sp>
-      <p:sp>
-        <p:nvSpPr>
-          <p:cNvPr id="3" name="內容版面配置區 2"/>
-          <p:cNvSpPr>
-            <a:spLocks noGrp="1"/>
-          </p:cNvSpPr>
-          <p:nvPr>
-            <p:ph idx="1"/>
-          </p:nvPr>
-        </p:nvSpPr>
-        <p:spPr/>
-        <p:txBody>
-          <a:bodyPr/>
-          <a:lstStyle/>
-          <a:p>
-            <a:r>
-              <a:rPr lang="en-US" altLang="zh-TW" dirty="0" smtClean="0"/>
-              <a:t>HTTP</a:t>
-            </a:r>
-            <a:r>
-              <a:rPr lang="zh-TW" altLang="en-US" dirty="0" smtClean="0"/>
-              <a:t> </a:t>
-            </a:r>
-            <a:r>
-              <a:rPr lang="en-US" altLang="zh-TW" dirty="0" smtClean="0"/>
-              <a:t>POST</a:t>
-            </a:r>
-            <a:r>
-              <a:rPr lang="zh-TW" altLang="en-US" dirty="0" smtClean="0"/>
-              <a:t> 建立狀況，語法</a:t>
-            </a:r>
-            <a:endParaRPr lang="en-US" altLang="zh-TW" dirty="0" smtClean="0"/>
-          </a:p>
-          <a:p>
-            <a:pPr lvl="1"/>
-            <a:r>
-              <a:rPr lang="en-US" altLang="zh-TW" dirty="0" smtClean="0">
-                <a:solidFill>
-                  <a:srgbClr val="00B0F0"/>
-                </a:solidFill>
-              </a:rPr>
-              <a:t>http</a:t>
-            </a:r>
-            <a:r>
-              <a:rPr lang="en-US" altLang="zh-TW" dirty="0">
-                <a:solidFill>
-                  <a:srgbClr val="00B0F0"/>
-                </a:solidFill>
-              </a:rPr>
-              <a:t>://</a:t>
-            </a:r>
-            <a:r>
-              <a:rPr lang="en-US" altLang="zh-TW" dirty="0" smtClean="0">
-                <a:solidFill>
-                  <a:srgbClr val="00B0F0"/>
-                </a:solidFill>
-              </a:rPr>
-              <a:t>fhir.base.root/</a:t>
-            </a:r>
-            <a:r>
-              <a:rPr lang="en-US" altLang="zh-TW" dirty="0" smtClean="0">
-                <a:solidFill>
-                  <a:srgbClr val="FF0000"/>
-                </a:solidFill>
-              </a:rPr>
-              <a:t>Condition</a:t>
-            </a:r>
-            <a:endParaRPr lang="en-US" altLang="zh-TW" dirty="0">
-              <a:solidFill>
-                <a:srgbClr val="FF0000"/>
-              </a:solidFill>
-            </a:endParaRPr>
-          </a:p>
-          <a:p>
-            <a:pPr lvl="2"/>
-            <a:r>
-              <a:rPr lang="en-US" altLang="zh-TW" dirty="0" smtClean="0">
-                <a:solidFill>
-                  <a:srgbClr val="FF0000"/>
-                </a:solidFill>
-              </a:rPr>
-              <a:t>Condition </a:t>
-            </a:r>
-            <a:r>
-              <a:rPr lang="zh-TW" altLang="en-US" dirty="0" smtClean="0">
-                <a:solidFill>
-                  <a:srgbClr val="FF0000"/>
-                </a:solidFill>
-              </a:rPr>
-              <a:t>中 </a:t>
-            </a:r>
-            <a:r>
-              <a:rPr lang="en-US" altLang="zh-TW" dirty="0" smtClean="0">
-                <a:solidFill>
-                  <a:srgbClr val="FF0000"/>
-                </a:solidFill>
-              </a:rPr>
-              <a:t>subject = patient id</a:t>
-            </a:r>
-          </a:p>
-          <a:p>
-            <a:pPr lvl="1"/>
-            <a:r>
-              <a:rPr lang="zh-TW" altLang="en-US" dirty="0" smtClean="0"/>
-              <a:t>創建成功，</a:t>
-            </a:r>
-            <a:r>
-              <a:rPr lang="en-US" altLang="zh-TW" dirty="0" err="1" smtClean="0"/>
-              <a:t>FHIR</a:t>
-            </a:r>
-            <a:r>
-              <a:rPr lang="zh-TW" altLang="en-US" dirty="0" smtClean="0"/>
-              <a:t> </a:t>
-            </a:r>
-            <a:r>
-              <a:rPr lang="en-US" altLang="zh-TW" dirty="0" smtClean="0"/>
-              <a:t>server</a:t>
-            </a:r>
-            <a:r>
-              <a:rPr lang="zh-TW" altLang="en-US" dirty="0" smtClean="0"/>
-              <a:t> 回應取得此 </a:t>
-            </a:r>
-            <a:r>
-              <a:rPr lang="en-US" altLang="zh-TW" dirty="0" smtClean="0"/>
-              <a:t>condition </a:t>
-            </a:r>
-            <a:r>
-              <a:rPr lang="zh-TW" altLang="en-US" dirty="0" smtClean="0"/>
-              <a:t>之 </a:t>
-            </a:r>
-            <a:r>
-              <a:rPr lang="en-US" altLang="zh-TW" dirty="0" smtClean="0"/>
-              <a:t>URL</a:t>
-            </a:r>
-          </a:p>
-          <a:p>
-            <a:pPr lvl="2"/>
-            <a:r>
-              <a:rPr lang="zh-TW" altLang="en-US" dirty="0" smtClean="0"/>
-              <a:t>通常使用 </a:t>
-            </a:r>
-            <a:r>
-              <a:rPr lang="en-US" altLang="zh-TW" dirty="0" smtClean="0"/>
-              <a:t>patient id </a:t>
-            </a:r>
-            <a:r>
-              <a:rPr lang="zh-TW" altLang="en-US" dirty="0" smtClean="0"/>
-              <a:t>調閱病人之所有狀況</a:t>
-            </a:r>
-            <a:endParaRPr lang="en-US" altLang="zh-TW" dirty="0" smtClean="0"/>
           </a:p>
         </p:txBody>
       </p:sp>
     </p:spTree>
     <p:extLst>
       <p:ext uri="{BB962C8B-B14F-4D97-AF65-F5344CB8AC3E}">
-        <p14:creationId xmlns:p14="http://schemas.microsoft.com/office/powerpoint/2010/main" val="3584210898"/>
+        <p14:creationId xmlns:p14="http://schemas.microsoft.com/office/powerpoint/2010/main" val="2444040010"/>
       </p:ext>
     </p:extLst>
   </p:cSld>
   <p:clrMapOvr>
     <a:masterClrMapping/>
   </p:clrMapOvr>
-  <p:timing>
-    <p:tnLst>
-      <p:par>
-        <p:cTn id="1" dur="indefinite" restart="never" nodeType="tmRoot"/>
-      </p:par>
-    </p:tnLst>
-  </p:timing>
 </p:sld>
 </file>
 
-<file path=ppt/slides/slide7.xml><?xml version="1.0" encoding="utf-8"?>
+<file path=ppt/slides/slide24.xml><?xml version="1.0" encoding="utf-8"?>
 <p:sld xmlns:a="http://schemas.openxmlformats.org/drawingml/2006/main" xmlns:r="http://schemas.openxmlformats.org/officeDocument/2006/relationships" xmlns:p="http://schemas.openxmlformats.org/presentationml/2006/main">
   <p:cSld>
     <p:spTree>
@@ -10761,7 +12233,15 @@
           <a:p>
             <a:r>
               <a:rPr lang="zh-TW" altLang="en-US" dirty="0" smtClean="0"/>
-              <a:t>新增病人的檢測資訊</a:t>
+              <a:t>基於 </a:t>
+            </a:r>
+            <a:r>
+              <a:rPr lang="en-US" altLang="zh-TW" dirty="0" smtClean="0"/>
+              <a:t>reference </a:t>
+            </a:r>
+            <a:r>
+              <a:rPr lang="zh-TW" altLang="en-US" dirty="0" smtClean="0"/>
+              <a:t>之查詢</a:t>
             </a:r>
             <a:endParaRPr lang="zh-TW" altLang="en-US" dirty="0"/>
           </a:p>
@@ -10779,184 +12259,125 @@
         </p:nvSpPr>
         <p:spPr/>
         <p:txBody>
-          <a:bodyPr/>
+          <a:bodyPr>
+            <a:normAutofit/>
+          </a:bodyPr>
           <a:lstStyle/>
           <a:p>
             <a:r>
+              <a:rPr lang="zh-TW" altLang="en-US" dirty="0" smtClean="0"/>
+              <a:t>由 </a:t>
+            </a:r>
+            <a:r>
               <a:rPr lang="en-US" altLang="zh-TW" dirty="0" smtClean="0"/>
-              <a:t>HTTP</a:t>
+              <a:t>resource </a:t>
             </a:r>
             <a:r>
               <a:rPr lang="zh-TW" altLang="en-US" dirty="0" smtClean="0"/>
-              <a:t> </a:t>
+              <a:t>中之 </a:t>
             </a:r>
             <a:r>
               <a:rPr lang="en-US" altLang="zh-TW" dirty="0" smtClean="0"/>
-              <a:t>POST</a:t>
+              <a:t>reference </a:t>
             </a:r>
             <a:r>
               <a:rPr lang="zh-TW" altLang="en-US" dirty="0" smtClean="0"/>
-              <a:t> 建立狀況，語法</a:t>
-            </a:r>
-            <a:endParaRPr lang="en-US" altLang="zh-TW" dirty="0" smtClean="0"/>
+              <a:t>欄位做搜尋，例如</a:t>
+            </a:r>
+            <a:r>
+              <a:rPr lang="en-US" altLang="zh-TW" dirty="0" smtClean="0"/>
+              <a:t>:</a:t>
+            </a:r>
           </a:p>
           <a:p>
             <a:pPr lvl="1"/>
             <a:r>
-              <a:rPr lang="en-US" altLang="zh-TW" dirty="0" smtClean="0">
-                <a:solidFill>
-                  <a:srgbClr val="00B0F0"/>
-                </a:solidFill>
-              </a:rPr>
-              <a:t>http</a:t>
-            </a:r>
-            <a:r>
-              <a:rPr lang="en-US" altLang="zh-TW" dirty="0">
-                <a:solidFill>
-                  <a:srgbClr val="00B0F0"/>
-                </a:solidFill>
-              </a:rPr>
-              <a:t>://</a:t>
-            </a:r>
-            <a:r>
-              <a:rPr lang="en-US" altLang="zh-TW" dirty="0" err="1" smtClean="0">
-                <a:solidFill>
-                  <a:srgbClr val="00B0F0"/>
-                </a:solidFill>
-              </a:rPr>
-              <a:t>fhie.base.root</a:t>
-            </a:r>
-            <a:r>
-              <a:rPr lang="en-US" altLang="zh-TW" dirty="0" smtClean="0">
-                <a:solidFill>
-                  <a:srgbClr val="00B0F0"/>
-                </a:solidFill>
-              </a:rPr>
-              <a:t>/</a:t>
-            </a:r>
-            <a:r>
-              <a:rPr lang="en-US" altLang="zh-TW" dirty="0" smtClean="0">
-                <a:solidFill>
-                  <a:srgbClr val="FF0000"/>
-                </a:solidFill>
-              </a:rPr>
-              <a:t>Observation</a:t>
-            </a:r>
-            <a:endParaRPr lang="en-US" altLang="zh-TW" dirty="0">
-              <a:solidFill>
-                <a:srgbClr val="FF0000"/>
-              </a:solidFill>
-            </a:endParaRPr>
-          </a:p>
-          <a:p>
-            <a:pPr lvl="2"/>
-            <a:r>
-              <a:rPr lang="en-US" altLang="zh-TW" dirty="0" smtClean="0">
-                <a:solidFill>
-                  <a:srgbClr val="FF0000"/>
-                </a:solidFill>
-              </a:rPr>
-              <a:t>Observation </a:t>
-            </a:r>
-            <a:r>
-              <a:rPr lang="zh-TW" altLang="en-US" dirty="0" smtClean="0">
-                <a:solidFill>
-                  <a:srgbClr val="FF0000"/>
-                </a:solidFill>
-              </a:rPr>
-              <a:t>中 </a:t>
-            </a:r>
-            <a:r>
-              <a:rPr lang="en-US" altLang="zh-TW" dirty="0" smtClean="0">
-                <a:solidFill>
-                  <a:srgbClr val="FF0000"/>
-                </a:solidFill>
-              </a:rPr>
-              <a:t>subject = patient id</a:t>
+              <a:rPr lang="en-US" altLang="zh-TW" dirty="0" smtClean="0"/>
+              <a:t>GET </a:t>
+            </a:r>
+            <a:r>
+              <a:rPr lang="en-US" altLang="zh-TW" dirty="0"/>
+              <a:t>[base]/</a:t>
+            </a:r>
+            <a:r>
+              <a:rPr lang="en-US" altLang="zh-TW" dirty="0" err="1" smtClean="0"/>
+              <a:t>Observation?subject</a:t>
+            </a:r>
+            <a:r>
+              <a:rPr lang="en-US" altLang="zh-TW" dirty="0" smtClean="0"/>
+              <a:t>=Patient/23</a:t>
             </a:r>
           </a:p>
           <a:p>
             <a:pPr lvl="1"/>
             <a:r>
-              <a:rPr lang="zh-TW" altLang="en-US" dirty="0" smtClean="0"/>
-              <a:t>創建成功，</a:t>
+              <a:rPr lang="en-US" altLang="zh-TW" dirty="0" smtClean="0"/>
+              <a:t>GET </a:t>
+            </a:r>
+            <a:r>
+              <a:rPr lang="en-US" altLang="zh-TW" dirty="0"/>
+              <a:t>[base]/</a:t>
             </a:r>
             <a:r>
               <a:rPr lang="en-US" altLang="zh-TW" dirty="0" err="1" smtClean="0"/>
-              <a:t>FHIR</a:t>
-            </a:r>
-            <a:r>
-              <a:rPr lang="zh-TW" altLang="en-US" dirty="0" smtClean="0"/>
-              <a:t> </a:t>
+              <a:t>Observation?subject:Patient</a:t>
             </a:r>
             <a:r>
               <a:rPr lang="en-US" altLang="zh-TW" dirty="0" smtClean="0"/>
-              <a:t>server</a:t>
-            </a:r>
-            <a:r>
-              <a:rPr lang="zh-TW" altLang="en-US" dirty="0" smtClean="0"/>
-              <a:t> 回應取得此 </a:t>
+              <a:t>=23</a:t>
+            </a:r>
+          </a:p>
+          <a:p>
+            <a:pPr lvl="1"/>
+            <a:r>
+              <a:rPr lang="en-US" altLang="zh-TW" dirty="0"/>
+              <a:t>GET [base]/</a:t>
+            </a:r>
+            <a:r>
+              <a:rPr lang="en-US" altLang="zh-TW" dirty="0" err="1"/>
+              <a:t>Observation?subject:identifier</a:t>
+            </a:r>
+            <a:r>
+              <a:rPr lang="en-US" altLang="zh-TW" dirty="0"/>
+              <a:t>=http://</a:t>
             </a:r>
             <a:r>
               <a:rPr lang="en-US" altLang="zh-TW" dirty="0" smtClean="0"/>
-              <a:t>observation </a:t>
-            </a:r>
-            <a:r>
-              <a:rPr lang="zh-TW" altLang="en-US" dirty="0" smtClean="0"/>
-              <a:t>之 </a:t>
+              <a:t>acme.org/fhir/identifier/mrn|123456</a:t>
+            </a:r>
+          </a:p>
+          <a:p>
+            <a:pPr lvl="1"/>
+            <a:r>
+              <a:rPr lang="en-US" altLang="zh-TW" dirty="0"/>
+              <a:t>GET [base]/</a:t>
+            </a:r>
+            <a:r>
+              <a:rPr lang="en-US" altLang="zh-TW" dirty="0" err="1" smtClean="0"/>
+              <a:t>Observation?subject:identifier</a:t>
             </a:r>
             <a:r>
               <a:rPr lang="en-US" altLang="zh-TW" dirty="0" smtClean="0"/>
-              <a:t>URL</a:t>
-            </a:r>
-          </a:p>
-          <a:p>
-            <a:pPr lvl="2"/>
-            <a:r>
-              <a:rPr lang="zh-TW" altLang="en-US" dirty="0" smtClean="0"/>
-              <a:t>通常使用 </a:t>
-            </a:r>
-            <a:r>
-              <a:rPr lang="en-US" altLang="zh-TW" dirty="0" smtClean="0"/>
-              <a:t>patient id </a:t>
-            </a:r>
-            <a:r>
-              <a:rPr lang="zh-TW" altLang="en-US" dirty="0" smtClean="0"/>
-              <a:t>調閱病人之所有檢測資訊</a:t>
-            </a:r>
-            <a:endParaRPr lang="en-US" altLang="zh-TW" dirty="0" smtClean="0"/>
-          </a:p>
-          <a:p>
-            <a:pPr lvl="2"/>
-            <a:r>
-              <a:rPr lang="zh-TW" altLang="en-US" dirty="0" smtClean="0"/>
-              <a:t>可搭配日期做查詢</a:t>
-            </a:r>
-            <a:endParaRPr lang="en-US" altLang="zh-TW" dirty="0" smtClean="0"/>
+              <a:t>=123456</a:t>
+            </a:r>
+            <a:endParaRPr lang="zh-TW" altLang="en-US" dirty="0"/>
           </a:p>
         </p:txBody>
       </p:sp>
     </p:spTree>
     <p:extLst>
       <p:ext uri="{BB962C8B-B14F-4D97-AF65-F5344CB8AC3E}">
-        <p14:creationId xmlns:p14="http://schemas.microsoft.com/office/powerpoint/2010/main" val="232370000"/>
+        <p14:creationId xmlns:p14="http://schemas.microsoft.com/office/powerpoint/2010/main" val="384628468"/>
       </p:ext>
     </p:extLst>
   </p:cSld>
   <p:clrMapOvr>
     <a:masterClrMapping/>
   </p:clrMapOvr>
-  <p:timing>
-    <p:tnLst>
-      <p:par>
-        <p:cTn id="1" dur="indefinite" restart="never" nodeType="tmRoot"/>
-      </p:par>
-    </p:tnLst>
-  </p:timing>
 </p:sld>
 </file>
 
-<file path=ppt/slides/slide8.xml><?xml version="1.0" encoding="utf-8"?>
+<file path=ppt/slides/slide25.xml><?xml version="1.0" encoding="utf-8"?>
 <p:sld xmlns:a="http://schemas.openxmlformats.org/drawingml/2006/main" xmlns:r="http://schemas.openxmlformats.org/officeDocument/2006/relationships" xmlns:p="http://schemas.openxmlformats.org/presentationml/2006/main">
   <p:cSld>
     <p:spTree>
@@ -10985,125 +12406,126 @@
         </p:nvSpPr>
         <p:spPr/>
         <p:txBody>
+          <a:bodyPr/>
+          <a:lstStyle/>
+          <a:p>
+            <a:r>
+              <a:rPr lang="zh-TW" altLang="en-US" dirty="0" smtClean="0"/>
+              <a:t>進階查詢  </a:t>
+            </a:r>
+            <a:r>
+              <a:rPr lang="en-US" altLang="zh-TW" dirty="0" smtClean="0"/>
+              <a:t>1</a:t>
+            </a:r>
+            <a:endParaRPr lang="zh-TW" altLang="en-US" dirty="0"/>
+          </a:p>
+        </p:txBody>
+      </p:sp>
+      <p:sp>
+        <p:nvSpPr>
+          <p:cNvPr id="3" name="內容版面配置區 2"/>
+          <p:cNvSpPr>
+            <a:spLocks noGrp="1"/>
+          </p:cNvSpPr>
+          <p:nvPr>
+            <p:ph idx="1"/>
+          </p:nvPr>
+        </p:nvSpPr>
+        <p:spPr/>
+        <p:txBody>
           <a:bodyPr>
-            <a:normAutofit fontScale="90000"/>
+            <a:normAutofit fontScale="92500" lnSpcReduction="20000"/>
           </a:bodyPr>
           <a:lstStyle/>
           <a:p>
             <a:r>
+              <a:rPr lang="en-US" altLang="zh-TW" dirty="0"/>
+              <a:t>References and Versions </a:t>
+            </a:r>
+          </a:p>
+          <a:p>
+            <a:r>
+              <a:rPr lang="en-US" altLang="zh-TW" dirty="0" smtClean="0"/>
+              <a:t>Searching </a:t>
+            </a:r>
+            <a:r>
+              <a:rPr lang="en-US" altLang="zh-TW" dirty="0"/>
+              <a:t>Hierarchies </a:t>
+            </a:r>
+            <a:endParaRPr lang="en-US" altLang="zh-TW" dirty="0" smtClean="0"/>
+          </a:p>
+          <a:p>
+            <a:r>
+              <a:rPr lang="en-US" altLang="zh-TW" dirty="0"/>
+              <a:t>Chained parameters </a:t>
+            </a:r>
+          </a:p>
+          <a:p>
+            <a:r>
+              <a:rPr lang="en-US" altLang="zh-TW" dirty="0"/>
+              <a:t>Reverse Chaining </a:t>
+            </a:r>
+            <a:endParaRPr lang="en-US" altLang="zh-TW" dirty="0" smtClean="0"/>
+          </a:p>
+          <a:p>
+            <a:r>
+              <a:rPr lang="en-US" altLang="zh-TW" dirty="0"/>
+              <a:t>Composite Search </a:t>
+            </a:r>
+            <a:r>
+              <a:rPr lang="en-US" altLang="zh-TW" dirty="0" smtClean="0"/>
+              <a:t>Parameters</a:t>
+            </a:r>
+          </a:p>
+          <a:p>
+            <a:r>
+              <a:rPr lang="en-US" altLang="zh-TW" dirty="0"/>
+              <a:t> Handling Missing Data </a:t>
+            </a:r>
+            <a:endParaRPr lang="en-US" altLang="zh-TW" dirty="0" smtClean="0"/>
+          </a:p>
+          <a:p>
+            <a:r>
+              <a:rPr lang="en-US" altLang="zh-TW" dirty="0"/>
+              <a:t>Escaping Search Parameters </a:t>
+            </a:r>
+          </a:p>
+          <a:p>
+            <a:r>
+              <a:rPr lang="zh-TW" altLang="en-US" dirty="0" smtClean="0"/>
+              <a:t>需進一步整理測試範例，並驗證 </a:t>
+            </a:r>
+            <a:r>
+              <a:rPr lang="en-US" altLang="zh-TW" dirty="0" smtClean="0"/>
+              <a:t>FHIR</a:t>
+            </a:r>
+            <a:r>
+              <a:rPr lang="zh-TW" altLang="en-US" dirty="0" smtClean="0"/>
+              <a:t> </a:t>
+            </a:r>
+            <a:r>
+              <a:rPr lang="en-US" altLang="zh-TW" dirty="0" smtClean="0"/>
+              <a:t>server </a:t>
+            </a:r>
+            <a:r>
+              <a:rPr lang="zh-TW" altLang="en-US" dirty="0" smtClean="0"/>
+              <a:t>是否支援</a:t>
+            </a:r>
+            <a:endParaRPr lang="en-US" altLang="zh-TW" dirty="0" smtClean="0"/>
+          </a:p>
+          <a:p>
+            <a:r>
+              <a:rPr lang="zh-TW" altLang="en-US" dirty="0" smtClean="0"/>
+              <a:t>實際</a:t>
+            </a:r>
+            <a:r>
               <a:rPr lang="zh-TW" altLang="en-US" dirty="0"/>
-              <a:t>使用 </a:t>
-            </a:r>
-            <a:r>
-              <a:rPr lang="en-US" altLang="zh-TW" dirty="0"/>
-              <a:t>patient id </a:t>
-            </a:r>
-            <a:r>
-              <a:rPr lang="zh-TW" altLang="en-US" dirty="0"/>
-              <a:t>調閱病人之所有檢測資訊</a:t>
-            </a:r>
-          </a:p>
-        </p:txBody>
-      </p:sp>
-      <p:sp>
-        <p:nvSpPr>
-          <p:cNvPr id="3" name="內容版面配置區 2"/>
-          <p:cNvSpPr>
-            <a:spLocks noGrp="1"/>
-          </p:cNvSpPr>
-          <p:nvPr>
-            <p:ph idx="1"/>
-          </p:nvPr>
-        </p:nvSpPr>
-        <p:spPr/>
-        <p:txBody>
-          <a:bodyPr>
-            <a:normAutofit/>
-          </a:bodyPr>
-          <a:lstStyle/>
-          <a:p>
+              <a:t>應用</a:t>
+            </a:r>
             <a:r>
               <a:rPr lang="zh-TW" altLang="en-US" dirty="0" smtClean="0"/>
-              <a:t>調閱 </a:t>
-            </a:r>
-            <a:r>
-              <a:rPr lang="en-US" altLang="zh-TW" dirty="0" smtClean="0"/>
-              <a:t>id= </a:t>
-            </a:r>
-            <a:r>
-              <a:rPr lang="en-US" altLang="zh-TW" dirty="0"/>
-              <a:t>131394 </a:t>
-            </a:r>
-            <a:r>
-              <a:rPr lang="en-US" altLang="zh-TW" dirty="0" smtClean="0"/>
-              <a:t> </a:t>
-            </a:r>
-            <a:r>
-              <a:rPr lang="zh-TW" altLang="en-US" dirty="0" smtClean="0"/>
-              <a:t>之病人全部之檢測資訊</a:t>
-            </a:r>
-            <a:endParaRPr lang="en-US" altLang="zh-TW" dirty="0"/>
-          </a:p>
-          <a:p>
-            <a:pPr lvl="1"/>
-            <a:r>
-              <a:rPr lang="en-US" altLang="zh-TW" dirty="0" smtClean="0"/>
-              <a:t>http</a:t>
-            </a:r>
-            <a:r>
-              <a:rPr lang="en-US" altLang="zh-TW" dirty="0"/>
-              <a:t>://</a:t>
-            </a:r>
-            <a:r>
-              <a:rPr lang="en-US" altLang="zh-TW" dirty="0" smtClean="0"/>
-              <a:t>hapi.fhir.org/baseR4/Observation?subject=131394 </a:t>
-            </a:r>
-          </a:p>
-          <a:p>
-            <a:r>
-              <a:rPr lang="zh-TW" altLang="en-US" dirty="0"/>
-              <a:t>調閱 </a:t>
-            </a:r>
-            <a:r>
-              <a:rPr lang="en-US" altLang="zh-TW" dirty="0"/>
-              <a:t>id= 131394  </a:t>
-            </a:r>
-            <a:r>
-              <a:rPr lang="zh-TW" altLang="en-US" dirty="0"/>
-              <a:t>之</a:t>
-            </a:r>
-            <a:r>
-              <a:rPr lang="zh-TW" altLang="en-US" dirty="0" smtClean="0"/>
-              <a:t>病人</a:t>
-            </a:r>
-            <a:r>
-              <a:rPr lang="en-US" altLang="zh-TW" dirty="0" smtClean="0"/>
-              <a:t>2019-08-01</a:t>
-            </a:r>
-            <a:r>
-              <a:rPr lang="zh-TW" altLang="en-US" dirty="0" smtClean="0"/>
-              <a:t> 之後之檢測資訊</a:t>
-            </a:r>
-            <a:endParaRPr lang="en-US" altLang="zh-TW" dirty="0" smtClean="0"/>
-          </a:p>
-          <a:p>
-            <a:pPr lvl="1"/>
-            <a:r>
-              <a:rPr lang="en-US" altLang="zh-TW" dirty="0" smtClean="0"/>
-              <a:t>http</a:t>
-            </a:r>
-            <a:r>
-              <a:rPr lang="en-US" altLang="zh-TW" dirty="0"/>
-              <a:t>://</a:t>
-            </a:r>
-            <a:r>
-              <a:rPr lang="en-US" altLang="zh-TW" dirty="0" smtClean="0"/>
-              <a:t>hapi.fhir.org/baseR4/Observation?subject=131401&amp;date=ge2019-08-01</a:t>
-            </a:r>
-            <a:endParaRPr lang="en-US" altLang="zh-TW" dirty="0"/>
-          </a:p>
-          <a:p>
-            <a:pPr lvl="1"/>
+              <a:t>情境，並非需支援全部之查詢條件</a:t>
+            </a:r>
             <a:endParaRPr lang="zh-TW" altLang="en-US" dirty="0"/>
           </a:p>
         </p:txBody>
@@ -11111,24 +12533,283 @@
     </p:spTree>
     <p:extLst>
       <p:ext uri="{BB962C8B-B14F-4D97-AF65-F5344CB8AC3E}">
-        <p14:creationId xmlns:p14="http://schemas.microsoft.com/office/powerpoint/2010/main" val="2044218677"/>
+        <p14:creationId xmlns:p14="http://schemas.microsoft.com/office/powerpoint/2010/main" val="1468044049"/>
       </p:ext>
     </p:extLst>
   </p:cSld>
   <p:clrMapOvr>
     <a:masterClrMapping/>
   </p:clrMapOvr>
-  <p:timing>
-    <p:tnLst>
-      <p:par>
-        <p:cTn id="1" dur="indefinite" restart="never" nodeType="tmRoot"/>
-      </p:par>
-    </p:tnLst>
-  </p:timing>
 </p:sld>
 </file>
 
-<file path=ppt/slides/slide9.xml><?xml version="1.0" encoding="utf-8"?>
+<file path=ppt/slides/slide26.xml><?xml version="1.0" encoding="utf-8"?>
+<p:sld xmlns:a="http://schemas.openxmlformats.org/drawingml/2006/main" xmlns:r="http://schemas.openxmlformats.org/officeDocument/2006/relationships" xmlns:p="http://schemas.openxmlformats.org/presentationml/2006/main">
+  <p:cSld>
+    <p:spTree>
+      <p:nvGrpSpPr>
+        <p:cNvPr id="1" name=""/>
+        <p:cNvGrpSpPr/>
+        <p:nvPr/>
+      </p:nvGrpSpPr>
+      <p:grpSpPr>
+        <a:xfrm>
+          <a:off x="0" y="0"/>
+          <a:ext cx="0" cy="0"/>
+          <a:chOff x="0" y="0"/>
+          <a:chExt cx="0" cy="0"/>
+        </a:xfrm>
+      </p:grpSpPr>
+      <p:sp>
+        <p:nvSpPr>
+          <p:cNvPr id="2" name="標題 1"/>
+          <p:cNvSpPr>
+            <a:spLocks noGrp="1"/>
+          </p:cNvSpPr>
+          <p:nvPr>
+            <p:ph type="title"/>
+          </p:nvPr>
+        </p:nvSpPr>
+        <p:spPr/>
+        <p:txBody>
+          <a:bodyPr/>
+          <a:lstStyle/>
+          <a:p>
+            <a:r>
+              <a:rPr lang="zh-TW" altLang="en-US" dirty="0" smtClean="0"/>
+              <a:t>進階查詢 </a:t>
+            </a:r>
+            <a:r>
+              <a:rPr lang="en-US" altLang="zh-TW" dirty="0" smtClean="0"/>
+              <a:t>2</a:t>
+            </a:r>
+            <a:endParaRPr lang="zh-TW" altLang="en-US" dirty="0"/>
+          </a:p>
+        </p:txBody>
+      </p:sp>
+      <p:sp>
+        <p:nvSpPr>
+          <p:cNvPr id="3" name="內容版面配置區 2"/>
+          <p:cNvSpPr>
+            <a:spLocks noGrp="1"/>
+          </p:cNvSpPr>
+          <p:nvPr>
+            <p:ph idx="1"/>
+          </p:nvPr>
+        </p:nvSpPr>
+        <p:spPr/>
+        <p:txBody>
+          <a:bodyPr>
+            <a:normAutofit/>
+          </a:bodyPr>
+          <a:lstStyle/>
+          <a:p>
+            <a:r>
+              <a:rPr lang="en-US" altLang="zh-TW" dirty="0"/>
+              <a:t>Searching by list </a:t>
+            </a:r>
+            <a:endParaRPr lang="en-US" altLang="zh-TW" dirty="0" smtClean="0"/>
+          </a:p>
+          <a:p>
+            <a:pPr lvl="1"/>
+            <a:r>
+              <a:rPr lang="en-US" altLang="zh-TW" dirty="0"/>
+              <a:t>GET [base]/</a:t>
+            </a:r>
+            <a:r>
+              <a:rPr lang="en-US" altLang="zh-TW" dirty="0" err="1"/>
+              <a:t>Patient?_</a:t>
+            </a:r>
+            <a:r>
+              <a:rPr lang="en-US" altLang="zh-TW" dirty="0" err="1" smtClean="0"/>
+              <a:t>list</a:t>
+            </a:r>
+            <a:r>
+              <a:rPr lang="en-US" altLang="zh-TW" dirty="0" smtClean="0"/>
+              <a:t>=42</a:t>
+            </a:r>
+          </a:p>
+          <a:p>
+            <a:r>
+              <a:rPr lang="en-US" altLang="zh-TW" dirty="0"/>
+              <a:t> Advanced filtering </a:t>
+            </a:r>
+            <a:endParaRPr lang="en-US" altLang="zh-TW" dirty="0" smtClean="0"/>
+          </a:p>
+          <a:p>
+            <a:pPr lvl="1"/>
+            <a:r>
+              <a:rPr lang="en-US" altLang="zh-TW" dirty="0"/>
+              <a:t>GET [base]/</a:t>
+            </a:r>
+            <a:r>
+              <a:rPr lang="en-US" altLang="zh-TW" dirty="0" err="1"/>
+              <a:t>Observation?code</a:t>
+            </a:r>
+            <a:r>
+              <a:rPr lang="en-US" altLang="zh-TW" dirty="0"/>
+              <a:t>=http://</a:t>
+            </a:r>
+            <a:r>
+              <a:rPr lang="en-US" altLang="zh-TW" dirty="0" smtClean="0"/>
+              <a:t>loinc.org|1234-5&amp;subject.name=peter</a:t>
+            </a:r>
+          </a:p>
+          <a:p>
+            <a:r>
+              <a:rPr lang="en-US" altLang="zh-TW" dirty="0"/>
+              <a:t>Page Count</a:t>
+            </a:r>
+          </a:p>
+        </p:txBody>
+      </p:sp>
+    </p:spTree>
+    <p:extLst>
+      <p:ext uri="{BB962C8B-B14F-4D97-AF65-F5344CB8AC3E}">
+        <p14:creationId xmlns:p14="http://schemas.microsoft.com/office/powerpoint/2010/main" val="372444954"/>
+      </p:ext>
+    </p:extLst>
+  </p:cSld>
+  <p:clrMapOvr>
+    <a:masterClrMapping/>
+  </p:clrMapOvr>
+</p:sld>
+</file>
+
+<file path=ppt/slides/slide27.xml><?xml version="1.0" encoding="utf-8"?>
+<p:sld xmlns:a="http://schemas.openxmlformats.org/drawingml/2006/main" xmlns:r="http://schemas.openxmlformats.org/officeDocument/2006/relationships" xmlns:p="http://schemas.openxmlformats.org/presentationml/2006/main">
+  <p:cSld>
+    <p:spTree>
+      <p:nvGrpSpPr>
+        <p:cNvPr id="1" name=""/>
+        <p:cNvGrpSpPr/>
+        <p:nvPr/>
+      </p:nvGrpSpPr>
+      <p:grpSpPr>
+        <a:xfrm>
+          <a:off x="0" y="0"/>
+          <a:ext cx="0" cy="0"/>
+          <a:chOff x="0" y="0"/>
+          <a:chExt cx="0" cy="0"/>
+        </a:xfrm>
+      </p:grpSpPr>
+      <p:sp>
+        <p:nvSpPr>
+          <p:cNvPr id="2" name="標題 1"/>
+          <p:cNvSpPr>
+            <a:spLocks noGrp="1"/>
+          </p:cNvSpPr>
+          <p:nvPr>
+            <p:ph type="title"/>
+          </p:nvPr>
+        </p:nvSpPr>
+        <p:spPr/>
+        <p:txBody>
+          <a:bodyPr>
+            <a:normAutofit/>
+          </a:bodyPr>
+          <a:lstStyle/>
+          <a:p>
+            <a:r>
+              <a:rPr lang="zh-TW" altLang="en-US" dirty="0" smtClean="0"/>
+              <a:t>可</a:t>
+            </a:r>
+            <a:r>
+              <a:rPr lang="zh-TW" altLang="en-US" dirty="0"/>
+              <a:t>用查詢</a:t>
+            </a:r>
+            <a:r>
+              <a:rPr lang="zh-TW" altLang="en-US" dirty="0" smtClean="0"/>
+              <a:t>參數</a:t>
+            </a:r>
+            <a:endParaRPr lang="zh-TW" altLang="en-US" dirty="0"/>
+          </a:p>
+        </p:txBody>
+      </p:sp>
+      <p:sp>
+        <p:nvSpPr>
+          <p:cNvPr id="3" name="內容版面配置區 2"/>
+          <p:cNvSpPr>
+            <a:spLocks noGrp="1"/>
+          </p:cNvSpPr>
+          <p:nvPr>
+            <p:ph idx="1"/>
+          </p:nvPr>
+        </p:nvSpPr>
+        <p:spPr/>
+        <p:txBody>
+          <a:bodyPr>
+            <a:normAutofit/>
+          </a:bodyPr>
+          <a:lstStyle/>
+          <a:p>
+            <a:r>
+              <a:rPr lang="zh-TW" altLang="en-US" dirty="0" smtClean="0"/>
+              <a:t>如何</a:t>
+            </a:r>
+            <a:r>
+              <a:rPr lang="zh-TW" altLang="en-US" dirty="0" smtClean="0"/>
+              <a:t>設定查詢參數</a:t>
+            </a:r>
+            <a:endParaRPr lang="en-US" altLang="zh-TW" dirty="0" smtClean="0"/>
+          </a:p>
+          <a:p>
+            <a:pPr lvl="1"/>
+            <a:r>
+              <a:rPr lang="zh-TW" altLang="en-US" dirty="0"/>
+              <a:t>參考 </a:t>
+            </a:r>
+            <a:r>
+              <a:rPr lang="en-US" altLang="zh-TW" dirty="0"/>
+              <a:t>resources Search Parameters </a:t>
+            </a:r>
+            <a:r>
+              <a:rPr lang="zh-TW" altLang="en-US" dirty="0"/>
+              <a:t>說明</a:t>
+            </a:r>
+            <a:endParaRPr lang="en-US" altLang="zh-TW" dirty="0"/>
+          </a:p>
+          <a:p>
+            <a:pPr lvl="1"/>
+            <a:endParaRPr lang="en-US" altLang="zh-TW" dirty="0" smtClean="0"/>
+          </a:p>
+          <a:p>
+            <a:pPr lvl="1"/>
+            <a:r>
+              <a:rPr lang="zh-TW" altLang="en-US" dirty="0" smtClean="0"/>
+              <a:t>參數</a:t>
+            </a:r>
+            <a:r>
+              <a:rPr lang="zh-TW" altLang="en-US" dirty="0" smtClean="0"/>
+              <a:t>有誤時，測試網站會回應查詢參數</a:t>
+            </a:r>
+            <a:endParaRPr lang="en-US" altLang="zh-TW" dirty="0" smtClean="0"/>
+          </a:p>
+          <a:p>
+            <a:endParaRPr lang="en-US" altLang="zh-TW" dirty="0"/>
+          </a:p>
+          <a:p>
+            <a:endParaRPr lang="en-US" altLang="zh-TW" dirty="0" smtClean="0"/>
+          </a:p>
+          <a:p>
+            <a:endParaRPr lang="en-US" altLang="zh-TW" dirty="0" smtClean="0"/>
+          </a:p>
+        </p:txBody>
+      </p:sp>
+    </p:spTree>
+    <p:extLst>
+      <p:ext uri="{BB962C8B-B14F-4D97-AF65-F5344CB8AC3E}">
+        <p14:creationId xmlns:p14="http://schemas.microsoft.com/office/powerpoint/2010/main" val="1726035072"/>
+      </p:ext>
+    </p:extLst>
+  </p:cSld>
+  <p:clrMapOvr>
+    <a:masterClrMapping/>
+  </p:clrMapOvr>
+</p:sld>
+</file>
+
+<file path=ppt/slides/slide28.xml><?xml version="1.0" encoding="utf-8"?>
 <p:sld xmlns:a="http://schemas.openxmlformats.org/drawingml/2006/main" xmlns:r="http://schemas.openxmlformats.org/officeDocument/2006/relationships" xmlns:p="http://schemas.openxmlformats.org/presentationml/2006/main">
   <p:cSld>
     <p:spTree>
@@ -12620,6 +14301,2328 @@
             </p:seq>
           </p:childTnLst>
         </p:cTn>
+      </p:par>
+    </p:tnLst>
+  </p:timing>
+</p:sld>
+</file>
+
+<file path=ppt/slides/slide29.xml><?xml version="1.0" encoding="utf-8"?>
+<p:sld xmlns:a="http://schemas.openxmlformats.org/drawingml/2006/main" xmlns:r="http://schemas.openxmlformats.org/officeDocument/2006/relationships" xmlns:p="http://schemas.openxmlformats.org/presentationml/2006/main">
+  <p:cSld>
+    <p:spTree>
+      <p:nvGrpSpPr>
+        <p:cNvPr id="1" name=""/>
+        <p:cNvGrpSpPr/>
+        <p:nvPr/>
+      </p:nvGrpSpPr>
+      <p:grpSpPr>
+        <a:xfrm>
+          <a:off x="0" y="0"/>
+          <a:ext cx="0" cy="0"/>
+          <a:chOff x="0" y="0"/>
+          <a:chExt cx="0" cy="0"/>
+        </a:xfrm>
+      </p:grpSpPr>
+      <p:sp>
+        <p:nvSpPr>
+          <p:cNvPr id="2" name="標題 1"/>
+          <p:cNvSpPr>
+            <a:spLocks noGrp="1"/>
+          </p:cNvSpPr>
+          <p:nvPr>
+            <p:ph type="title"/>
+          </p:nvPr>
+        </p:nvSpPr>
+        <p:spPr/>
+        <p:txBody>
+          <a:bodyPr/>
+          <a:lstStyle/>
+          <a:p>
+            <a:r>
+              <a:rPr lang="en-US" altLang="zh-TW" dirty="0" smtClean="0"/>
+              <a:t>References</a:t>
+            </a:r>
+            <a:endParaRPr lang="zh-TW" altLang="en-US" dirty="0"/>
+          </a:p>
+        </p:txBody>
+      </p:sp>
+      <p:sp>
+        <p:nvSpPr>
+          <p:cNvPr id="3" name="內容版面配置區 2"/>
+          <p:cNvSpPr>
+            <a:spLocks noGrp="1"/>
+          </p:cNvSpPr>
+          <p:nvPr>
+            <p:ph idx="1"/>
+          </p:nvPr>
+        </p:nvSpPr>
+        <p:spPr/>
+        <p:txBody>
+          <a:bodyPr/>
+          <a:lstStyle/>
+          <a:p>
+            <a:r>
+              <a:rPr lang="en-US" altLang="zh-TW" dirty="0" err="1" smtClean="0"/>
+              <a:t>FHIR</a:t>
+            </a:r>
+            <a:r>
+              <a:rPr lang="en-US" altLang="zh-TW" dirty="0" smtClean="0"/>
+              <a:t> API</a:t>
+            </a:r>
+          </a:p>
+          <a:p>
+            <a:pPr lvl="1"/>
+            <a:r>
+              <a:rPr lang="en-US" altLang="zh-TW" dirty="0"/>
+              <a:t>https://</a:t>
+            </a:r>
+            <a:r>
+              <a:rPr lang="en-US" altLang="zh-TW" dirty="0" err="1" smtClean="0"/>
+              <a:t>www.hl7.org</a:t>
+            </a:r>
+            <a:r>
+              <a:rPr lang="en-US" altLang="zh-TW" dirty="0" smtClean="0"/>
+              <a:t>/</a:t>
+            </a:r>
+            <a:r>
+              <a:rPr lang="en-US" altLang="zh-TW" dirty="0" err="1" smtClean="0"/>
+              <a:t>fhir</a:t>
+            </a:r>
+            <a:r>
+              <a:rPr lang="en-US" altLang="zh-TW" dirty="0" smtClean="0"/>
+              <a:t>/</a:t>
+            </a:r>
+            <a:r>
+              <a:rPr lang="en-US" altLang="zh-TW" dirty="0" err="1" smtClean="0"/>
+              <a:t>http.html</a:t>
+            </a:r>
+            <a:endParaRPr lang="en-US" altLang="zh-TW" dirty="0" smtClean="0"/>
+          </a:p>
+          <a:p>
+            <a:r>
+              <a:rPr lang="en-US" altLang="zh-TW" dirty="0"/>
+              <a:t>RESTful </a:t>
+            </a:r>
+            <a:r>
+              <a:rPr lang="en-US" altLang="zh-TW" dirty="0" smtClean="0"/>
+              <a:t>API</a:t>
+            </a:r>
+          </a:p>
+          <a:p>
+            <a:pPr lvl="1"/>
+            <a:r>
+              <a:rPr lang="en-US" altLang="zh-TW" dirty="0"/>
+              <a:t>https://www.hl7.org/fhir/http.html</a:t>
+            </a:r>
+            <a:endParaRPr lang="en-US" altLang="zh-TW" dirty="0"/>
+          </a:p>
+          <a:p>
+            <a:r>
+              <a:rPr lang="en-US" altLang="zh-TW" dirty="0" err="1" smtClean="0"/>
+              <a:t>FHIR</a:t>
+            </a:r>
+            <a:r>
+              <a:rPr lang="en-US" altLang="zh-TW" dirty="0" smtClean="0"/>
+              <a:t> search API</a:t>
+            </a:r>
+          </a:p>
+          <a:p>
+            <a:pPr lvl="1"/>
+            <a:r>
+              <a:rPr lang="en-US" altLang="zh-TW" dirty="0"/>
+              <a:t>https://</a:t>
+            </a:r>
+            <a:r>
+              <a:rPr lang="en-US" altLang="zh-TW" dirty="0" err="1"/>
+              <a:t>www.hl7.org</a:t>
+            </a:r>
+            <a:r>
+              <a:rPr lang="en-US" altLang="zh-TW" dirty="0"/>
+              <a:t>/</a:t>
+            </a:r>
+            <a:r>
+              <a:rPr lang="en-US" altLang="zh-TW" dirty="0" err="1"/>
+              <a:t>fhir</a:t>
+            </a:r>
+            <a:r>
+              <a:rPr lang="en-US" altLang="zh-TW" dirty="0"/>
+              <a:t>/</a:t>
+            </a:r>
+            <a:r>
+              <a:rPr lang="en-US" altLang="zh-TW" dirty="0" err="1"/>
+              <a:t>search.html</a:t>
+            </a:r>
+            <a:endParaRPr lang="zh-TW" altLang="en-US" dirty="0"/>
+          </a:p>
+        </p:txBody>
+      </p:sp>
+    </p:spTree>
+    <p:extLst>
+      <p:ext uri="{BB962C8B-B14F-4D97-AF65-F5344CB8AC3E}">
+        <p14:creationId xmlns:p14="http://schemas.microsoft.com/office/powerpoint/2010/main" val="3849417820"/>
+      </p:ext>
+    </p:extLst>
+  </p:cSld>
+  <p:clrMapOvr>
+    <a:masterClrMapping/>
+  </p:clrMapOvr>
+  <p:timing>
+    <p:tnLst>
+      <p:par>
+        <p:cTn id="1" dur="indefinite" restart="never" nodeType="tmRoot"/>
+      </p:par>
+    </p:tnLst>
+  </p:timing>
+</p:sld>
+</file>
+
+<file path=ppt/slides/slide3.xml><?xml version="1.0" encoding="utf-8"?>
+<p:sld xmlns:a="http://schemas.openxmlformats.org/drawingml/2006/main" xmlns:r="http://schemas.openxmlformats.org/officeDocument/2006/relationships" xmlns:p="http://schemas.openxmlformats.org/presentationml/2006/main">
+  <p:cSld>
+    <p:spTree>
+      <p:nvGrpSpPr>
+        <p:cNvPr id="1" name=""/>
+        <p:cNvGrpSpPr/>
+        <p:nvPr/>
+      </p:nvGrpSpPr>
+      <p:grpSpPr>
+        <a:xfrm>
+          <a:off x="0" y="0"/>
+          <a:ext cx="0" cy="0"/>
+          <a:chOff x="0" y="0"/>
+          <a:chExt cx="0" cy="0"/>
+        </a:xfrm>
+      </p:grpSpPr>
+      <p:sp>
+        <p:nvSpPr>
+          <p:cNvPr id="2" name="標題 1"/>
+          <p:cNvSpPr>
+            <a:spLocks noGrp="1"/>
+          </p:cNvSpPr>
+          <p:nvPr>
+            <p:ph type="title"/>
+          </p:nvPr>
+        </p:nvSpPr>
+        <p:spPr/>
+        <p:txBody>
+          <a:bodyPr/>
+          <a:lstStyle/>
+          <a:p>
+            <a:r>
+              <a:rPr lang="zh-TW" altLang="en-US" dirty="0" smtClean="0">
+                <a:solidFill>
+                  <a:srgbClr val="FF0000"/>
+                </a:solidFill>
+              </a:rPr>
+              <a:t>自有風格 </a:t>
+            </a:r>
+            <a:r>
+              <a:rPr lang="en-US" altLang="zh-TW" dirty="0" smtClean="0">
+                <a:solidFill>
+                  <a:srgbClr val="FF0000"/>
+                </a:solidFill>
+              </a:rPr>
+              <a:t>API</a:t>
+            </a:r>
+            <a:r>
+              <a:rPr lang="zh-TW" altLang="en-US" dirty="0" smtClean="0">
+                <a:solidFill>
+                  <a:srgbClr val="FF0000"/>
+                </a:solidFill>
+              </a:rPr>
+              <a:t>  </a:t>
+            </a:r>
+            <a:r>
+              <a:rPr lang="en-US" altLang="zh-TW" dirty="0" smtClean="0"/>
+              <a:t>VS</a:t>
+            </a:r>
+            <a:r>
+              <a:rPr lang="zh-TW" altLang="en-US" dirty="0" smtClean="0"/>
+              <a:t> </a:t>
+            </a:r>
+            <a:r>
+              <a:rPr lang="en-US" altLang="zh-TW" dirty="0" smtClean="0">
+                <a:solidFill>
+                  <a:srgbClr val="002060"/>
+                </a:solidFill>
+              </a:rPr>
+              <a:t>Restful API</a:t>
+            </a:r>
+            <a:endParaRPr lang="zh-TW" altLang="en-US" dirty="0">
+              <a:solidFill>
+                <a:srgbClr val="002060"/>
+              </a:solidFill>
+            </a:endParaRPr>
+          </a:p>
+        </p:txBody>
+      </p:sp>
+      <p:sp>
+        <p:nvSpPr>
+          <p:cNvPr id="3" name="內容版面配置區 2"/>
+          <p:cNvSpPr>
+            <a:spLocks noGrp="1"/>
+          </p:cNvSpPr>
+          <p:nvPr>
+            <p:ph idx="1"/>
+          </p:nvPr>
+        </p:nvSpPr>
+        <p:spPr/>
+        <p:txBody>
+          <a:bodyPr>
+            <a:normAutofit lnSpcReduction="10000"/>
+          </a:bodyPr>
+          <a:lstStyle/>
+          <a:p>
+            <a:r>
+              <a:rPr lang="zh-TW" altLang="en-US" dirty="0"/>
+              <a:t>自有風格</a:t>
+            </a:r>
+            <a:endParaRPr lang="en-US" altLang="zh-TW" dirty="0" smtClean="0"/>
+          </a:p>
+          <a:p>
+            <a:pPr lvl="1"/>
+            <a:r>
+              <a:rPr lang="zh-TW" altLang="en-US" dirty="0" smtClean="0"/>
+              <a:t>每個人設計的 </a:t>
+            </a:r>
+            <a:r>
+              <a:rPr lang="en-US" altLang="zh-TW" dirty="0" smtClean="0"/>
+              <a:t>API</a:t>
+            </a:r>
+            <a:r>
+              <a:rPr lang="zh-TW" altLang="en-US" dirty="0" smtClean="0"/>
+              <a:t> 風格可能不同，</a:t>
+            </a:r>
+            <a:r>
+              <a:rPr lang="en-US" altLang="zh-TW" dirty="0" smtClean="0"/>
+              <a:t>e.g.</a:t>
+            </a:r>
+          </a:p>
+          <a:p>
+            <a:pPr lvl="2"/>
+            <a:r>
+              <a:rPr lang="zh-TW" altLang="en-US" dirty="0"/>
+              <a:t>新增</a:t>
+            </a:r>
+            <a:r>
+              <a:rPr lang="zh-TW" altLang="en-US" dirty="0" smtClean="0"/>
+              <a:t>病人 </a:t>
+            </a:r>
+            <a:r>
+              <a:rPr lang="en-US" altLang="zh-TW" dirty="0" smtClean="0"/>
+              <a:t>post     /newPatient.aspx</a:t>
+            </a:r>
+          </a:p>
+          <a:p>
+            <a:pPr lvl="2"/>
+            <a:r>
+              <a:rPr lang="zh-TW" altLang="en-US" dirty="0"/>
+              <a:t>查詢所有</a:t>
+            </a:r>
+            <a:r>
+              <a:rPr lang="zh-TW" altLang="en-US" dirty="0" smtClean="0"/>
+              <a:t>病人 </a:t>
+            </a:r>
+            <a:r>
+              <a:rPr lang="en-US" altLang="zh-TW" dirty="0" smtClean="0"/>
+              <a:t>get   /allPatient.aspx</a:t>
+            </a:r>
+          </a:p>
+          <a:p>
+            <a:pPr lvl="2"/>
+            <a:r>
+              <a:rPr lang="zh-TW" altLang="en-US" dirty="0"/>
+              <a:t>更新病人</a:t>
+            </a:r>
+            <a:r>
+              <a:rPr lang="zh-TW" altLang="en-US" dirty="0" smtClean="0"/>
+              <a:t>資料 </a:t>
+            </a:r>
+            <a:r>
+              <a:rPr lang="en-US" altLang="zh-TW" dirty="0" smtClean="0"/>
+              <a:t>post   /</a:t>
+            </a:r>
+            <a:r>
+              <a:rPr lang="en-US" altLang="zh-TW" dirty="0" err="1" smtClean="0"/>
+              <a:t>upPatient.aspx?pid</a:t>
+            </a:r>
+            <a:r>
+              <a:rPr lang="en-US" altLang="zh-TW" dirty="0" smtClean="0"/>
+              <a:t>=123</a:t>
+            </a:r>
+          </a:p>
+          <a:p>
+            <a:pPr lvl="2"/>
+            <a:r>
+              <a:rPr lang="en-US" altLang="zh-TW" dirty="0" smtClean="0"/>
+              <a:t>....</a:t>
+            </a:r>
+          </a:p>
+          <a:p>
+            <a:pPr lvl="1"/>
+            <a:r>
+              <a:rPr lang="zh-TW" altLang="en-US" dirty="0"/>
+              <a:t>每</a:t>
+            </a:r>
+            <a:r>
+              <a:rPr lang="zh-TW" altLang="en-US" dirty="0" smtClean="0"/>
+              <a:t>個人設計之 </a:t>
+            </a:r>
+            <a:r>
+              <a:rPr lang="en-US" altLang="zh-TW" dirty="0" smtClean="0"/>
+              <a:t>API</a:t>
+            </a:r>
+            <a:r>
+              <a:rPr lang="zh-TW" altLang="en-US" dirty="0" smtClean="0"/>
+              <a:t> </a:t>
+            </a:r>
+            <a:r>
+              <a:rPr lang="zh-TW" altLang="en-US" dirty="0"/>
+              <a:t>語法</a:t>
+            </a:r>
+            <a:r>
+              <a:rPr lang="zh-TW" altLang="en-US" dirty="0" smtClean="0"/>
+              <a:t>及風格不一，造成使用上的困擾</a:t>
+            </a:r>
+            <a:endParaRPr lang="en-US" altLang="zh-TW" dirty="0" smtClean="0"/>
+          </a:p>
+          <a:p>
+            <a:r>
+              <a:rPr lang="en-US" altLang="zh-TW" dirty="0" smtClean="0"/>
+              <a:t>Restful : </a:t>
+            </a:r>
+            <a:r>
+              <a:rPr lang="zh-TW" altLang="en-US" dirty="0" smtClean="0"/>
+              <a:t>資料</a:t>
+            </a:r>
+            <a:r>
+              <a:rPr lang="zh-TW" altLang="en-US" dirty="0"/>
+              <a:t>的增修改查有一致的 </a:t>
+            </a:r>
+            <a:r>
+              <a:rPr lang="en-US" altLang="zh-TW" dirty="0" smtClean="0"/>
+              <a:t>style</a:t>
+            </a:r>
+          </a:p>
+          <a:p>
+            <a:pPr lvl="1"/>
+            <a:r>
+              <a:rPr lang="en-US" altLang="zh-TW" dirty="0" smtClean="0"/>
+              <a:t>Ref: https</a:t>
+            </a:r>
+            <a:r>
+              <a:rPr lang="en-US" altLang="zh-TW" dirty="0"/>
+              <a:t>://</a:t>
+            </a:r>
+            <a:r>
+              <a:rPr lang="en-US" altLang="zh-TW" dirty="0" err="1"/>
+              <a:t>progressbar.tw</a:t>
+            </a:r>
+            <a:r>
+              <a:rPr lang="en-US" altLang="zh-TW" dirty="0"/>
+              <a:t>/posts/53</a:t>
+            </a:r>
+          </a:p>
+          <a:p>
+            <a:endParaRPr lang="zh-TW" altLang="en-US" dirty="0"/>
+          </a:p>
+        </p:txBody>
+      </p:sp>
+    </p:spTree>
+    <p:extLst>
+      <p:ext uri="{BB962C8B-B14F-4D97-AF65-F5344CB8AC3E}">
+        <p14:creationId xmlns:p14="http://schemas.microsoft.com/office/powerpoint/2010/main" val="116478852"/>
+      </p:ext>
+    </p:extLst>
+  </p:cSld>
+  <p:clrMapOvr>
+    <a:masterClrMapping/>
+  </p:clrMapOvr>
+  <p:timing>
+    <p:tnLst>
+      <p:par>
+        <p:cTn id="1" dur="indefinite" restart="never" nodeType="tmRoot"/>
+      </p:par>
+    </p:tnLst>
+  </p:timing>
+</p:sld>
+</file>
+
+<file path=ppt/slides/slide4.xml><?xml version="1.0" encoding="utf-8"?>
+<p:sld xmlns:a="http://schemas.openxmlformats.org/drawingml/2006/main" xmlns:r="http://schemas.openxmlformats.org/officeDocument/2006/relationships" xmlns:p="http://schemas.openxmlformats.org/presentationml/2006/main">
+  <p:cSld>
+    <p:spTree>
+      <p:nvGrpSpPr>
+        <p:cNvPr id="1" name=""/>
+        <p:cNvGrpSpPr/>
+        <p:nvPr/>
+      </p:nvGrpSpPr>
+      <p:grpSpPr>
+        <a:xfrm>
+          <a:off x="0" y="0"/>
+          <a:ext cx="0" cy="0"/>
+          <a:chOff x="0" y="0"/>
+          <a:chExt cx="0" cy="0"/>
+        </a:xfrm>
+      </p:grpSpPr>
+      <p:sp>
+        <p:nvSpPr>
+          <p:cNvPr id="2" name="標題 1"/>
+          <p:cNvSpPr>
+            <a:spLocks noGrp="1"/>
+          </p:cNvSpPr>
+          <p:nvPr>
+            <p:ph type="title"/>
+          </p:nvPr>
+        </p:nvSpPr>
+        <p:spPr/>
+        <p:txBody>
+          <a:bodyPr/>
+          <a:lstStyle/>
+          <a:p>
+            <a:r>
+              <a:rPr lang="zh-TW" altLang="en-US" dirty="0" smtClean="0"/>
+              <a:t>國際大廠也都支援 </a:t>
+            </a:r>
+            <a:r>
+              <a:rPr lang="en-US" altLang="zh-TW" dirty="0" smtClean="0"/>
+              <a:t>FHIR</a:t>
+            </a:r>
+            <a:r>
+              <a:rPr lang="zh-TW" altLang="en-US" dirty="0" smtClean="0"/>
+              <a:t> </a:t>
+            </a:r>
+            <a:r>
+              <a:rPr lang="en-US" altLang="zh-TW" dirty="0" smtClean="0"/>
+              <a:t>API</a:t>
+            </a:r>
+            <a:endParaRPr lang="zh-TW" altLang="en-US" dirty="0"/>
+          </a:p>
+        </p:txBody>
+      </p:sp>
+      <p:sp>
+        <p:nvSpPr>
+          <p:cNvPr id="3" name="內容版面配置區 2"/>
+          <p:cNvSpPr>
+            <a:spLocks noGrp="1"/>
+          </p:cNvSpPr>
+          <p:nvPr>
+            <p:ph idx="1"/>
+          </p:nvPr>
+        </p:nvSpPr>
+        <p:spPr/>
+        <p:txBody>
+          <a:bodyPr/>
+          <a:lstStyle/>
+          <a:p>
+            <a:r>
+              <a:rPr lang="zh-TW" altLang="en-US" dirty="0" smtClean="0"/>
+              <a:t>不再自訂 </a:t>
+            </a:r>
+            <a:r>
+              <a:rPr lang="en-US" altLang="zh-TW" dirty="0" smtClean="0"/>
+              <a:t>API</a:t>
+            </a:r>
+            <a:r>
+              <a:rPr lang="zh-TW" altLang="en-US" dirty="0" smtClean="0"/>
+              <a:t> ，避免造成健康醫療用戶的困擾</a:t>
+            </a:r>
+            <a:endParaRPr lang="zh-TW" altLang="en-US" dirty="0"/>
+          </a:p>
+        </p:txBody>
+      </p:sp>
+    </p:spTree>
+    <p:extLst>
+      <p:ext uri="{BB962C8B-B14F-4D97-AF65-F5344CB8AC3E}">
+        <p14:creationId xmlns:p14="http://schemas.microsoft.com/office/powerpoint/2010/main" val="2407582059"/>
+      </p:ext>
+    </p:extLst>
+  </p:cSld>
+  <p:clrMapOvr>
+    <a:masterClrMapping/>
+  </p:clrMapOvr>
+</p:sld>
+</file>
+
+<file path=ppt/slides/slide5.xml><?xml version="1.0" encoding="utf-8"?>
+<p:sld xmlns:a="http://schemas.openxmlformats.org/drawingml/2006/main" xmlns:r="http://schemas.openxmlformats.org/officeDocument/2006/relationships" xmlns:p="http://schemas.openxmlformats.org/presentationml/2006/main">
+  <p:cSld>
+    <p:spTree>
+      <p:nvGrpSpPr>
+        <p:cNvPr id="1" name=""/>
+        <p:cNvGrpSpPr/>
+        <p:nvPr/>
+      </p:nvGrpSpPr>
+      <p:grpSpPr>
+        <a:xfrm>
+          <a:off x="0" y="0"/>
+          <a:ext cx="0" cy="0"/>
+          <a:chOff x="0" y="0"/>
+          <a:chExt cx="0" cy="0"/>
+        </a:xfrm>
+      </p:grpSpPr>
+      <p:sp>
+        <p:nvSpPr>
+          <p:cNvPr id="16" name="內容版面配置區 15"/>
+          <p:cNvSpPr>
+            <a:spLocks noGrp="1"/>
+          </p:cNvSpPr>
+          <p:nvPr>
+            <p:ph sz="quarter" idx="1"/>
+          </p:nvPr>
+        </p:nvSpPr>
+        <p:spPr>
+          <a:xfrm>
+            <a:off x="463019" y="1412776"/>
+            <a:ext cx="8153400" cy="4495800"/>
+          </a:xfrm>
+        </p:spPr>
+        <p:txBody>
+          <a:bodyPr>
+            <a:normAutofit/>
+          </a:bodyPr>
+          <a:lstStyle/>
+          <a:p>
+            <a:r>
+              <a:rPr lang="en-US" altLang="zh-TW" sz="2800" dirty="0" smtClean="0">
+                <a:latin typeface="+mn-ea"/>
+                <a:cs typeface="Times New Roman" pitchFamily="18" charset="0"/>
+              </a:rPr>
+              <a:t>POST </a:t>
+            </a:r>
+            <a:r>
+              <a:rPr lang="en-US" altLang="zh-TW" sz="2800" dirty="0">
+                <a:solidFill>
+                  <a:srgbClr val="0070C0"/>
+                </a:solidFill>
+                <a:latin typeface="+mn-ea"/>
+                <a:cs typeface="Times New Roman" pitchFamily="18" charset="0"/>
+              </a:rPr>
+              <a:t>http://</a:t>
+            </a:r>
+            <a:r>
+              <a:rPr lang="en-US" altLang="zh-TW" sz="2800" dirty="0" smtClean="0">
+                <a:solidFill>
+                  <a:srgbClr val="0070C0"/>
+                </a:solidFill>
+                <a:latin typeface="+mn-ea"/>
+                <a:cs typeface="Times New Roman" pitchFamily="18" charset="0"/>
+              </a:rPr>
+              <a:t>fhir.base.root/</a:t>
+            </a:r>
+            <a:r>
+              <a:rPr lang="en-US" altLang="zh-TW" sz="2800" dirty="0" smtClean="0">
+                <a:solidFill>
+                  <a:srgbClr val="FF0000"/>
+                </a:solidFill>
+                <a:latin typeface="+mn-ea"/>
+                <a:cs typeface="Times New Roman" pitchFamily="18" charset="0"/>
+              </a:rPr>
+              <a:t>ResourceName</a:t>
+            </a:r>
+            <a:endParaRPr lang="en-US" altLang="zh-TW" sz="2800" dirty="0" smtClean="0">
+              <a:solidFill>
+                <a:srgbClr val="FF0000"/>
+              </a:solidFill>
+              <a:latin typeface="+mn-ea"/>
+              <a:cs typeface="Times New Roman" pitchFamily="18" charset="0"/>
+            </a:endParaRPr>
+          </a:p>
+          <a:p>
+            <a:r>
+              <a:rPr lang="zh-TW" altLang="en-US" sz="2800" b="1" dirty="0" smtClean="0">
+                <a:latin typeface="+mn-ea"/>
+                <a:cs typeface="Times New Roman" pitchFamily="18" charset="0"/>
+              </a:rPr>
+              <a:t>以 </a:t>
+            </a:r>
+            <a:r>
+              <a:rPr lang="en-US" altLang="zh-TW" sz="2800" b="1" dirty="0" err="1" smtClean="0">
+                <a:latin typeface="+mn-ea"/>
+                <a:cs typeface="Times New Roman" pitchFamily="18" charset="0"/>
+              </a:rPr>
+              <a:t>ResourceName</a:t>
+            </a:r>
+            <a:r>
+              <a:rPr lang="en-US" altLang="zh-TW" sz="2800" b="1" dirty="0" smtClean="0">
+                <a:latin typeface="+mn-ea"/>
+                <a:cs typeface="Times New Roman" pitchFamily="18" charset="0"/>
+              </a:rPr>
+              <a:t> </a:t>
+            </a:r>
+            <a:r>
+              <a:rPr lang="zh-TW" altLang="en-US" sz="2800" b="1" dirty="0" smtClean="0">
+                <a:latin typeface="+mn-ea"/>
+                <a:cs typeface="Times New Roman" pitchFamily="18" charset="0"/>
+              </a:rPr>
+              <a:t>指定要新增哪種 </a:t>
+            </a:r>
+            <a:r>
+              <a:rPr lang="en-US" altLang="zh-TW" sz="2800" b="1" dirty="0" smtClean="0">
+                <a:latin typeface="+mn-ea"/>
+                <a:cs typeface="Times New Roman" pitchFamily="18" charset="0"/>
+              </a:rPr>
+              <a:t>resource</a:t>
+            </a:r>
+          </a:p>
+          <a:p>
+            <a:r>
+              <a:rPr lang="zh-TW" altLang="en-US" sz="2800" b="1" dirty="0" smtClean="0">
+                <a:latin typeface="+mn-ea"/>
+                <a:cs typeface="Times New Roman" pitchFamily="18" charset="0"/>
+              </a:rPr>
+              <a:t>以  </a:t>
+            </a:r>
+            <a:r>
+              <a:rPr lang="en-US" altLang="zh-TW" sz="2800" b="1" dirty="0" smtClean="0">
+                <a:latin typeface="+mn-ea"/>
+                <a:cs typeface="Times New Roman" pitchFamily="18" charset="0"/>
+              </a:rPr>
+              <a:t>HTTP</a:t>
+            </a:r>
+            <a:r>
+              <a:rPr lang="zh-TW" altLang="en-US" sz="2800" b="1" dirty="0" smtClean="0">
+                <a:latin typeface="+mn-ea"/>
+                <a:cs typeface="Times New Roman" pitchFamily="18" charset="0"/>
+              </a:rPr>
+              <a:t> </a:t>
+            </a:r>
+            <a:r>
+              <a:rPr lang="en-US" altLang="zh-TW" sz="2800" b="1" dirty="0" smtClean="0">
+                <a:latin typeface="+mn-ea"/>
+                <a:cs typeface="Times New Roman" pitchFamily="18" charset="0"/>
+              </a:rPr>
+              <a:t>post</a:t>
+            </a:r>
+            <a:r>
+              <a:rPr lang="zh-TW" altLang="en-US" sz="2800" b="1" dirty="0" smtClean="0">
+                <a:latin typeface="+mn-ea"/>
+                <a:cs typeface="Times New Roman" pitchFamily="18" charset="0"/>
+              </a:rPr>
+              <a:t> 上傳</a:t>
+            </a:r>
+            <a:r>
+              <a:rPr lang="en-US" altLang="zh-TW" sz="2800" b="1" dirty="0" smtClean="0">
+                <a:latin typeface="+mn-ea"/>
+                <a:cs typeface="Times New Roman" pitchFamily="18" charset="0"/>
+              </a:rPr>
+              <a:t>resource </a:t>
+            </a:r>
+          </a:p>
+          <a:p>
+            <a:pPr lvl="1"/>
+            <a:r>
+              <a:rPr lang="zh-TW" altLang="en-US" sz="2400" b="1" dirty="0" smtClean="0">
+                <a:latin typeface="+mn-ea"/>
+                <a:cs typeface="Times New Roman" pitchFamily="18" charset="0"/>
+              </a:rPr>
+              <a:t>例如新增 </a:t>
+            </a:r>
+            <a:r>
+              <a:rPr lang="en-US" altLang="zh-TW" sz="2400" b="1" dirty="0" smtClean="0">
+                <a:latin typeface="+mn-ea"/>
+                <a:cs typeface="Times New Roman" pitchFamily="18" charset="0"/>
+              </a:rPr>
+              <a:t>Organization(</a:t>
+            </a:r>
+            <a:r>
+              <a:rPr lang="zh-TW" altLang="en-US" sz="2400" b="1" dirty="0" smtClean="0">
+                <a:latin typeface="+mn-ea"/>
+                <a:cs typeface="Times New Roman" pitchFamily="18" charset="0"/>
+              </a:rPr>
+              <a:t>組織</a:t>
+            </a:r>
+            <a:r>
+              <a:rPr lang="en-US" altLang="zh-TW" sz="2400" b="1" dirty="0" smtClean="0">
+                <a:latin typeface="+mn-ea"/>
+                <a:cs typeface="Times New Roman" pitchFamily="18" charset="0"/>
+              </a:rPr>
+              <a:t>)</a:t>
+            </a:r>
+            <a:r>
+              <a:rPr lang="zh-TW" altLang="en-US" sz="2400" b="1" dirty="0" smtClean="0">
+                <a:latin typeface="+mn-ea"/>
+                <a:cs typeface="Times New Roman" pitchFamily="18" charset="0"/>
+              </a:rPr>
+              <a:t>、</a:t>
+            </a:r>
+            <a:r>
+              <a:rPr lang="en-US" altLang="zh-TW" sz="2400" b="1" dirty="0" smtClean="0">
+                <a:latin typeface="+mn-ea"/>
+                <a:cs typeface="Times New Roman" pitchFamily="18" charset="0"/>
+              </a:rPr>
+              <a:t>Patient(</a:t>
+            </a:r>
+            <a:r>
+              <a:rPr lang="zh-TW" altLang="en-US" sz="2400" b="1" dirty="0" smtClean="0">
+                <a:latin typeface="+mn-ea"/>
+                <a:cs typeface="Times New Roman" pitchFamily="18" charset="0"/>
+              </a:rPr>
+              <a:t>病人</a:t>
+            </a:r>
+            <a:r>
+              <a:rPr lang="en-US" altLang="zh-TW" sz="2400" b="1" dirty="0" smtClean="0">
+                <a:latin typeface="+mn-ea"/>
+                <a:cs typeface="Times New Roman" pitchFamily="18" charset="0"/>
+              </a:rPr>
+              <a:t>)</a:t>
+            </a:r>
+            <a:r>
+              <a:rPr lang="zh-TW" altLang="en-US" sz="2400" b="1" dirty="0" smtClean="0">
+                <a:latin typeface="+mn-ea"/>
+                <a:cs typeface="Times New Roman" pitchFamily="18" charset="0"/>
+              </a:rPr>
+              <a:t>、</a:t>
+            </a:r>
+            <a:r>
+              <a:rPr lang="en-US" altLang="zh-TW" sz="2400" b="1" dirty="0" smtClean="0">
+                <a:latin typeface="+mn-ea"/>
+                <a:cs typeface="Times New Roman" pitchFamily="18" charset="0"/>
+              </a:rPr>
+              <a:t>Observation(</a:t>
+            </a:r>
+            <a:r>
+              <a:rPr lang="zh-TW" altLang="en-US" sz="2400" b="1" dirty="0" smtClean="0">
+                <a:latin typeface="+mn-ea"/>
+                <a:cs typeface="Times New Roman" pitchFamily="18" charset="0"/>
+              </a:rPr>
+              <a:t>量測資料</a:t>
+            </a:r>
+            <a:r>
+              <a:rPr lang="en-US" altLang="zh-TW" sz="2400" b="1" dirty="0" smtClean="0">
+                <a:latin typeface="+mn-ea"/>
+                <a:cs typeface="Times New Roman" pitchFamily="18" charset="0"/>
+              </a:rPr>
+              <a:t>(</a:t>
+            </a:r>
+            <a:r>
+              <a:rPr lang="zh-TW" altLang="en-US" sz="2400" b="1" dirty="0" smtClean="0">
+                <a:latin typeface="+mn-ea"/>
+                <a:cs typeface="Times New Roman" pitchFamily="18" charset="0"/>
+              </a:rPr>
+              <a:t>等</a:t>
+            </a:r>
+            <a:endParaRPr lang="en-US" altLang="zh-TW" sz="2400" b="1" dirty="0" smtClean="0">
+              <a:latin typeface="+mn-ea"/>
+              <a:cs typeface="Times New Roman" pitchFamily="18" charset="0"/>
+            </a:endParaRPr>
+          </a:p>
+          <a:p>
+            <a:r>
+              <a:rPr lang="zh-TW" altLang="en-US" sz="2800" b="1" dirty="0" smtClean="0">
+                <a:latin typeface="+mn-ea"/>
+                <a:cs typeface="Times New Roman" pitchFamily="18" charset="0"/>
+              </a:rPr>
+              <a:t>注意事項</a:t>
+            </a:r>
+            <a:endParaRPr lang="en-US" altLang="zh-TW" sz="2800" b="1" dirty="0" smtClean="0">
+              <a:latin typeface="+mn-ea"/>
+              <a:cs typeface="Times New Roman" pitchFamily="18" charset="0"/>
+            </a:endParaRPr>
+          </a:p>
+          <a:p>
+            <a:pPr lvl="1"/>
+            <a:r>
+              <a:rPr lang="zh-TW" altLang="en-US" sz="2400" b="1" dirty="0" smtClean="0">
+                <a:latin typeface="+mn-ea"/>
+                <a:cs typeface="Times New Roman" pitchFamily="18" charset="0"/>
+              </a:rPr>
+              <a:t>上傳</a:t>
+            </a:r>
+            <a:r>
+              <a:rPr lang="zh-TW" altLang="en-US" sz="2400" b="1" dirty="0">
+                <a:latin typeface="+mn-ea"/>
+                <a:cs typeface="Times New Roman" pitchFamily="18" charset="0"/>
+              </a:rPr>
+              <a:t>資料</a:t>
+            </a:r>
+            <a:r>
+              <a:rPr lang="zh-TW" altLang="en-US" sz="2400" b="1" dirty="0" smtClean="0">
+                <a:latin typeface="+mn-ea"/>
+                <a:cs typeface="Times New Roman" pitchFamily="18" charset="0"/>
+              </a:rPr>
+              <a:t>格式的正確</a:t>
+            </a:r>
+            <a:r>
+              <a:rPr lang="zh-TW" altLang="en-US" sz="2400" b="1" dirty="0">
+                <a:latin typeface="+mn-ea"/>
+                <a:cs typeface="Times New Roman" pitchFamily="18" charset="0"/>
+              </a:rPr>
+              <a:t>性</a:t>
+            </a:r>
+            <a:endParaRPr lang="en-US" altLang="zh-TW" sz="2400" b="1" dirty="0" smtClean="0">
+              <a:latin typeface="+mn-ea"/>
+              <a:cs typeface="Times New Roman" pitchFamily="18" charset="0"/>
+            </a:endParaRPr>
+          </a:p>
+          <a:p>
+            <a:pPr lvl="1"/>
+            <a:r>
+              <a:rPr lang="zh-TW" altLang="en-US" sz="2400" b="1" dirty="0" smtClean="0">
+                <a:latin typeface="+mn-ea"/>
+                <a:cs typeface="Times New Roman" pitchFamily="18" charset="0"/>
+              </a:rPr>
+              <a:t>上傳的 </a:t>
+            </a:r>
+            <a:r>
+              <a:rPr lang="en-US" altLang="zh-TW" sz="2400" b="1" dirty="0" smtClean="0">
+                <a:latin typeface="+mn-ea"/>
+                <a:cs typeface="Times New Roman" pitchFamily="18" charset="0"/>
+              </a:rPr>
+              <a:t>resource </a:t>
+            </a:r>
+            <a:r>
+              <a:rPr lang="zh-TW" altLang="en-US" sz="2400" b="1" dirty="0" smtClean="0">
+                <a:latin typeface="+mn-ea"/>
+                <a:cs typeface="Times New Roman" pitchFamily="18" charset="0"/>
+              </a:rPr>
+              <a:t>中若有 </a:t>
+            </a:r>
+            <a:r>
+              <a:rPr lang="en-US" altLang="zh-TW" sz="2400" b="1" dirty="0" smtClean="0">
+                <a:latin typeface="+mn-ea"/>
+                <a:cs typeface="Times New Roman" pitchFamily="18" charset="0"/>
+              </a:rPr>
+              <a:t>reference </a:t>
+            </a:r>
+            <a:r>
+              <a:rPr lang="zh-TW" altLang="en-US" sz="2400" b="1" dirty="0" smtClean="0">
+                <a:latin typeface="+mn-ea"/>
+                <a:cs typeface="Times New Roman" pitchFamily="18" charset="0"/>
+              </a:rPr>
+              <a:t>到其他 </a:t>
+            </a:r>
+            <a:r>
+              <a:rPr lang="en-US" altLang="zh-TW" sz="2400" b="1" dirty="0" smtClean="0">
+                <a:latin typeface="+mn-ea"/>
+                <a:cs typeface="Times New Roman" pitchFamily="18" charset="0"/>
+              </a:rPr>
+              <a:t>resource</a:t>
+            </a:r>
+            <a:r>
+              <a:rPr lang="zh-TW" altLang="en-US" sz="2400" b="1" dirty="0" smtClean="0">
+                <a:latin typeface="+mn-ea"/>
+                <a:cs typeface="Times New Roman" pitchFamily="18" charset="0"/>
+              </a:rPr>
+              <a:t>，被參考的 </a:t>
+            </a:r>
+            <a:r>
+              <a:rPr lang="en-US" altLang="zh-TW" sz="2400" b="1" dirty="0" smtClean="0">
+                <a:latin typeface="+mn-ea"/>
+                <a:cs typeface="Times New Roman" pitchFamily="18" charset="0"/>
+              </a:rPr>
+              <a:t>FHIR</a:t>
+            </a:r>
+            <a:r>
+              <a:rPr lang="zh-TW" altLang="en-US" sz="2400" b="1" dirty="0" smtClean="0">
+                <a:latin typeface="+mn-ea"/>
+                <a:cs typeface="Times New Roman" pitchFamily="18" charset="0"/>
+              </a:rPr>
+              <a:t> </a:t>
+            </a:r>
+            <a:r>
+              <a:rPr lang="en-US" altLang="zh-TW" sz="2400" b="1" dirty="0" smtClean="0">
+                <a:latin typeface="+mn-ea"/>
+                <a:cs typeface="Times New Roman" pitchFamily="18" charset="0"/>
+              </a:rPr>
+              <a:t>resources </a:t>
+            </a:r>
+            <a:r>
+              <a:rPr lang="zh-TW" altLang="en-US" sz="2400" b="1" dirty="0" smtClean="0">
+                <a:latin typeface="+mn-ea"/>
+                <a:cs typeface="Times New Roman" pitchFamily="18" charset="0"/>
+              </a:rPr>
+              <a:t>必須存在 </a:t>
+            </a:r>
+            <a:endParaRPr lang="en-US" altLang="zh-TW" sz="2400" b="1" dirty="0" smtClean="0">
+              <a:latin typeface="+mn-ea"/>
+              <a:cs typeface="Times New Roman" pitchFamily="18" charset="0"/>
+            </a:endParaRPr>
+          </a:p>
+        </p:txBody>
+      </p:sp>
+      <p:sp>
+        <p:nvSpPr>
+          <p:cNvPr id="33" name="Title 2"/>
+          <p:cNvSpPr>
+            <a:spLocks noGrp="1"/>
+          </p:cNvSpPr>
+          <p:nvPr>
+            <p:ph type="title"/>
+          </p:nvPr>
+        </p:nvSpPr>
+        <p:spPr>
+          <a:xfrm>
+            <a:off x="402764" y="260648"/>
+            <a:ext cx="8181808" cy="634083"/>
+          </a:xfrm>
+        </p:spPr>
+        <p:txBody>
+          <a:bodyPr>
+            <a:noAutofit/>
+          </a:bodyPr>
+          <a:lstStyle/>
+          <a:p>
+            <a:pPr algn="ctr"/>
+            <a:r>
+              <a:rPr lang="en-US" altLang="zh-TW" sz="4000" b="1" dirty="0" smtClean="0">
+                <a:solidFill>
+                  <a:srgbClr val="000000"/>
+                </a:solidFill>
+              </a:rPr>
+              <a:t>FHIR</a:t>
+            </a:r>
+            <a:r>
+              <a:rPr lang="zh-TW" altLang="en-US" sz="4000" b="1" dirty="0" smtClean="0">
+                <a:solidFill>
+                  <a:srgbClr val="000000"/>
+                </a:solidFill>
+              </a:rPr>
+              <a:t> </a:t>
+            </a:r>
+            <a:r>
+              <a:rPr lang="en-US" altLang="zh-TW" sz="4000" b="1" dirty="0" smtClean="0">
+                <a:solidFill>
+                  <a:srgbClr val="000000"/>
+                </a:solidFill>
+              </a:rPr>
+              <a:t>API—</a:t>
+            </a:r>
+            <a:r>
+              <a:rPr lang="zh-TW" altLang="en-US" sz="4000" b="1" dirty="0" smtClean="0">
+                <a:solidFill>
+                  <a:srgbClr val="FF0000"/>
+                </a:solidFill>
+              </a:rPr>
+              <a:t>新增</a:t>
+            </a:r>
+            <a:r>
+              <a:rPr lang="zh-TW" altLang="en-US" sz="4000" b="1" dirty="0" smtClean="0">
+                <a:solidFill>
+                  <a:srgbClr val="000000"/>
+                </a:solidFill>
+              </a:rPr>
+              <a:t> </a:t>
+            </a:r>
+            <a:r>
+              <a:rPr lang="en-US" altLang="zh-TW" sz="4000" b="1" dirty="0" smtClean="0">
+                <a:solidFill>
+                  <a:srgbClr val="000000"/>
+                </a:solidFill>
+              </a:rPr>
+              <a:t>resources</a:t>
+            </a:r>
+            <a:endParaRPr lang="en-GB" sz="4000" b="1" dirty="0">
+              <a:solidFill>
+                <a:srgbClr val="000000"/>
+              </a:solidFill>
+            </a:endParaRPr>
+          </a:p>
+        </p:txBody>
+      </p:sp>
+    </p:spTree>
+    <p:extLst>
+      <p:ext uri="{BB962C8B-B14F-4D97-AF65-F5344CB8AC3E}">
+        <p14:creationId xmlns:p14="http://schemas.microsoft.com/office/powerpoint/2010/main" val="4106791246"/>
+      </p:ext>
+    </p:extLst>
+  </p:cSld>
+  <p:clrMapOvr>
+    <a:masterClrMapping/>
+  </p:clrMapOvr>
+  <p:timing>
+    <p:tnLst>
+      <p:par>
+        <p:cTn id="1" dur="indefinite" restart="never" nodeType="tmRoot"/>
+      </p:par>
+    </p:tnLst>
+  </p:timing>
+</p:sld>
+</file>
+
+<file path=ppt/slides/slide6.xml><?xml version="1.0" encoding="utf-8"?>
+<p:sld xmlns:a="http://schemas.openxmlformats.org/drawingml/2006/main" xmlns:r="http://schemas.openxmlformats.org/officeDocument/2006/relationships" xmlns:p="http://schemas.openxmlformats.org/presentationml/2006/main">
+  <p:cSld>
+    <p:spTree>
+      <p:nvGrpSpPr>
+        <p:cNvPr id="1" name=""/>
+        <p:cNvGrpSpPr/>
+        <p:nvPr/>
+      </p:nvGrpSpPr>
+      <p:grpSpPr>
+        <a:xfrm>
+          <a:off x="0" y="0"/>
+          <a:ext cx="0" cy="0"/>
+          <a:chOff x="0" y="0"/>
+          <a:chExt cx="0" cy="0"/>
+        </a:xfrm>
+      </p:grpSpPr>
+      <p:sp>
+        <p:nvSpPr>
+          <p:cNvPr id="2" name="標題 1"/>
+          <p:cNvSpPr>
+            <a:spLocks noGrp="1"/>
+          </p:cNvSpPr>
+          <p:nvPr>
+            <p:ph type="title"/>
+          </p:nvPr>
+        </p:nvSpPr>
+        <p:spPr/>
+        <p:txBody>
+          <a:bodyPr/>
+          <a:lstStyle/>
+          <a:p>
+            <a:r>
+              <a:rPr lang="zh-TW" altLang="en-US" dirty="0" smtClean="0"/>
+              <a:t>新增病人的狀況</a:t>
+            </a:r>
+            <a:endParaRPr lang="zh-TW" altLang="en-US" dirty="0"/>
+          </a:p>
+        </p:txBody>
+      </p:sp>
+      <p:sp>
+        <p:nvSpPr>
+          <p:cNvPr id="3" name="內容版面配置區 2"/>
+          <p:cNvSpPr>
+            <a:spLocks noGrp="1"/>
+          </p:cNvSpPr>
+          <p:nvPr>
+            <p:ph idx="1"/>
+          </p:nvPr>
+        </p:nvSpPr>
+        <p:spPr/>
+        <p:txBody>
+          <a:bodyPr/>
+          <a:lstStyle/>
+          <a:p>
+            <a:r>
+              <a:rPr lang="en-US" altLang="zh-TW" dirty="0" smtClean="0"/>
+              <a:t>HTTP</a:t>
+            </a:r>
+            <a:r>
+              <a:rPr lang="zh-TW" altLang="en-US" dirty="0" smtClean="0"/>
+              <a:t> </a:t>
+            </a:r>
+            <a:r>
+              <a:rPr lang="en-US" altLang="zh-TW" dirty="0" smtClean="0"/>
+              <a:t>POST</a:t>
+            </a:r>
+            <a:r>
+              <a:rPr lang="zh-TW" altLang="en-US" dirty="0" smtClean="0"/>
+              <a:t> 建立狀況，語法</a:t>
+            </a:r>
+            <a:endParaRPr lang="en-US" altLang="zh-TW" dirty="0" smtClean="0"/>
+          </a:p>
+          <a:p>
+            <a:pPr lvl="1"/>
+            <a:r>
+              <a:rPr lang="en-US" altLang="zh-TW" dirty="0" smtClean="0">
+                <a:solidFill>
+                  <a:srgbClr val="00B0F0"/>
+                </a:solidFill>
+              </a:rPr>
+              <a:t>http</a:t>
+            </a:r>
+            <a:r>
+              <a:rPr lang="en-US" altLang="zh-TW" dirty="0">
+                <a:solidFill>
+                  <a:srgbClr val="00B0F0"/>
+                </a:solidFill>
+              </a:rPr>
+              <a:t>://</a:t>
+            </a:r>
+            <a:r>
+              <a:rPr lang="en-US" altLang="zh-TW" dirty="0" smtClean="0">
+                <a:solidFill>
+                  <a:srgbClr val="00B0F0"/>
+                </a:solidFill>
+              </a:rPr>
+              <a:t>fhir.base.root/</a:t>
+            </a:r>
+            <a:r>
+              <a:rPr lang="en-US" altLang="zh-TW" dirty="0" smtClean="0">
+                <a:solidFill>
+                  <a:srgbClr val="FF0000"/>
+                </a:solidFill>
+              </a:rPr>
+              <a:t>Condition</a:t>
+            </a:r>
+            <a:endParaRPr lang="en-US" altLang="zh-TW" dirty="0">
+              <a:solidFill>
+                <a:srgbClr val="FF0000"/>
+              </a:solidFill>
+            </a:endParaRPr>
+          </a:p>
+          <a:p>
+            <a:pPr lvl="2"/>
+            <a:r>
+              <a:rPr lang="en-US" altLang="zh-TW" dirty="0" smtClean="0">
+                <a:solidFill>
+                  <a:srgbClr val="FF0000"/>
+                </a:solidFill>
+              </a:rPr>
+              <a:t>Condition </a:t>
+            </a:r>
+            <a:r>
+              <a:rPr lang="zh-TW" altLang="en-US" dirty="0" smtClean="0">
+                <a:solidFill>
+                  <a:srgbClr val="FF0000"/>
+                </a:solidFill>
+              </a:rPr>
+              <a:t>中 </a:t>
+            </a:r>
+            <a:r>
+              <a:rPr lang="en-US" altLang="zh-TW" dirty="0" smtClean="0">
+                <a:solidFill>
+                  <a:srgbClr val="FF0000"/>
+                </a:solidFill>
+              </a:rPr>
+              <a:t>subject = patient id</a:t>
+            </a:r>
+          </a:p>
+          <a:p>
+            <a:pPr lvl="1"/>
+            <a:r>
+              <a:rPr lang="zh-TW" altLang="en-US" dirty="0" smtClean="0"/>
+              <a:t>創建成功，</a:t>
+            </a:r>
+            <a:r>
+              <a:rPr lang="en-US" altLang="zh-TW" dirty="0" err="1" smtClean="0"/>
+              <a:t>FHIR</a:t>
+            </a:r>
+            <a:r>
+              <a:rPr lang="zh-TW" altLang="en-US" dirty="0" smtClean="0"/>
+              <a:t> </a:t>
+            </a:r>
+            <a:r>
+              <a:rPr lang="en-US" altLang="zh-TW" dirty="0" smtClean="0"/>
+              <a:t>server</a:t>
+            </a:r>
+            <a:r>
+              <a:rPr lang="zh-TW" altLang="en-US" dirty="0" smtClean="0"/>
+              <a:t> 回應取得此 </a:t>
+            </a:r>
+            <a:r>
+              <a:rPr lang="en-US" altLang="zh-TW" dirty="0" smtClean="0"/>
+              <a:t>condition </a:t>
+            </a:r>
+            <a:r>
+              <a:rPr lang="zh-TW" altLang="en-US" dirty="0" smtClean="0"/>
+              <a:t>之 </a:t>
+            </a:r>
+            <a:r>
+              <a:rPr lang="en-US" altLang="zh-TW" dirty="0" smtClean="0"/>
+              <a:t>URL</a:t>
+            </a:r>
+          </a:p>
+          <a:p>
+            <a:pPr lvl="2"/>
+            <a:r>
+              <a:rPr lang="zh-TW" altLang="en-US" dirty="0" smtClean="0"/>
+              <a:t>通常使用 </a:t>
+            </a:r>
+            <a:r>
+              <a:rPr lang="en-US" altLang="zh-TW" dirty="0" smtClean="0"/>
+              <a:t>patient id </a:t>
+            </a:r>
+            <a:r>
+              <a:rPr lang="zh-TW" altLang="en-US" dirty="0" smtClean="0"/>
+              <a:t>調閱病人之所有狀況</a:t>
+            </a:r>
+            <a:endParaRPr lang="en-US" altLang="zh-TW" dirty="0" smtClean="0"/>
+          </a:p>
+        </p:txBody>
+      </p:sp>
+    </p:spTree>
+    <p:extLst>
+      <p:ext uri="{BB962C8B-B14F-4D97-AF65-F5344CB8AC3E}">
+        <p14:creationId xmlns:p14="http://schemas.microsoft.com/office/powerpoint/2010/main" val="1856746383"/>
+      </p:ext>
+    </p:extLst>
+  </p:cSld>
+  <p:clrMapOvr>
+    <a:masterClrMapping/>
+  </p:clrMapOvr>
+  <p:timing>
+    <p:tnLst>
+      <p:par>
+        <p:cTn id="1" dur="indefinite" restart="never" nodeType="tmRoot"/>
+      </p:par>
+    </p:tnLst>
+  </p:timing>
+</p:sld>
+</file>
+
+<file path=ppt/slides/slide7.xml><?xml version="1.0" encoding="utf-8"?>
+<p:sld xmlns:a="http://schemas.openxmlformats.org/drawingml/2006/main" xmlns:r="http://schemas.openxmlformats.org/officeDocument/2006/relationships" xmlns:p="http://schemas.openxmlformats.org/presentationml/2006/main">
+  <p:cSld>
+    <p:spTree>
+      <p:nvGrpSpPr>
+        <p:cNvPr id="1" name=""/>
+        <p:cNvGrpSpPr/>
+        <p:nvPr/>
+      </p:nvGrpSpPr>
+      <p:grpSpPr>
+        <a:xfrm>
+          <a:off x="0" y="0"/>
+          <a:ext cx="0" cy="0"/>
+          <a:chOff x="0" y="0"/>
+          <a:chExt cx="0" cy="0"/>
+        </a:xfrm>
+      </p:grpSpPr>
+      <p:sp>
+        <p:nvSpPr>
+          <p:cNvPr id="2" name="標題 1"/>
+          <p:cNvSpPr>
+            <a:spLocks noGrp="1"/>
+          </p:cNvSpPr>
+          <p:nvPr>
+            <p:ph type="title"/>
+          </p:nvPr>
+        </p:nvSpPr>
+        <p:spPr/>
+        <p:txBody>
+          <a:bodyPr/>
+          <a:lstStyle/>
+          <a:p>
+            <a:r>
+              <a:rPr lang="zh-TW" altLang="en-US" dirty="0" smtClean="0"/>
+              <a:t>新增病人的檢測資訊</a:t>
+            </a:r>
+            <a:endParaRPr lang="zh-TW" altLang="en-US" dirty="0"/>
+          </a:p>
+        </p:txBody>
+      </p:sp>
+      <p:sp>
+        <p:nvSpPr>
+          <p:cNvPr id="3" name="內容版面配置區 2"/>
+          <p:cNvSpPr>
+            <a:spLocks noGrp="1"/>
+          </p:cNvSpPr>
+          <p:nvPr>
+            <p:ph idx="1"/>
+          </p:nvPr>
+        </p:nvSpPr>
+        <p:spPr/>
+        <p:txBody>
+          <a:bodyPr/>
+          <a:lstStyle/>
+          <a:p>
+            <a:r>
+              <a:rPr lang="en-US" altLang="zh-TW" dirty="0" smtClean="0"/>
+              <a:t>HTTP</a:t>
+            </a:r>
+            <a:r>
+              <a:rPr lang="zh-TW" altLang="en-US" dirty="0" smtClean="0"/>
+              <a:t> </a:t>
+            </a:r>
+            <a:r>
+              <a:rPr lang="en-US" altLang="zh-TW" dirty="0" smtClean="0"/>
+              <a:t>POST</a:t>
+            </a:r>
+            <a:r>
+              <a:rPr lang="zh-TW" altLang="en-US" dirty="0" smtClean="0"/>
+              <a:t> 建立狀況，語法</a:t>
+            </a:r>
+            <a:endParaRPr lang="en-US" altLang="zh-TW" dirty="0" smtClean="0"/>
+          </a:p>
+          <a:p>
+            <a:pPr lvl="1"/>
+            <a:r>
+              <a:rPr lang="en-US" altLang="zh-TW" dirty="0" smtClean="0">
+                <a:solidFill>
+                  <a:srgbClr val="00B0F0"/>
+                </a:solidFill>
+              </a:rPr>
+              <a:t>http</a:t>
+            </a:r>
+            <a:r>
+              <a:rPr lang="en-US" altLang="zh-TW" dirty="0">
+                <a:solidFill>
+                  <a:srgbClr val="00B0F0"/>
+                </a:solidFill>
+              </a:rPr>
+              <a:t>://</a:t>
+            </a:r>
+            <a:r>
+              <a:rPr lang="en-US" altLang="zh-TW" dirty="0" err="1" smtClean="0">
+                <a:solidFill>
+                  <a:srgbClr val="00B0F0"/>
+                </a:solidFill>
+              </a:rPr>
+              <a:t>fhie.base.root</a:t>
+            </a:r>
+            <a:r>
+              <a:rPr lang="en-US" altLang="zh-TW" dirty="0" smtClean="0">
+                <a:solidFill>
+                  <a:srgbClr val="00B0F0"/>
+                </a:solidFill>
+              </a:rPr>
+              <a:t>/</a:t>
+            </a:r>
+            <a:r>
+              <a:rPr lang="en-US" altLang="zh-TW" dirty="0" smtClean="0">
+                <a:solidFill>
+                  <a:srgbClr val="FF0000"/>
+                </a:solidFill>
+              </a:rPr>
+              <a:t>Observation</a:t>
+            </a:r>
+            <a:endParaRPr lang="en-US" altLang="zh-TW" dirty="0">
+              <a:solidFill>
+                <a:srgbClr val="FF0000"/>
+              </a:solidFill>
+            </a:endParaRPr>
+          </a:p>
+          <a:p>
+            <a:pPr lvl="2"/>
+            <a:r>
+              <a:rPr lang="en-US" altLang="zh-TW" dirty="0" smtClean="0">
+                <a:solidFill>
+                  <a:srgbClr val="FF0000"/>
+                </a:solidFill>
+              </a:rPr>
+              <a:t>Observation </a:t>
+            </a:r>
+            <a:r>
+              <a:rPr lang="zh-TW" altLang="en-US" dirty="0" smtClean="0">
+                <a:solidFill>
+                  <a:srgbClr val="FF0000"/>
+                </a:solidFill>
+              </a:rPr>
+              <a:t>中 </a:t>
+            </a:r>
+            <a:r>
+              <a:rPr lang="en-US" altLang="zh-TW" dirty="0" smtClean="0">
+                <a:solidFill>
+                  <a:srgbClr val="FF0000"/>
+                </a:solidFill>
+              </a:rPr>
+              <a:t>subject = patient id</a:t>
+            </a:r>
+          </a:p>
+          <a:p>
+            <a:pPr lvl="1"/>
+            <a:r>
+              <a:rPr lang="zh-TW" altLang="en-US" dirty="0" smtClean="0"/>
+              <a:t>創建成功，</a:t>
+            </a:r>
+            <a:r>
+              <a:rPr lang="en-US" altLang="zh-TW" dirty="0" err="1" smtClean="0"/>
+              <a:t>FHIR</a:t>
+            </a:r>
+            <a:r>
+              <a:rPr lang="zh-TW" altLang="en-US" dirty="0" smtClean="0"/>
+              <a:t> </a:t>
+            </a:r>
+            <a:r>
+              <a:rPr lang="en-US" altLang="zh-TW" dirty="0" smtClean="0"/>
+              <a:t>server</a:t>
+            </a:r>
+            <a:r>
+              <a:rPr lang="zh-TW" altLang="en-US" dirty="0" smtClean="0"/>
+              <a:t> 回應取得此 </a:t>
+            </a:r>
+            <a:r>
+              <a:rPr lang="en-US" altLang="zh-TW" dirty="0" smtClean="0"/>
+              <a:t>observation </a:t>
+            </a:r>
+            <a:r>
+              <a:rPr lang="zh-TW" altLang="en-US" dirty="0" smtClean="0"/>
+              <a:t>之 </a:t>
+            </a:r>
+            <a:r>
+              <a:rPr lang="en-US" altLang="zh-TW" dirty="0" smtClean="0"/>
+              <a:t>URL</a:t>
+            </a:r>
+          </a:p>
+          <a:p>
+            <a:pPr lvl="2"/>
+            <a:r>
+              <a:rPr lang="zh-TW" altLang="en-US" dirty="0" smtClean="0"/>
+              <a:t>通常使用 </a:t>
+            </a:r>
+            <a:r>
+              <a:rPr lang="en-US" altLang="zh-TW" dirty="0" smtClean="0"/>
+              <a:t>patient id </a:t>
+            </a:r>
+            <a:r>
+              <a:rPr lang="zh-TW" altLang="en-US" dirty="0" smtClean="0"/>
+              <a:t>調閱病人之所有檢測資訊</a:t>
+            </a:r>
+            <a:endParaRPr lang="en-US" altLang="zh-TW" dirty="0" smtClean="0"/>
+          </a:p>
+          <a:p>
+            <a:pPr lvl="2"/>
+            <a:r>
+              <a:rPr lang="zh-TW" altLang="en-US" dirty="0" smtClean="0"/>
+              <a:t>可搭配日期做查詢</a:t>
+            </a:r>
+            <a:endParaRPr lang="en-US" altLang="zh-TW" dirty="0" smtClean="0"/>
+          </a:p>
+        </p:txBody>
+      </p:sp>
+    </p:spTree>
+    <p:extLst>
+      <p:ext uri="{BB962C8B-B14F-4D97-AF65-F5344CB8AC3E}">
+        <p14:creationId xmlns:p14="http://schemas.microsoft.com/office/powerpoint/2010/main" val="1792299058"/>
+      </p:ext>
+    </p:extLst>
+  </p:cSld>
+  <p:clrMapOvr>
+    <a:masterClrMapping/>
+  </p:clrMapOvr>
+  <p:timing>
+    <p:tnLst>
+      <p:par>
+        <p:cTn id="1" dur="indefinite" restart="never" nodeType="tmRoot"/>
+      </p:par>
+    </p:tnLst>
+  </p:timing>
+</p:sld>
+</file>
+
+<file path=ppt/slides/slide8.xml><?xml version="1.0" encoding="utf-8"?>
+<p:sld xmlns:a="http://schemas.openxmlformats.org/drawingml/2006/main" xmlns:r="http://schemas.openxmlformats.org/officeDocument/2006/relationships" xmlns:p="http://schemas.openxmlformats.org/presentationml/2006/main">
+  <p:cSld>
+    <p:spTree>
+      <p:nvGrpSpPr>
+        <p:cNvPr id="1" name=""/>
+        <p:cNvGrpSpPr/>
+        <p:nvPr/>
+      </p:nvGrpSpPr>
+      <p:grpSpPr>
+        <a:xfrm>
+          <a:off x="0" y="0"/>
+          <a:ext cx="0" cy="0"/>
+          <a:chOff x="0" y="0"/>
+          <a:chExt cx="0" cy="0"/>
+        </a:xfrm>
+      </p:grpSpPr>
+      <p:sp>
+        <p:nvSpPr>
+          <p:cNvPr id="16" name="內容版面配置區 15"/>
+          <p:cNvSpPr>
+            <a:spLocks noGrp="1"/>
+          </p:cNvSpPr>
+          <p:nvPr>
+            <p:ph sz="quarter" idx="1"/>
+          </p:nvPr>
+        </p:nvSpPr>
+        <p:spPr>
+          <a:xfrm>
+            <a:off x="611560" y="1340768"/>
+            <a:ext cx="8153400" cy="4495800"/>
+          </a:xfrm>
+        </p:spPr>
+        <p:txBody>
+          <a:bodyPr>
+            <a:normAutofit/>
+          </a:bodyPr>
+          <a:lstStyle/>
+          <a:p>
+            <a:r>
+              <a:rPr lang="en-US" altLang="zh-TW" sz="2800" dirty="0" smtClean="0">
+                <a:latin typeface="+mn-ea"/>
+                <a:cs typeface="Times New Roman" pitchFamily="18" charset="0"/>
+              </a:rPr>
+              <a:t>PUT </a:t>
+            </a:r>
+            <a:r>
+              <a:rPr lang="en-US" altLang="zh-TW" sz="2800" dirty="0">
+                <a:solidFill>
+                  <a:srgbClr val="0070C0"/>
+                </a:solidFill>
+                <a:latin typeface="+mn-ea"/>
+                <a:cs typeface="Times New Roman" pitchFamily="18" charset="0"/>
+              </a:rPr>
+              <a:t>http://</a:t>
+            </a:r>
+            <a:r>
+              <a:rPr lang="en-US" altLang="zh-TW" sz="2800" dirty="0" smtClean="0">
+                <a:solidFill>
+                  <a:srgbClr val="0070C0"/>
+                </a:solidFill>
+                <a:latin typeface="+mn-ea"/>
+                <a:cs typeface="Times New Roman" pitchFamily="18" charset="0"/>
+              </a:rPr>
+              <a:t>fhir.base.root/</a:t>
+            </a:r>
+            <a:r>
+              <a:rPr lang="en-US" altLang="zh-TW" sz="2800" dirty="0" smtClean="0">
+                <a:solidFill>
+                  <a:srgbClr val="FF0000"/>
+                </a:solidFill>
+                <a:latin typeface="+mn-ea"/>
+                <a:cs typeface="Times New Roman" pitchFamily="18" charset="0"/>
+              </a:rPr>
+              <a:t>ResourceName/</a:t>
+            </a:r>
+            <a:r>
+              <a:rPr lang="en-US" altLang="zh-TW" sz="2800" dirty="0" smtClean="0">
+                <a:solidFill>
+                  <a:srgbClr val="7030A0"/>
+                </a:solidFill>
+                <a:latin typeface="+mn-ea"/>
+                <a:cs typeface="Times New Roman" pitchFamily="18" charset="0"/>
+              </a:rPr>
+              <a:t>id</a:t>
+            </a:r>
+            <a:endParaRPr lang="en-US" altLang="zh-TW" sz="2800" dirty="0" smtClean="0">
+              <a:solidFill>
+                <a:srgbClr val="7030A0"/>
+              </a:solidFill>
+              <a:latin typeface="+mn-ea"/>
+              <a:cs typeface="Times New Roman" pitchFamily="18" charset="0"/>
+            </a:endParaRPr>
+          </a:p>
+          <a:p>
+            <a:r>
+              <a:rPr lang="zh-TW" altLang="en-US" sz="2800" b="1" dirty="0" smtClean="0">
+                <a:latin typeface="+mn-ea"/>
+                <a:cs typeface="Times New Roman" pitchFamily="18" charset="0"/>
+              </a:rPr>
+              <a:t>可更新 </a:t>
+            </a:r>
+            <a:r>
+              <a:rPr lang="en-US" altLang="zh-TW" sz="2800" b="1" dirty="0" smtClean="0">
+                <a:latin typeface="+mn-ea"/>
+                <a:cs typeface="Times New Roman" pitchFamily="18" charset="0"/>
+              </a:rPr>
+              <a:t>FHIR</a:t>
+            </a:r>
+            <a:r>
+              <a:rPr lang="zh-TW" altLang="en-US" sz="2800" b="1" dirty="0" smtClean="0">
+                <a:latin typeface="+mn-ea"/>
+                <a:cs typeface="Times New Roman" pitchFamily="18" charset="0"/>
+              </a:rPr>
+              <a:t> 已存在的 </a:t>
+            </a:r>
+            <a:r>
+              <a:rPr lang="en-US" altLang="zh-TW" sz="2800" b="1" dirty="0" smtClean="0">
+                <a:latin typeface="+mn-ea"/>
+                <a:cs typeface="Times New Roman" pitchFamily="18" charset="0"/>
+              </a:rPr>
+              <a:t>resources</a:t>
+            </a:r>
+          </a:p>
+          <a:p>
+            <a:pPr lvl="1"/>
+            <a:r>
+              <a:rPr lang="zh-TW" altLang="en-US" sz="2400" b="1" dirty="0" smtClean="0">
+                <a:latin typeface="+mn-ea"/>
+                <a:cs typeface="Times New Roman" pitchFamily="18" charset="0"/>
+              </a:rPr>
+              <a:t>以 </a:t>
+            </a:r>
+            <a:r>
+              <a:rPr lang="en-US" altLang="zh-TW" sz="2400" b="1" dirty="0" err="1" smtClean="0">
+                <a:latin typeface="+mn-ea"/>
+                <a:cs typeface="Times New Roman" pitchFamily="18" charset="0"/>
+              </a:rPr>
+              <a:t>ResourceName</a:t>
+            </a:r>
+            <a:r>
+              <a:rPr lang="zh-TW" altLang="en-US" sz="2400" b="1" dirty="0" smtClean="0">
+                <a:latin typeface="+mn-ea"/>
+                <a:cs typeface="Times New Roman" pitchFamily="18" charset="0"/>
+              </a:rPr>
+              <a:t> 指定要更新哪類 </a:t>
+            </a:r>
+            <a:r>
+              <a:rPr lang="en-US" altLang="zh-TW" sz="2400" b="1" dirty="0" smtClean="0">
+                <a:latin typeface="+mn-ea"/>
+                <a:cs typeface="Times New Roman" pitchFamily="18" charset="0"/>
+              </a:rPr>
+              <a:t>resource</a:t>
+            </a:r>
+          </a:p>
+          <a:p>
+            <a:pPr lvl="1"/>
+            <a:r>
+              <a:rPr lang="zh-TW" altLang="en-US" sz="2400" b="1" dirty="0" smtClean="0">
+                <a:latin typeface="+mn-ea"/>
+                <a:cs typeface="Times New Roman" pitchFamily="18" charset="0"/>
+              </a:rPr>
+              <a:t>以  </a:t>
+            </a:r>
+            <a:r>
+              <a:rPr lang="en-US" altLang="zh-TW" sz="2400" b="1" dirty="0" smtClean="0">
+                <a:latin typeface="+mn-ea"/>
+                <a:cs typeface="Times New Roman" pitchFamily="18" charset="0"/>
+              </a:rPr>
+              <a:t>Resource id </a:t>
+            </a:r>
+            <a:r>
+              <a:rPr lang="zh-TW" altLang="en-US" sz="2400" b="1" dirty="0" smtClean="0">
+                <a:latin typeface="+mn-ea"/>
+                <a:cs typeface="Times New Roman" pitchFamily="18" charset="0"/>
+              </a:rPr>
+              <a:t>指定</a:t>
+            </a:r>
+            <a:r>
+              <a:rPr lang="zh-TW" altLang="en-US" sz="2400" b="1" dirty="0">
+                <a:latin typeface="+mn-ea"/>
+                <a:cs typeface="Times New Roman" pitchFamily="18" charset="0"/>
+              </a:rPr>
+              <a:t>要</a:t>
+            </a:r>
+            <a:r>
+              <a:rPr lang="zh-TW" altLang="en-US" sz="2400" b="1" dirty="0" smtClean="0">
+                <a:latin typeface="+mn-ea"/>
+                <a:cs typeface="Times New Roman" pitchFamily="18" charset="0"/>
+              </a:rPr>
+              <a:t>更新哪個 </a:t>
+            </a:r>
+            <a:r>
+              <a:rPr lang="en-US" altLang="zh-TW" sz="2400" b="1" dirty="0" smtClean="0">
+                <a:latin typeface="+mn-ea"/>
+                <a:cs typeface="Times New Roman" pitchFamily="18" charset="0"/>
+              </a:rPr>
+              <a:t>resource</a:t>
+            </a:r>
+          </a:p>
+          <a:p>
+            <a:pPr lvl="2"/>
+            <a:r>
+              <a:rPr lang="zh-TW" altLang="en-US" sz="2000" b="1" dirty="0" smtClean="0">
+                <a:latin typeface="+mn-ea"/>
+                <a:cs typeface="Times New Roman" pitchFamily="18" charset="0"/>
+              </a:rPr>
+              <a:t>如更新肚痛狀況</a:t>
+            </a:r>
+            <a:r>
+              <a:rPr lang="en-US" altLang="zh-TW" sz="2000" b="1" dirty="0" smtClean="0">
+                <a:latin typeface="+mn-ea"/>
+                <a:cs typeface="Times New Roman" pitchFamily="18" charset="0"/>
+              </a:rPr>
+              <a:t>(</a:t>
+            </a:r>
+            <a:r>
+              <a:rPr lang="en-US" altLang="zh-TW" sz="2000" b="1" dirty="0" err="1" smtClean="0">
+                <a:latin typeface="+mn-ea"/>
+                <a:cs typeface="Times New Roman" pitchFamily="18" charset="0"/>
+              </a:rPr>
+              <a:t>condiction</a:t>
+            </a:r>
+            <a:r>
+              <a:rPr lang="en-US" altLang="zh-TW" sz="2000" b="1" dirty="0" smtClean="0">
+                <a:latin typeface="+mn-ea"/>
+                <a:cs typeface="Times New Roman" pitchFamily="18" charset="0"/>
+              </a:rPr>
+              <a:t>)</a:t>
+            </a:r>
+            <a:r>
+              <a:rPr lang="zh-TW" altLang="en-US" sz="2000" b="1" dirty="0" smtClean="0">
+                <a:latin typeface="+mn-ea"/>
+                <a:cs typeface="Times New Roman" pitchFamily="18" charset="0"/>
+              </a:rPr>
+              <a:t>為嚴重</a:t>
+            </a:r>
+            <a:endParaRPr lang="en-US" altLang="zh-TW" sz="2000" b="1" dirty="0" smtClean="0">
+              <a:latin typeface="+mn-ea"/>
+              <a:cs typeface="Times New Roman" pitchFamily="18" charset="0"/>
+            </a:endParaRPr>
+          </a:p>
+          <a:p>
+            <a:r>
+              <a:rPr lang="zh-TW" altLang="en-US" sz="2800" b="1" dirty="0">
+                <a:latin typeface="+mn-ea"/>
+                <a:cs typeface="Times New Roman" pitchFamily="18" charset="0"/>
+              </a:rPr>
+              <a:t>以  </a:t>
+            </a:r>
+            <a:r>
+              <a:rPr lang="en-US" altLang="zh-TW" sz="2800" b="1" dirty="0">
+                <a:latin typeface="+mn-ea"/>
+                <a:cs typeface="Times New Roman" pitchFamily="18" charset="0"/>
+              </a:rPr>
+              <a:t>HTTP </a:t>
+            </a:r>
+            <a:r>
+              <a:rPr lang="en-US" altLang="zh-TW" sz="2800" b="1" dirty="0" smtClean="0">
+                <a:latin typeface="+mn-ea"/>
+                <a:cs typeface="Times New Roman" pitchFamily="18" charset="0"/>
+              </a:rPr>
+              <a:t>put </a:t>
+            </a:r>
+            <a:r>
+              <a:rPr lang="zh-TW" altLang="en-US" sz="2800" b="1" dirty="0" smtClean="0">
+                <a:latin typeface="+mn-ea"/>
+                <a:cs typeface="Times New Roman" pitchFamily="18" charset="0"/>
+              </a:rPr>
+              <a:t>上傳要更新的 </a:t>
+            </a:r>
+            <a:r>
+              <a:rPr lang="en-US" altLang="zh-TW" sz="2800" b="1" dirty="0" smtClean="0">
+                <a:latin typeface="+mn-ea"/>
+                <a:cs typeface="Times New Roman" pitchFamily="18" charset="0"/>
+              </a:rPr>
+              <a:t>resource </a:t>
+            </a:r>
+            <a:endParaRPr lang="en-US" altLang="zh-TW" sz="2800" b="1" dirty="0">
+              <a:latin typeface="+mn-ea"/>
+              <a:cs typeface="Times New Roman" pitchFamily="18" charset="0"/>
+            </a:endParaRPr>
+          </a:p>
+          <a:p>
+            <a:endParaRPr lang="en-US" altLang="zh-TW" sz="2800" b="1" dirty="0" smtClean="0">
+              <a:latin typeface="+mn-ea"/>
+              <a:cs typeface="Times New Roman" pitchFamily="18" charset="0"/>
+            </a:endParaRPr>
+          </a:p>
+          <a:p>
+            <a:r>
+              <a:rPr lang="zh-TW" altLang="en-US" sz="2800" dirty="0" smtClean="0">
+                <a:solidFill>
+                  <a:srgbClr val="FF0000"/>
+                </a:solidFill>
+                <a:latin typeface="+mn-ea"/>
+                <a:cs typeface="Times New Roman" pitchFamily="18" charset="0"/>
+              </a:rPr>
+              <a:t>也可</a:t>
+            </a:r>
+            <a:r>
+              <a:rPr lang="zh-TW" altLang="en-US" sz="2800" dirty="0" smtClean="0">
+                <a:solidFill>
+                  <a:srgbClr val="FF0000"/>
+                </a:solidFill>
+                <a:latin typeface="+mn-ea"/>
+                <a:cs typeface="Times New Roman" pitchFamily="18" charset="0"/>
+              </a:rPr>
+              <a:t>用來新增指定 </a:t>
+            </a:r>
+            <a:r>
+              <a:rPr lang="en-US" altLang="zh-TW" sz="2800" dirty="0" smtClean="0">
+                <a:solidFill>
+                  <a:srgbClr val="FF0000"/>
+                </a:solidFill>
+                <a:latin typeface="+mn-ea"/>
+                <a:cs typeface="Times New Roman" pitchFamily="18" charset="0"/>
+              </a:rPr>
+              <a:t>id </a:t>
+            </a:r>
+            <a:r>
+              <a:rPr lang="zh-TW" altLang="en-US" sz="2800" dirty="0" smtClean="0">
+                <a:solidFill>
+                  <a:srgbClr val="FF0000"/>
+                </a:solidFill>
+                <a:latin typeface="+mn-ea"/>
+                <a:cs typeface="Times New Roman" pitchFamily="18" charset="0"/>
+              </a:rPr>
+              <a:t>的 </a:t>
+            </a:r>
+            <a:r>
+              <a:rPr lang="en-US" altLang="zh-TW" sz="2800" dirty="0" smtClean="0">
+                <a:solidFill>
+                  <a:srgbClr val="FF0000"/>
+                </a:solidFill>
+                <a:latin typeface="+mn-ea"/>
+                <a:cs typeface="Times New Roman" pitchFamily="18" charset="0"/>
+              </a:rPr>
+              <a:t>resource</a:t>
+            </a:r>
+          </a:p>
+          <a:p>
+            <a:pPr lvl="1"/>
+            <a:r>
+              <a:rPr lang="zh-TW" altLang="en-US" sz="2400" dirty="0" smtClean="0">
+                <a:latin typeface="+mn-ea"/>
+                <a:cs typeface="Times New Roman" pitchFamily="18" charset="0"/>
+              </a:rPr>
+              <a:t>如建立一指定</a:t>
+            </a:r>
+            <a:r>
+              <a:rPr lang="en-US" altLang="zh-TW" sz="2400" dirty="0" smtClean="0">
+                <a:latin typeface="+mn-ea"/>
+                <a:cs typeface="Times New Roman" pitchFamily="18" charset="0"/>
+              </a:rPr>
+              <a:t>id(</a:t>
+            </a:r>
+            <a:r>
+              <a:rPr lang="zh-TW" altLang="en-US" sz="2400" dirty="0" smtClean="0">
+                <a:latin typeface="+mn-ea"/>
+                <a:cs typeface="Times New Roman" pitchFamily="18" charset="0"/>
+              </a:rPr>
+              <a:t>病歷號</a:t>
+            </a:r>
+            <a:r>
+              <a:rPr lang="en-US" altLang="zh-TW" sz="2400" dirty="0" smtClean="0">
+                <a:latin typeface="+mn-ea"/>
+                <a:cs typeface="Times New Roman" pitchFamily="18" charset="0"/>
+              </a:rPr>
+              <a:t>= id)</a:t>
+            </a:r>
+            <a:r>
+              <a:rPr lang="zh-TW" altLang="en-US" sz="2400" dirty="0" smtClean="0">
+                <a:latin typeface="+mn-ea"/>
+                <a:cs typeface="Times New Roman" pitchFamily="18" charset="0"/>
+              </a:rPr>
+              <a:t>的病人</a:t>
+            </a:r>
+            <a:endParaRPr lang="en-US" altLang="zh-TW" sz="2400" dirty="0" smtClean="0">
+              <a:latin typeface="+mn-ea"/>
+              <a:cs typeface="Times New Roman" pitchFamily="18" charset="0"/>
+            </a:endParaRPr>
+          </a:p>
+          <a:p>
+            <a:endParaRPr lang="zh-TW" altLang="en-US" sz="2800" b="1" dirty="0" smtClean="0">
+              <a:latin typeface="Times New Roman" pitchFamily="18" charset="0"/>
+              <a:cs typeface="Times New Roman" pitchFamily="18" charset="0"/>
+            </a:endParaRPr>
+          </a:p>
+        </p:txBody>
+      </p:sp>
+      <p:sp>
+        <p:nvSpPr>
+          <p:cNvPr id="33" name="Title 2"/>
+          <p:cNvSpPr>
+            <a:spLocks noGrp="1"/>
+          </p:cNvSpPr>
+          <p:nvPr>
+            <p:ph type="title"/>
+          </p:nvPr>
+        </p:nvSpPr>
+        <p:spPr>
+          <a:xfrm>
+            <a:off x="402764" y="260648"/>
+            <a:ext cx="8181808" cy="634083"/>
+          </a:xfrm>
+        </p:spPr>
+        <p:txBody>
+          <a:bodyPr>
+            <a:noAutofit/>
+          </a:bodyPr>
+          <a:lstStyle/>
+          <a:p>
+            <a:pPr algn="ctr"/>
+            <a:r>
+              <a:rPr lang="en-US" altLang="zh-TW" sz="4000" b="1" dirty="0" err="1" smtClean="0">
+                <a:solidFill>
+                  <a:srgbClr val="000000"/>
+                </a:solidFill>
+              </a:rPr>
+              <a:t>FHIR</a:t>
+            </a:r>
+            <a:r>
+              <a:rPr lang="zh-TW" altLang="en-US" sz="4000" b="1" dirty="0" smtClean="0">
+                <a:solidFill>
+                  <a:srgbClr val="000000"/>
+                </a:solidFill>
+              </a:rPr>
+              <a:t> </a:t>
+            </a:r>
+            <a:r>
+              <a:rPr lang="en-US" altLang="zh-TW" sz="4000" b="1" dirty="0" smtClean="0">
+                <a:solidFill>
+                  <a:srgbClr val="000000"/>
+                </a:solidFill>
+              </a:rPr>
+              <a:t>API-</a:t>
+            </a:r>
+            <a:r>
+              <a:rPr lang="en-US" altLang="zh-TW" sz="4000" b="1" dirty="0" smtClean="0">
+                <a:solidFill>
+                  <a:srgbClr val="000000"/>
+                </a:solidFill>
+              </a:rPr>
+              <a:t>-</a:t>
+            </a:r>
+            <a:r>
+              <a:rPr lang="zh-TW" altLang="en-US" sz="4000" b="1" dirty="0" smtClean="0">
+                <a:solidFill>
+                  <a:srgbClr val="FF0000"/>
+                </a:solidFill>
+              </a:rPr>
+              <a:t>修改 </a:t>
+            </a:r>
+            <a:r>
+              <a:rPr lang="zh-TW" altLang="en-US" sz="4000" b="1" dirty="0" smtClean="0">
+                <a:solidFill>
+                  <a:srgbClr val="000000"/>
+                </a:solidFill>
+              </a:rPr>
+              <a:t>各種 </a:t>
+            </a:r>
+            <a:r>
+              <a:rPr lang="en-US" altLang="zh-TW" sz="4000" b="1" dirty="0" smtClean="0">
+                <a:solidFill>
+                  <a:srgbClr val="000000"/>
+                </a:solidFill>
+              </a:rPr>
+              <a:t>resources</a:t>
+            </a:r>
+            <a:endParaRPr lang="en-GB" sz="4000" b="1" dirty="0">
+              <a:solidFill>
+                <a:srgbClr val="000000"/>
+              </a:solidFill>
+            </a:endParaRPr>
+          </a:p>
+        </p:txBody>
+      </p:sp>
+    </p:spTree>
+    <p:extLst>
+      <p:ext uri="{BB962C8B-B14F-4D97-AF65-F5344CB8AC3E}">
+        <p14:creationId xmlns:p14="http://schemas.microsoft.com/office/powerpoint/2010/main" val="1136877734"/>
+      </p:ext>
+    </p:extLst>
+  </p:cSld>
+  <p:clrMapOvr>
+    <a:masterClrMapping/>
+  </p:clrMapOvr>
+  <p:timing>
+    <p:tnLst>
+      <p:par>
+        <p:cTn id="1" dur="indefinite" restart="never" nodeType="tmRoot"/>
+      </p:par>
+    </p:tnLst>
+  </p:timing>
+</p:sld>
+</file>
+
+<file path=ppt/slides/slide9.xml><?xml version="1.0" encoding="utf-8"?>
+<p:sld xmlns:a="http://schemas.openxmlformats.org/drawingml/2006/main" xmlns:r="http://schemas.openxmlformats.org/officeDocument/2006/relationships" xmlns:p="http://schemas.openxmlformats.org/presentationml/2006/main">
+  <p:cSld>
+    <p:spTree>
+      <p:nvGrpSpPr>
+        <p:cNvPr id="1" name=""/>
+        <p:cNvGrpSpPr/>
+        <p:nvPr/>
+      </p:nvGrpSpPr>
+      <p:grpSpPr>
+        <a:xfrm>
+          <a:off x="0" y="0"/>
+          <a:ext cx="0" cy="0"/>
+          <a:chOff x="0" y="0"/>
+          <a:chExt cx="0" cy="0"/>
+        </a:xfrm>
+      </p:grpSpPr>
+      <p:sp>
+        <p:nvSpPr>
+          <p:cNvPr id="16" name="內容版面配置區 15"/>
+          <p:cNvSpPr>
+            <a:spLocks noGrp="1"/>
+          </p:cNvSpPr>
+          <p:nvPr>
+            <p:ph sz="quarter" idx="1"/>
+          </p:nvPr>
+        </p:nvSpPr>
+        <p:spPr>
+          <a:xfrm>
+            <a:off x="539552" y="1844824"/>
+            <a:ext cx="8153400" cy="4495800"/>
+          </a:xfrm>
+        </p:spPr>
+        <p:txBody>
+          <a:bodyPr>
+            <a:normAutofit/>
+          </a:bodyPr>
+          <a:lstStyle/>
+          <a:p>
+            <a:r>
+              <a:rPr lang="en-US" altLang="zh-TW" sz="2800" dirty="0" smtClean="0">
+                <a:latin typeface="+mn-ea"/>
+                <a:cs typeface="Times New Roman" pitchFamily="18" charset="0"/>
+              </a:rPr>
+              <a:t>DELETE </a:t>
+            </a:r>
+            <a:r>
+              <a:rPr lang="en-US" altLang="zh-TW" sz="2800" dirty="0">
+                <a:solidFill>
+                  <a:srgbClr val="0070C0"/>
+                </a:solidFill>
+                <a:latin typeface="+mn-ea"/>
+                <a:cs typeface="Times New Roman" pitchFamily="18" charset="0"/>
+              </a:rPr>
+              <a:t>http://</a:t>
+            </a:r>
+            <a:r>
+              <a:rPr lang="en-US" altLang="zh-TW" sz="2800" dirty="0" smtClean="0">
+                <a:solidFill>
+                  <a:srgbClr val="0070C0"/>
+                </a:solidFill>
+                <a:latin typeface="+mn-ea"/>
+                <a:cs typeface="Times New Roman" pitchFamily="18" charset="0"/>
+              </a:rPr>
+              <a:t>fhir.base.root</a:t>
+            </a:r>
+            <a:r>
+              <a:rPr lang="en-US" altLang="zh-TW" sz="2800" dirty="0" smtClean="0">
+                <a:solidFill>
+                  <a:srgbClr val="0070C0"/>
+                </a:solidFill>
+                <a:latin typeface="+mn-ea"/>
+                <a:cs typeface="Times New Roman" pitchFamily="18" charset="0"/>
+              </a:rPr>
+              <a:t>//</a:t>
+            </a:r>
+            <a:r>
+              <a:rPr lang="en-US" altLang="zh-TW" sz="2800" dirty="0" smtClean="0">
+                <a:solidFill>
+                  <a:srgbClr val="FF0000"/>
+                </a:solidFill>
+                <a:latin typeface="+mn-ea"/>
+                <a:cs typeface="Times New Roman" pitchFamily="18" charset="0"/>
+              </a:rPr>
+              <a:t>ResourceName/</a:t>
+            </a:r>
+            <a:r>
+              <a:rPr lang="en-US" altLang="zh-TW" sz="2800" dirty="0" smtClean="0">
+                <a:solidFill>
+                  <a:srgbClr val="7030A0"/>
+                </a:solidFill>
+                <a:latin typeface="+mn-ea"/>
+                <a:cs typeface="Times New Roman" pitchFamily="18" charset="0"/>
+              </a:rPr>
+              <a:t>id</a:t>
+            </a:r>
+            <a:endParaRPr lang="en-US" altLang="zh-TW" sz="2800" dirty="0" smtClean="0">
+              <a:solidFill>
+                <a:srgbClr val="7030A0"/>
+              </a:solidFill>
+              <a:latin typeface="+mn-ea"/>
+              <a:cs typeface="Times New Roman" pitchFamily="18" charset="0"/>
+            </a:endParaRPr>
+          </a:p>
+          <a:p>
+            <a:pPr lvl="1"/>
+            <a:r>
+              <a:rPr lang="zh-TW" altLang="en-US" sz="2400" b="1" dirty="0">
+                <a:latin typeface="+mn-ea"/>
+                <a:cs typeface="Times New Roman" pitchFamily="18" charset="0"/>
+              </a:rPr>
+              <a:t>以 </a:t>
+            </a:r>
+            <a:r>
+              <a:rPr lang="en-US" altLang="zh-TW" sz="2400" b="1" dirty="0" err="1">
+                <a:latin typeface="+mn-ea"/>
+                <a:cs typeface="Times New Roman" pitchFamily="18" charset="0"/>
+              </a:rPr>
+              <a:t>ResourceName</a:t>
+            </a:r>
+            <a:r>
+              <a:rPr lang="en-US" altLang="zh-TW" sz="2400" b="1" dirty="0">
+                <a:latin typeface="+mn-ea"/>
+                <a:cs typeface="Times New Roman" pitchFamily="18" charset="0"/>
+              </a:rPr>
+              <a:t> </a:t>
+            </a:r>
+            <a:r>
+              <a:rPr lang="zh-TW" altLang="en-US" sz="2400" b="1" dirty="0">
+                <a:latin typeface="+mn-ea"/>
+                <a:cs typeface="Times New Roman" pitchFamily="18" charset="0"/>
+              </a:rPr>
+              <a:t>指定</a:t>
+            </a:r>
+            <a:r>
+              <a:rPr lang="zh-TW" altLang="en-US" sz="2400" b="1" dirty="0" smtClean="0">
+                <a:latin typeface="+mn-ea"/>
+                <a:cs typeface="Times New Roman" pitchFamily="18" charset="0"/>
+              </a:rPr>
+              <a:t>要刪除哪</a:t>
+            </a:r>
+            <a:r>
+              <a:rPr lang="zh-TW" altLang="en-US" sz="2400" b="1" dirty="0">
+                <a:latin typeface="+mn-ea"/>
+                <a:cs typeface="Times New Roman" pitchFamily="18" charset="0"/>
+              </a:rPr>
+              <a:t>類 </a:t>
+            </a:r>
+            <a:r>
+              <a:rPr lang="en-US" altLang="zh-TW" sz="2400" b="1" dirty="0">
+                <a:latin typeface="+mn-ea"/>
+                <a:cs typeface="Times New Roman" pitchFamily="18" charset="0"/>
+              </a:rPr>
+              <a:t>resource</a:t>
+            </a:r>
+          </a:p>
+          <a:p>
+            <a:pPr lvl="1"/>
+            <a:r>
+              <a:rPr lang="zh-TW" altLang="en-US" sz="2400" b="1" dirty="0">
+                <a:latin typeface="+mn-ea"/>
+                <a:cs typeface="Times New Roman" pitchFamily="18" charset="0"/>
+              </a:rPr>
+              <a:t>以  </a:t>
+            </a:r>
+            <a:r>
+              <a:rPr lang="en-US" altLang="zh-TW" sz="2400" b="1" dirty="0">
+                <a:latin typeface="+mn-ea"/>
+                <a:cs typeface="Times New Roman" pitchFamily="18" charset="0"/>
+              </a:rPr>
+              <a:t>Resource id </a:t>
+            </a:r>
+            <a:r>
+              <a:rPr lang="zh-TW" altLang="en-US" sz="2400" b="1" dirty="0">
+                <a:latin typeface="+mn-ea"/>
+                <a:cs typeface="Times New Roman" pitchFamily="18" charset="0"/>
+              </a:rPr>
+              <a:t>指定</a:t>
+            </a:r>
+            <a:r>
+              <a:rPr lang="zh-TW" altLang="en-US" sz="2400" b="1" dirty="0" smtClean="0">
+                <a:latin typeface="+mn-ea"/>
+                <a:cs typeface="Times New Roman" pitchFamily="18" charset="0"/>
+              </a:rPr>
+              <a:t>要刪除哪</a:t>
+            </a:r>
+            <a:r>
+              <a:rPr lang="zh-TW" altLang="en-US" sz="2400" b="1" dirty="0">
+                <a:latin typeface="+mn-ea"/>
+                <a:cs typeface="Times New Roman" pitchFamily="18" charset="0"/>
+              </a:rPr>
+              <a:t>個 </a:t>
+            </a:r>
+            <a:r>
+              <a:rPr lang="en-US" altLang="zh-TW" sz="2400" b="1" dirty="0">
+                <a:latin typeface="+mn-ea"/>
+                <a:cs typeface="Times New Roman" pitchFamily="18" charset="0"/>
+              </a:rPr>
+              <a:t>resource</a:t>
+            </a:r>
+          </a:p>
+          <a:p>
+            <a:r>
+              <a:rPr lang="zh-TW" altLang="en-US" sz="2800" b="1" dirty="0">
+                <a:latin typeface="+mn-ea"/>
+                <a:cs typeface="Times New Roman" pitchFamily="18" charset="0"/>
+              </a:rPr>
+              <a:t>以  </a:t>
+            </a:r>
+            <a:r>
+              <a:rPr lang="en-US" altLang="zh-TW" sz="2800" b="1" dirty="0">
+                <a:latin typeface="+mn-ea"/>
+                <a:cs typeface="Times New Roman" pitchFamily="18" charset="0"/>
+              </a:rPr>
+              <a:t>HTTP </a:t>
+            </a:r>
+            <a:r>
+              <a:rPr lang="en-US" altLang="zh-TW" sz="2800" b="1" dirty="0" smtClean="0">
+                <a:latin typeface="+mn-ea"/>
+                <a:cs typeface="Times New Roman" pitchFamily="18" charset="0"/>
+              </a:rPr>
+              <a:t>Delete </a:t>
+            </a:r>
+            <a:r>
+              <a:rPr lang="zh-TW" altLang="en-US" sz="2800" b="1" dirty="0" smtClean="0">
+                <a:latin typeface="+mn-ea"/>
+                <a:cs typeface="Times New Roman" pitchFamily="18" charset="0"/>
+              </a:rPr>
+              <a:t>來刪除資料</a:t>
+            </a:r>
+            <a:endParaRPr lang="en-US" altLang="zh-TW" sz="2800" b="1" dirty="0" smtClean="0">
+              <a:latin typeface="+mn-ea"/>
+              <a:cs typeface="Times New Roman" pitchFamily="18" charset="0"/>
+            </a:endParaRPr>
+          </a:p>
+          <a:p>
+            <a:endParaRPr lang="zh-TW" altLang="en-US" sz="2400" b="1" dirty="0" smtClean="0">
+              <a:latin typeface="Times New Roman" pitchFamily="18" charset="0"/>
+              <a:cs typeface="Times New Roman" pitchFamily="18" charset="0"/>
+            </a:endParaRPr>
+          </a:p>
+          <a:p>
+            <a:endParaRPr lang="zh-TW" altLang="en-US" sz="2000" dirty="0">
+              <a:latin typeface="Times New Roman" pitchFamily="18" charset="0"/>
+              <a:cs typeface="Times New Roman" pitchFamily="18" charset="0"/>
+            </a:endParaRPr>
+          </a:p>
+        </p:txBody>
+      </p:sp>
+      <p:sp>
+        <p:nvSpPr>
+          <p:cNvPr id="33" name="Title 2"/>
+          <p:cNvSpPr>
+            <a:spLocks noGrp="1"/>
+          </p:cNvSpPr>
+          <p:nvPr>
+            <p:ph type="title"/>
+          </p:nvPr>
+        </p:nvSpPr>
+        <p:spPr>
+          <a:xfrm>
+            <a:off x="402764" y="260648"/>
+            <a:ext cx="8181808" cy="634083"/>
+          </a:xfrm>
+        </p:spPr>
+        <p:txBody>
+          <a:bodyPr>
+            <a:noAutofit/>
+          </a:bodyPr>
+          <a:lstStyle/>
+          <a:p>
+            <a:pPr algn="ctr"/>
+            <a:r>
+              <a:rPr lang="en-US" altLang="zh-TW" sz="4000" b="1" dirty="0" smtClean="0">
+                <a:solidFill>
+                  <a:srgbClr val="000000"/>
+                </a:solidFill>
+              </a:rPr>
+              <a:t>FHIR</a:t>
+            </a:r>
+            <a:r>
+              <a:rPr lang="zh-TW" altLang="en-US" sz="4000" b="1" dirty="0" smtClean="0">
+                <a:solidFill>
+                  <a:srgbClr val="000000"/>
+                </a:solidFill>
+              </a:rPr>
+              <a:t> </a:t>
+            </a:r>
+            <a:r>
+              <a:rPr lang="en-US" altLang="zh-TW" sz="4000" b="1" dirty="0" smtClean="0">
+                <a:solidFill>
+                  <a:srgbClr val="000000"/>
+                </a:solidFill>
+              </a:rPr>
+              <a:t>API—</a:t>
+            </a:r>
+            <a:r>
+              <a:rPr lang="zh-TW" altLang="en-US" sz="4000" b="1" dirty="0" smtClean="0">
+                <a:solidFill>
+                  <a:srgbClr val="FF0000"/>
+                </a:solidFill>
+              </a:rPr>
+              <a:t>刪除 </a:t>
+            </a:r>
+            <a:r>
+              <a:rPr lang="zh-TW" altLang="en-US" sz="4000" b="1" dirty="0" smtClean="0">
+                <a:solidFill>
+                  <a:srgbClr val="000000"/>
+                </a:solidFill>
+              </a:rPr>
+              <a:t> </a:t>
+            </a:r>
+            <a:r>
+              <a:rPr lang="en-US" altLang="zh-TW" sz="4000" b="1" dirty="0" smtClean="0">
+                <a:solidFill>
+                  <a:srgbClr val="000000"/>
+                </a:solidFill>
+              </a:rPr>
+              <a:t>resources</a:t>
+            </a:r>
+            <a:endParaRPr lang="en-GB" sz="4000" b="1" dirty="0">
+              <a:solidFill>
+                <a:srgbClr val="000000"/>
+              </a:solidFill>
+            </a:endParaRPr>
+          </a:p>
+        </p:txBody>
+      </p:sp>
+    </p:spTree>
+    <p:extLst>
+      <p:ext uri="{BB962C8B-B14F-4D97-AF65-F5344CB8AC3E}">
+        <p14:creationId xmlns:p14="http://schemas.microsoft.com/office/powerpoint/2010/main" val="57357127"/>
+      </p:ext>
+    </p:extLst>
+  </p:cSld>
+  <p:clrMapOvr>
+    <a:masterClrMapping/>
+  </p:clrMapOvr>
+  <p:timing>
+    <p:tnLst>
+      <p:par>
+        <p:cTn id="1" dur="indefinite" restart="never" nodeType="tmRoot"/>
       </p:par>
     </p:tnLst>
   </p:timing>
